--- a/docs/assets/fractals/3d/menger-grey.pptx
+++ b/docs/assets/fractals/3d/menger-grey.pptx
@@ -104,6 +104,11 @@
       </a:defRPr>
     </a:lvl9pPr>
   </p:defaultTextStyle>
+  <p:extLst>
+    <p:ext uri="{EFAFB233-063F-42B5-8137-9DF3F51BA10A}">
+      <p15:sldGuideLst xmlns:p15="http://schemas.microsoft.com/office/powerpoint/2012/main"/>
+    </p:ext>
+  </p:extLst>
 </p:presentation>
 </file>
 
@@ -238,7 +243,7 @@
           <a:p>
             <a:fld id="{42147EE6-B061-CA4C-8D4E-EDA22BD3332D}" type="datetimeFigureOut">
               <a:rPr lang="en-GB" smtClean="0"/>
-              <a:t>24/08/2024</a:t>
+              <a:t>27/08/2024</a:t>
             </a:fld>
             <a:endParaRPr lang="en-GB"/>
           </a:p>
@@ -408,7 +413,7 @@
           <a:p>
             <a:fld id="{42147EE6-B061-CA4C-8D4E-EDA22BD3332D}" type="datetimeFigureOut">
               <a:rPr lang="en-GB" smtClean="0"/>
-              <a:t>24/08/2024</a:t>
+              <a:t>27/08/2024</a:t>
             </a:fld>
             <a:endParaRPr lang="en-GB"/>
           </a:p>
@@ -588,7 +593,7 @@
           <a:p>
             <a:fld id="{42147EE6-B061-CA4C-8D4E-EDA22BD3332D}" type="datetimeFigureOut">
               <a:rPr lang="en-GB" smtClean="0"/>
-              <a:t>24/08/2024</a:t>
+              <a:t>27/08/2024</a:t>
             </a:fld>
             <a:endParaRPr lang="en-GB"/>
           </a:p>
@@ -758,7 +763,7 @@
           <a:p>
             <a:fld id="{42147EE6-B061-CA4C-8D4E-EDA22BD3332D}" type="datetimeFigureOut">
               <a:rPr lang="en-GB" smtClean="0"/>
-              <a:t>24/08/2024</a:t>
+              <a:t>27/08/2024</a:t>
             </a:fld>
             <a:endParaRPr lang="en-GB"/>
           </a:p>
@@ -1002,7 +1007,7 @@
           <a:p>
             <a:fld id="{42147EE6-B061-CA4C-8D4E-EDA22BD3332D}" type="datetimeFigureOut">
               <a:rPr lang="en-GB" smtClean="0"/>
-              <a:t>24/08/2024</a:t>
+              <a:t>27/08/2024</a:t>
             </a:fld>
             <a:endParaRPr lang="en-GB"/>
           </a:p>
@@ -1234,7 +1239,7 @@
           <a:p>
             <a:fld id="{42147EE6-B061-CA4C-8D4E-EDA22BD3332D}" type="datetimeFigureOut">
               <a:rPr lang="en-GB" smtClean="0"/>
-              <a:t>24/08/2024</a:t>
+              <a:t>27/08/2024</a:t>
             </a:fld>
             <a:endParaRPr lang="en-GB"/>
           </a:p>
@@ -1601,7 +1606,7 @@
           <a:p>
             <a:fld id="{42147EE6-B061-CA4C-8D4E-EDA22BD3332D}" type="datetimeFigureOut">
               <a:rPr lang="en-GB" smtClean="0"/>
-              <a:t>24/08/2024</a:t>
+              <a:t>27/08/2024</a:t>
             </a:fld>
             <a:endParaRPr lang="en-GB"/>
           </a:p>
@@ -1719,7 +1724,7 @@
           <a:p>
             <a:fld id="{42147EE6-B061-CA4C-8D4E-EDA22BD3332D}" type="datetimeFigureOut">
               <a:rPr lang="en-GB" smtClean="0"/>
-              <a:t>24/08/2024</a:t>
+              <a:t>27/08/2024</a:t>
             </a:fld>
             <a:endParaRPr lang="en-GB"/>
           </a:p>
@@ -1814,7 +1819,7 @@
           <a:p>
             <a:fld id="{42147EE6-B061-CA4C-8D4E-EDA22BD3332D}" type="datetimeFigureOut">
               <a:rPr lang="en-GB" smtClean="0"/>
-              <a:t>24/08/2024</a:t>
+              <a:t>27/08/2024</a:t>
             </a:fld>
             <a:endParaRPr lang="en-GB"/>
           </a:p>
@@ -2091,7 +2096,7 @@
           <a:p>
             <a:fld id="{42147EE6-B061-CA4C-8D4E-EDA22BD3332D}" type="datetimeFigureOut">
               <a:rPr lang="en-GB" smtClean="0"/>
-              <a:t>24/08/2024</a:t>
+              <a:t>27/08/2024</a:t>
             </a:fld>
             <a:endParaRPr lang="en-GB"/>
           </a:p>
@@ -2348,7 +2353,7 @@
           <a:p>
             <a:fld id="{42147EE6-B061-CA4C-8D4E-EDA22BD3332D}" type="datetimeFigureOut">
               <a:rPr lang="en-GB" smtClean="0"/>
-              <a:t>24/08/2024</a:t>
+              <a:t>27/08/2024</a:t>
             </a:fld>
             <a:endParaRPr lang="en-GB"/>
           </a:p>
@@ -2561,7 +2566,7 @@
           <a:p>
             <a:fld id="{42147EE6-B061-CA4C-8D4E-EDA22BD3332D}" type="datetimeFigureOut">
               <a:rPr lang="en-GB" smtClean="0"/>
-              <a:t>24/08/2024</a:t>
+              <a:t>27/08/2024</a:t>
             </a:fld>
             <a:endParaRPr lang="en-GB"/>
           </a:p>
@@ -2966,8 +2971,8 @@
           <a:chExt cx="0" cy="0"/>
         </a:xfrm>
       </p:grpSpPr>
-      <mc:AlternateContent xmlns:mc="http://schemas.openxmlformats.org/markup-compatibility/2006">
-        <mc:Choice xmlns:pslz="http://schemas.microsoft.com/office/powerpoint/2016/slidezoom" Requires="pslz">
+      <mc:AlternateContent xmlns:mc="http://schemas.openxmlformats.org/markup-compatibility/2006" xmlns:pslz="http://schemas.microsoft.com/office/powerpoint/2016/slidezoom">
+        <mc:Choice Requires="pslz">
           <p:graphicFrame>
             <p:nvGraphicFramePr>
               <p:cNvPr id="21" name="Slide Zoom 20">
@@ -3019,7 +3024,7 @@
             </a:graphic>
           </p:graphicFrame>
         </mc:Choice>
-        <mc:Fallback>
+        <mc:Fallback xmlns="">
           <p:pic>
             <p:nvPicPr>
               <p:cNvPr id="21" name="Slide Zoom 20">
@@ -3036,7 +3041,7 @@
               <p:nvPr/>
             </p:nvPicPr>
             <p:blipFill>
-              <a:blip r:embed="rId2"/>
+              <a:blip r:embed="rId4"/>
               <a:stretch>
                 <a:fillRect/>
               </a:stretch>
@@ -3053,8 +3058,8 @@
           </p:pic>
         </mc:Fallback>
       </mc:AlternateContent>
-      <mc:AlternateContent xmlns:mc="http://schemas.openxmlformats.org/markup-compatibility/2006">
-        <mc:Choice xmlns:pslz="http://schemas.microsoft.com/office/powerpoint/2016/slidezoom" Requires="pslz">
+      <mc:AlternateContent xmlns:mc="http://schemas.openxmlformats.org/markup-compatibility/2006" xmlns:pslz="http://schemas.microsoft.com/office/powerpoint/2016/slidezoom">
+        <mc:Choice Requires="pslz">
           <p:graphicFrame>
             <p:nvGraphicFramePr>
               <p:cNvPr id="20" name="Slide Zoom 19">
@@ -3085,7 +3090,7 @@
                   <pslz:sldZmObj sldId="257" cId="44207352">
                     <pslz:zmPr id="{F065D511-42F3-7841-A7DA-E4E064121050}" returnToParent="0" transitionDur="1000" showBg="0">
                       <p166:blipFill xmlns:p166="http://schemas.microsoft.com/office/powerpoint/2016/6/main">
-                        <a:blip r:embed="rId4"/>
+                        <a:blip r:embed="rId5"/>
                         <a:stretch>
                           <a:fillRect/>
                         </a:stretch>
@@ -3106,7 +3111,7 @@
             </a:graphic>
           </p:graphicFrame>
         </mc:Choice>
-        <mc:Fallback>
+        <mc:Fallback xmlns="">
           <p:pic>
             <p:nvPicPr>
               <p:cNvPr id="20" name="Slide Zoom 19">
@@ -3123,7 +3128,7 @@
               <p:nvPr/>
             </p:nvPicPr>
             <p:blipFill>
-              <a:blip r:embed="rId4"/>
+              <a:blip r:embed="rId6"/>
               <a:stretch>
                 <a:fillRect/>
               </a:stretch>
@@ -3140,8 +3145,8 @@
           </p:pic>
         </mc:Fallback>
       </mc:AlternateContent>
-      <mc:AlternateContent xmlns:mc="http://schemas.openxmlformats.org/markup-compatibility/2006">
-        <mc:Choice xmlns:pslz="http://schemas.microsoft.com/office/powerpoint/2016/slidezoom" Requires="pslz">
+      <mc:AlternateContent xmlns:mc="http://schemas.openxmlformats.org/markup-compatibility/2006" xmlns:pslz="http://schemas.microsoft.com/office/powerpoint/2016/slidezoom">
+        <mc:Choice Requires="pslz">
           <p:graphicFrame>
             <p:nvGraphicFramePr>
               <p:cNvPr id="11" name="Slide Zoom 10">
@@ -3172,7 +3177,7 @@
                   <pslz:sldZmObj sldId="257" cId="44207352">
                     <pslz:zmPr id="{F065D511-42F3-7841-A7DA-E4E064121050}" returnToParent="0" transitionDur="1000" showBg="0">
                       <p166:blipFill xmlns:p166="http://schemas.microsoft.com/office/powerpoint/2016/6/main">
-                        <a:blip r:embed="rId5"/>
+                        <a:blip r:embed="rId7"/>
                         <a:stretch>
                           <a:fillRect/>
                         </a:stretch>
@@ -3193,7 +3198,7 @@
             </a:graphic>
           </p:graphicFrame>
         </mc:Choice>
-        <mc:Fallback>
+        <mc:Fallback xmlns="">
           <p:pic>
             <p:nvPicPr>
               <p:cNvPr id="11" name="Slide Zoom 10">
@@ -3210,7 +3215,7 @@
               <p:nvPr/>
             </p:nvPicPr>
             <p:blipFill>
-              <a:blip r:embed="rId5"/>
+              <a:blip r:embed="rId8"/>
               <a:stretch>
                 <a:fillRect/>
               </a:stretch>
@@ -3227,8 +3232,8 @@
           </p:pic>
         </mc:Fallback>
       </mc:AlternateContent>
-      <mc:AlternateContent xmlns:mc="http://schemas.openxmlformats.org/markup-compatibility/2006">
-        <mc:Choice xmlns:pslz="http://schemas.microsoft.com/office/powerpoint/2016/slidezoom" Requires="pslz">
+      <mc:AlternateContent xmlns:mc="http://schemas.openxmlformats.org/markup-compatibility/2006" xmlns:pslz="http://schemas.microsoft.com/office/powerpoint/2016/slidezoom">
+        <mc:Choice Requires="pslz">
           <p:graphicFrame>
             <p:nvGraphicFramePr>
               <p:cNvPr id="22" name="Slide Zoom 21">
@@ -3259,7 +3264,7 @@
                   <pslz:sldZmObj sldId="257" cId="44207352">
                     <pslz:zmPr id="{F065D511-42F3-7841-A7DA-E4E064121050}" returnToParent="0" transitionDur="1000" showBg="0">
                       <p166:blipFill xmlns:p166="http://schemas.microsoft.com/office/powerpoint/2016/6/main">
-                        <a:blip r:embed="rId6"/>
+                        <a:blip r:embed="rId9"/>
                         <a:stretch>
                           <a:fillRect/>
                         </a:stretch>
@@ -3280,7 +3285,7 @@
             </a:graphic>
           </p:graphicFrame>
         </mc:Choice>
-        <mc:Fallback>
+        <mc:Fallback xmlns="">
           <p:pic>
             <p:nvPicPr>
               <p:cNvPr id="22" name="Slide Zoom 21">
@@ -3297,7 +3302,7 @@
               <p:nvPr/>
             </p:nvPicPr>
             <p:blipFill>
-              <a:blip r:embed="rId6"/>
+              <a:blip r:embed="rId10"/>
               <a:stretch>
                 <a:fillRect/>
               </a:stretch>
@@ -3314,8 +3319,8 @@
           </p:pic>
         </mc:Fallback>
       </mc:AlternateContent>
-      <mc:AlternateContent xmlns:mc="http://schemas.openxmlformats.org/markup-compatibility/2006">
-        <mc:Choice xmlns:pslz="http://schemas.microsoft.com/office/powerpoint/2016/slidezoom" Requires="pslz">
+      <mc:AlternateContent xmlns:mc="http://schemas.openxmlformats.org/markup-compatibility/2006" xmlns:pslz="http://schemas.microsoft.com/office/powerpoint/2016/slidezoom">
+        <mc:Choice Requires="pslz">
           <p:graphicFrame>
             <p:nvGraphicFramePr>
               <p:cNvPr id="23" name="Slide Zoom 22">
@@ -3346,7 +3351,7 @@
                   <pslz:sldZmObj sldId="257" cId="44207352">
                     <pslz:zmPr id="{F065D511-42F3-7841-A7DA-E4E064121050}" returnToParent="0" transitionDur="1000" showBg="0">
                       <p166:blipFill xmlns:p166="http://schemas.microsoft.com/office/powerpoint/2016/6/main">
-                        <a:blip r:embed="rId7"/>
+                        <a:blip r:embed="rId11"/>
                         <a:stretch>
                           <a:fillRect/>
                         </a:stretch>
@@ -3367,7 +3372,7 @@
             </a:graphic>
           </p:graphicFrame>
         </mc:Choice>
-        <mc:Fallback>
+        <mc:Fallback xmlns="">
           <p:pic>
             <p:nvPicPr>
               <p:cNvPr id="23" name="Slide Zoom 22">
@@ -3384,7 +3389,7 @@
               <p:nvPr/>
             </p:nvPicPr>
             <p:blipFill>
-              <a:blip r:embed="rId7"/>
+              <a:blip r:embed="rId12"/>
               <a:stretch>
                 <a:fillRect/>
               </a:stretch>
@@ -3401,8 +3406,8 @@
           </p:pic>
         </mc:Fallback>
       </mc:AlternateContent>
-      <mc:AlternateContent xmlns:mc="http://schemas.openxmlformats.org/markup-compatibility/2006">
-        <mc:Choice xmlns:pslz="http://schemas.microsoft.com/office/powerpoint/2016/slidezoom" Requires="pslz">
+      <mc:AlternateContent xmlns:mc="http://schemas.openxmlformats.org/markup-compatibility/2006" xmlns:pslz="http://schemas.microsoft.com/office/powerpoint/2016/slidezoom">
+        <mc:Choice Requires="pslz">
           <p:graphicFrame>
             <p:nvGraphicFramePr>
               <p:cNvPr id="24" name="Slide Zoom 23">
@@ -3433,7 +3438,7 @@
                   <pslz:sldZmObj sldId="257" cId="44207352">
                     <pslz:zmPr id="{F065D511-42F3-7841-A7DA-E4E064121050}" returnToParent="0" transitionDur="1000" showBg="0">
                       <p166:blipFill xmlns:p166="http://schemas.microsoft.com/office/powerpoint/2016/6/main">
-                        <a:blip r:embed="rId8"/>
+                        <a:blip r:embed="rId13"/>
                         <a:stretch>
                           <a:fillRect/>
                         </a:stretch>
@@ -3454,7 +3459,7 @@
             </a:graphic>
           </p:graphicFrame>
         </mc:Choice>
-        <mc:Fallback>
+        <mc:Fallback xmlns="">
           <p:pic>
             <p:nvPicPr>
               <p:cNvPr id="24" name="Slide Zoom 23">
@@ -3471,7 +3476,7 @@
               <p:nvPr/>
             </p:nvPicPr>
             <p:blipFill>
-              <a:blip r:embed="rId8"/>
+              <a:blip r:embed="rId14"/>
               <a:stretch>
                 <a:fillRect/>
               </a:stretch>
@@ -3488,8 +3493,8 @@
           </p:pic>
         </mc:Fallback>
       </mc:AlternateContent>
-      <mc:AlternateContent xmlns:mc="http://schemas.openxmlformats.org/markup-compatibility/2006">
-        <mc:Choice xmlns:pslz="http://schemas.microsoft.com/office/powerpoint/2016/slidezoom" Requires="pslz">
+      <mc:AlternateContent xmlns:mc="http://schemas.openxmlformats.org/markup-compatibility/2006" xmlns:pslz="http://schemas.microsoft.com/office/powerpoint/2016/slidezoom">
+        <mc:Choice Requires="pslz">
           <p:graphicFrame>
             <p:nvGraphicFramePr>
               <p:cNvPr id="25" name="Slide Zoom 24">
@@ -3520,7 +3525,7 @@
                   <pslz:sldZmObj sldId="257" cId="44207352">
                     <pslz:zmPr id="{F065D511-42F3-7841-A7DA-E4E064121050}" returnToParent="0" transitionDur="1000" showBg="0">
                       <p166:blipFill xmlns:p166="http://schemas.microsoft.com/office/powerpoint/2016/6/main">
-                        <a:blip r:embed="rId9"/>
+                        <a:blip r:embed="rId15"/>
                         <a:stretch>
                           <a:fillRect/>
                         </a:stretch>
@@ -3541,7 +3546,7 @@
             </a:graphic>
           </p:graphicFrame>
         </mc:Choice>
-        <mc:Fallback>
+        <mc:Fallback xmlns="">
           <p:pic>
             <p:nvPicPr>
               <p:cNvPr id="25" name="Slide Zoom 24">
@@ -3558,7 +3563,7 @@
               <p:nvPr/>
             </p:nvPicPr>
             <p:blipFill>
-              <a:blip r:embed="rId9"/>
+              <a:blip r:embed="rId16"/>
               <a:stretch>
                 <a:fillRect/>
               </a:stretch>
@@ -3575,8 +3580,8 @@
           </p:pic>
         </mc:Fallback>
       </mc:AlternateContent>
-      <mc:AlternateContent xmlns:mc="http://schemas.openxmlformats.org/markup-compatibility/2006">
-        <mc:Choice xmlns:pslz="http://schemas.microsoft.com/office/powerpoint/2016/slidezoom" Requires="pslz">
+      <mc:AlternateContent xmlns:mc="http://schemas.openxmlformats.org/markup-compatibility/2006" xmlns:pslz="http://schemas.microsoft.com/office/powerpoint/2016/slidezoom">
+        <mc:Choice Requires="pslz">
           <p:graphicFrame>
             <p:nvGraphicFramePr>
               <p:cNvPr id="26" name="Slide Zoom 25">
@@ -3607,7 +3612,7 @@
                   <pslz:sldZmObj sldId="257" cId="44207352">
                     <pslz:zmPr id="{F065D511-42F3-7841-A7DA-E4E064121050}" returnToParent="0" transitionDur="1000" showBg="0">
                       <p166:blipFill xmlns:p166="http://schemas.microsoft.com/office/powerpoint/2016/6/main">
-                        <a:blip r:embed="rId10"/>
+                        <a:blip r:embed="rId17"/>
                         <a:stretch>
                           <a:fillRect/>
                         </a:stretch>
@@ -3628,7 +3633,7 @@
             </a:graphic>
           </p:graphicFrame>
         </mc:Choice>
-        <mc:Fallback>
+        <mc:Fallback xmlns="">
           <p:pic>
             <p:nvPicPr>
               <p:cNvPr id="26" name="Slide Zoom 25">
@@ -3645,7 +3650,7 @@
               <p:nvPr/>
             </p:nvPicPr>
             <p:blipFill>
-              <a:blip r:embed="rId10"/>
+              <a:blip r:embed="rId18"/>
               <a:stretch>
                 <a:fillRect/>
               </a:stretch>
@@ -3662,8 +3667,8 @@
           </p:pic>
         </mc:Fallback>
       </mc:AlternateContent>
-      <mc:AlternateContent xmlns:mc="http://schemas.openxmlformats.org/markup-compatibility/2006">
-        <mc:Choice xmlns:pslz="http://schemas.microsoft.com/office/powerpoint/2016/slidezoom" Requires="pslz">
+      <mc:AlternateContent xmlns:mc="http://schemas.openxmlformats.org/markup-compatibility/2006" xmlns:pslz="http://schemas.microsoft.com/office/powerpoint/2016/slidezoom">
+        <mc:Choice Requires="pslz">
           <p:graphicFrame>
             <p:nvGraphicFramePr>
               <p:cNvPr id="43" name="Slide Zoom 42">
@@ -3694,7 +3699,7 @@
                   <pslz:sldZmObj sldId="257" cId="44207352">
                     <pslz:zmPr id="{F065D511-42F3-7841-A7DA-E4E064121050}" returnToParent="0" transitionDur="1000" showBg="0">
                       <p166:blipFill xmlns:p166="http://schemas.microsoft.com/office/powerpoint/2016/6/main">
-                        <a:blip r:embed="rId11"/>
+                        <a:blip r:embed="rId19"/>
                         <a:stretch>
                           <a:fillRect/>
                         </a:stretch>
@@ -3715,7 +3720,7 @@
             </a:graphic>
           </p:graphicFrame>
         </mc:Choice>
-        <mc:Fallback>
+        <mc:Fallback xmlns="">
           <p:pic>
             <p:nvPicPr>
               <p:cNvPr id="43" name="Slide Zoom 42">
@@ -3732,7 +3737,7 @@
               <p:nvPr/>
             </p:nvPicPr>
             <p:blipFill>
-              <a:blip r:embed="rId11"/>
+              <a:blip r:embed="rId20"/>
               <a:stretch>
                 <a:fillRect/>
               </a:stretch>
@@ -3766,7 +3771,7 @@
               <p:nvPr>
                 <p:extLst>
                   <p:ext uri="{D42A27DB-BD31-4B8C-83A1-F6EECF244321}">
-                    <p14:modId xmlns:p14="http://schemas.microsoft.com/office/powerpoint/2010/main" val="3510317830"/>
+                    <p14:modId xmlns:p14="http://schemas.microsoft.com/office/powerpoint/2010/main" val="2199845216"/>
                   </p:ext>
                 </p:extLst>
               </p:nvPr>
@@ -3781,7 +3786,7 @@
                   <pslz:sldZmObj sldId="257" cId="44207352">
                     <pslz:zmPr id="{F065D511-42F3-7841-A7DA-E4E064121050}" returnToParent="0" transitionDur="1000" showBg="0">
                       <p166:blipFill xmlns:p166="http://schemas.microsoft.com/office/powerpoint/2016/6/main">
-                        <a:blip r:embed="rId12"/>
+                        <a:blip r:embed="rId21"/>
                         <a:stretch>
                           <a:fillRect/>
                         </a:stretch>
@@ -3819,7 +3824,7 @@
               <p:nvPr/>
             </p:nvPicPr>
             <p:blipFill>
-              <a:blip r:embed="rId12"/>
+              <a:blip r:embed="rId21"/>
               <a:stretch>
                 <a:fillRect/>
               </a:stretch>
@@ -3836,8 +3841,8 @@
           </p:pic>
         </mc:Fallback>
       </mc:AlternateContent>
-      <mc:AlternateContent xmlns:mc="http://schemas.openxmlformats.org/markup-compatibility/2006">
-        <mc:Choice xmlns:pslz="http://schemas.microsoft.com/office/powerpoint/2016/slidezoom" Requires="pslz">
+      <mc:AlternateContent xmlns:mc="http://schemas.openxmlformats.org/markup-compatibility/2006" xmlns:pslz="http://schemas.microsoft.com/office/powerpoint/2016/slidezoom">
+        <mc:Choice Requires="pslz">
           <p:graphicFrame>
             <p:nvGraphicFramePr>
               <p:cNvPr id="45" name="Slide Zoom 44">
@@ -3868,7 +3873,7 @@
                   <pslz:sldZmObj sldId="257" cId="44207352">
                     <pslz:zmPr id="{F065D511-42F3-7841-A7DA-E4E064121050}" returnToParent="0" transitionDur="1000" showBg="0">
                       <p166:blipFill xmlns:p166="http://schemas.microsoft.com/office/powerpoint/2016/6/main">
-                        <a:blip r:embed="rId13"/>
+                        <a:blip r:embed="rId22"/>
                         <a:stretch>
                           <a:fillRect/>
                         </a:stretch>
@@ -3889,7 +3894,7 @@
             </a:graphic>
           </p:graphicFrame>
         </mc:Choice>
-        <mc:Fallback>
+        <mc:Fallback xmlns="">
           <p:pic>
             <p:nvPicPr>
               <p:cNvPr id="45" name="Slide Zoom 44">
@@ -3906,7 +3911,7 @@
               <p:nvPr/>
             </p:nvPicPr>
             <p:blipFill>
-              <a:blip r:embed="rId13"/>
+              <a:blip r:embed="rId23"/>
               <a:stretch>
                 <a:fillRect/>
               </a:stretch>
@@ -3923,8 +3928,8 @@
           </p:pic>
         </mc:Fallback>
       </mc:AlternateContent>
-      <mc:AlternateContent xmlns:mc="http://schemas.openxmlformats.org/markup-compatibility/2006">
-        <mc:Choice xmlns:pslz="http://schemas.microsoft.com/office/powerpoint/2016/slidezoom" Requires="pslz">
+      <mc:AlternateContent xmlns:mc="http://schemas.openxmlformats.org/markup-compatibility/2006" xmlns:pslz="http://schemas.microsoft.com/office/powerpoint/2016/slidezoom">
+        <mc:Choice Requires="pslz">
           <p:graphicFrame>
             <p:nvGraphicFramePr>
               <p:cNvPr id="46" name="Slide Zoom 45">
@@ -3955,7 +3960,7 @@
                   <pslz:sldZmObj sldId="257" cId="44207352">
                     <pslz:zmPr id="{F065D511-42F3-7841-A7DA-E4E064121050}" returnToParent="0" transitionDur="1000" showBg="0">
                       <p166:blipFill xmlns:p166="http://schemas.microsoft.com/office/powerpoint/2016/6/main">
-                        <a:blip r:embed="rId14"/>
+                        <a:blip r:embed="rId24"/>
                         <a:stretch>
                           <a:fillRect/>
                         </a:stretch>
@@ -3976,7 +3981,7 @@
             </a:graphic>
           </p:graphicFrame>
         </mc:Choice>
-        <mc:Fallback>
+        <mc:Fallback xmlns="">
           <p:pic>
             <p:nvPicPr>
               <p:cNvPr id="46" name="Slide Zoom 45">
@@ -3993,7 +3998,7 @@
               <p:nvPr/>
             </p:nvPicPr>
             <p:blipFill>
-              <a:blip r:embed="rId14"/>
+              <a:blip r:embed="rId25"/>
               <a:stretch>
                 <a:fillRect/>
               </a:stretch>
@@ -4010,8 +4015,8 @@
           </p:pic>
         </mc:Fallback>
       </mc:AlternateContent>
-      <mc:AlternateContent xmlns:mc="http://schemas.openxmlformats.org/markup-compatibility/2006">
-        <mc:Choice xmlns:pslz="http://schemas.microsoft.com/office/powerpoint/2016/slidezoom" Requires="pslz">
+      <mc:AlternateContent xmlns:mc="http://schemas.openxmlformats.org/markup-compatibility/2006" xmlns:pslz="http://schemas.microsoft.com/office/powerpoint/2016/slidezoom">
+        <mc:Choice Requires="pslz">
           <p:graphicFrame>
             <p:nvGraphicFramePr>
               <p:cNvPr id="49" name="Slide Zoom 48">
@@ -4042,7 +4047,7 @@
                   <pslz:sldZmObj sldId="257" cId="44207352">
                     <pslz:zmPr id="{F065D511-42F3-7841-A7DA-E4E064121050}" returnToParent="0" transitionDur="1000" showBg="0">
                       <p166:blipFill xmlns:p166="http://schemas.microsoft.com/office/powerpoint/2016/6/main">
-                        <a:blip r:embed="rId15"/>
+                        <a:blip r:embed="rId26"/>
                         <a:stretch>
                           <a:fillRect/>
                         </a:stretch>
@@ -4063,7 +4068,7 @@
             </a:graphic>
           </p:graphicFrame>
         </mc:Choice>
-        <mc:Fallback>
+        <mc:Fallback xmlns="">
           <p:pic>
             <p:nvPicPr>
               <p:cNvPr id="49" name="Slide Zoom 48">
@@ -4080,7 +4085,7 @@
               <p:nvPr/>
             </p:nvPicPr>
             <p:blipFill>
-              <a:blip r:embed="rId15"/>
+              <a:blip r:embed="rId27"/>
               <a:stretch>
                 <a:fillRect/>
               </a:stretch>
@@ -4114,13 +4119,13 @@
               <p:nvPr>
                 <p:extLst>
                   <p:ext uri="{D42A27DB-BD31-4B8C-83A1-F6EECF244321}">
-                    <p14:modId xmlns:p14="http://schemas.microsoft.com/office/powerpoint/2010/main" val="1447421190"/>
+                    <p14:modId xmlns:p14="http://schemas.microsoft.com/office/powerpoint/2010/main" val="2015945749"/>
                   </p:ext>
                 </p:extLst>
               </p:nvPr>
             </p:nvGraphicFramePr>
             <p:xfrm>
-              <a:off x="476542" y="3483439"/>
+              <a:off x="476542" y="3470376"/>
               <a:ext cx="2880000" cy="2880000"/>
             </p:xfrm>
             <a:graphic>
@@ -4129,7 +4134,7 @@
                   <pslz:sldZmObj sldId="257" cId="44207352">
                     <pslz:zmPr id="{F065D511-42F3-7841-A7DA-E4E064121050}" returnToParent="0" transitionDur="1000" showBg="0">
                       <p166:blipFill xmlns:p166="http://schemas.microsoft.com/office/powerpoint/2016/6/main">
-                        <a:blip r:embed="rId16"/>
+                        <a:blip r:embed="rId28"/>
                         <a:stretch>
                           <a:fillRect/>
                         </a:stretch>
@@ -4167,14 +4172,14 @@
               <p:nvPr/>
             </p:nvPicPr>
             <p:blipFill>
-              <a:blip r:embed="rId16"/>
+              <a:blip r:embed="rId28"/>
               <a:stretch>
                 <a:fillRect/>
               </a:stretch>
             </p:blipFill>
             <p:spPr>
               <a:xfrm>
-                <a:off x="476542" y="3483439"/>
+                <a:off x="476542" y="3470376"/>
                 <a:ext cx="2880000" cy="2880000"/>
               </a:xfrm>
               <a:prstGeom prst="rect">
@@ -4201,13 +4206,13 @@
               <p:nvPr>
                 <p:extLst>
                   <p:ext uri="{D42A27DB-BD31-4B8C-83A1-F6EECF244321}">
-                    <p14:modId xmlns:p14="http://schemas.microsoft.com/office/powerpoint/2010/main" val="776262604"/>
+                    <p14:modId xmlns:p14="http://schemas.microsoft.com/office/powerpoint/2010/main" val="2410887502"/>
                   </p:ext>
                 </p:extLst>
               </p:nvPr>
             </p:nvGraphicFramePr>
             <p:xfrm>
-              <a:off x="467490" y="1681278"/>
+              <a:off x="467490" y="1668215"/>
               <a:ext cx="2880000" cy="2880000"/>
             </p:xfrm>
             <a:graphic>
@@ -4216,7 +4221,7 @@
                   <pslz:sldZmObj sldId="257" cId="44207352">
                     <pslz:zmPr id="{F065D511-42F3-7841-A7DA-E4E064121050}" returnToParent="0" transitionDur="1000" showBg="0">
                       <p166:blipFill xmlns:p166="http://schemas.microsoft.com/office/powerpoint/2016/6/main">
-                        <a:blip r:embed="rId17"/>
+                        <a:blip r:embed="rId29"/>
                         <a:stretch>
                           <a:fillRect/>
                         </a:stretch>
@@ -4254,14 +4259,14 @@
               <p:nvPr/>
             </p:nvPicPr>
             <p:blipFill>
-              <a:blip r:embed="rId17"/>
+              <a:blip r:embed="rId29"/>
               <a:stretch>
                 <a:fillRect/>
               </a:stretch>
             </p:blipFill>
             <p:spPr>
               <a:xfrm>
-                <a:off x="467490" y="1681278"/>
+                <a:off x="467490" y="1668215"/>
                 <a:ext cx="2880000" cy="2880000"/>
               </a:xfrm>
               <a:prstGeom prst="rect">
@@ -4288,13 +4293,13 @@
               <p:nvPr>
                 <p:extLst>
                   <p:ext uri="{D42A27DB-BD31-4B8C-83A1-F6EECF244321}">
-                    <p14:modId xmlns:p14="http://schemas.microsoft.com/office/powerpoint/2010/main" val="913472720"/>
+                    <p14:modId xmlns:p14="http://schemas.microsoft.com/office/powerpoint/2010/main" val="3018890725"/>
                   </p:ext>
                 </p:extLst>
               </p:nvPr>
             </p:nvGraphicFramePr>
             <p:xfrm>
-              <a:off x="2278828" y="5285634"/>
+              <a:off x="2278828" y="5272571"/>
               <a:ext cx="2880000" cy="2880000"/>
             </p:xfrm>
             <a:graphic>
@@ -4303,7 +4308,7 @@
                   <pslz:sldZmObj sldId="257" cId="44207352">
                     <pslz:zmPr id="{F065D511-42F3-7841-A7DA-E4E064121050}" returnToParent="0" transitionDur="1000" showBg="0">
                       <p166:blipFill xmlns:p166="http://schemas.microsoft.com/office/powerpoint/2016/6/main">
-                        <a:blip r:embed="rId18"/>
+                        <a:blip r:embed="rId30"/>
                         <a:stretch>
                           <a:fillRect/>
                         </a:stretch>
@@ -4341,14 +4346,14 @@
               <p:nvPr/>
             </p:nvPicPr>
             <p:blipFill>
-              <a:blip r:embed="rId18"/>
+              <a:blip r:embed="rId30"/>
               <a:stretch>
                 <a:fillRect/>
               </a:stretch>
             </p:blipFill>
             <p:spPr>
               <a:xfrm>
-                <a:off x="2278828" y="5285634"/>
+                <a:off x="2278828" y="5272571"/>
                 <a:ext cx="2880000" cy="2880000"/>
               </a:xfrm>
               <a:prstGeom prst="rect">
@@ -4375,13 +4380,13 @@
               <p:nvPr>
                 <p:extLst>
                   <p:ext uri="{D42A27DB-BD31-4B8C-83A1-F6EECF244321}">
-                    <p14:modId xmlns:p14="http://schemas.microsoft.com/office/powerpoint/2010/main" val="4148320786"/>
+                    <p14:modId xmlns:p14="http://schemas.microsoft.com/office/powerpoint/2010/main" val="3886924689"/>
                   </p:ext>
                 </p:extLst>
               </p:nvPr>
             </p:nvGraphicFramePr>
             <p:xfrm>
-              <a:off x="2281461" y="1687400"/>
+              <a:off x="2281461" y="1674337"/>
               <a:ext cx="2880000" cy="2880000"/>
             </p:xfrm>
             <a:graphic>
@@ -4390,7 +4395,7 @@
                   <pslz:sldZmObj sldId="257" cId="44207352">
                     <pslz:zmPr id="{F065D511-42F3-7841-A7DA-E4E064121050}" returnToParent="0" transitionDur="1000" showBg="0">
                       <p166:blipFill xmlns:p166="http://schemas.microsoft.com/office/powerpoint/2016/6/main">
-                        <a:blip r:embed="rId19"/>
+                        <a:blip r:embed="rId31"/>
                         <a:stretch>
                           <a:fillRect/>
                         </a:stretch>
@@ -4428,14 +4433,14 @@
               <p:nvPr/>
             </p:nvPicPr>
             <p:blipFill>
-              <a:blip r:embed="rId19"/>
+              <a:blip r:embed="rId31"/>
               <a:stretch>
                 <a:fillRect/>
               </a:stretch>
             </p:blipFill>
             <p:spPr>
               <a:xfrm>
-                <a:off x="2281461" y="1687400"/>
+                <a:off x="2281461" y="1674337"/>
                 <a:ext cx="2880000" cy="2880000"/>
               </a:xfrm>
               <a:prstGeom prst="rect">
@@ -4445,8 +4450,8 @@
           </p:pic>
         </mc:Fallback>
       </mc:AlternateContent>
-      <mc:AlternateContent xmlns:mc="http://schemas.openxmlformats.org/markup-compatibility/2006">
-        <mc:Choice xmlns:pslz="http://schemas.microsoft.com/office/powerpoint/2016/slidezoom" Requires="pslz">
+      <mc:AlternateContent xmlns:mc="http://schemas.openxmlformats.org/markup-compatibility/2006" xmlns:pslz="http://schemas.microsoft.com/office/powerpoint/2016/slidezoom">
+        <mc:Choice Requires="pslz">
           <p:graphicFrame>
             <p:nvGraphicFramePr>
               <p:cNvPr id="56" name="Slide Zoom 55">
@@ -4477,7 +4482,7 @@
                   <pslz:sldZmObj sldId="257" cId="44207352">
                     <pslz:zmPr id="{F065D511-42F3-7841-A7DA-E4E064121050}" returnToParent="0" transitionDur="1000" showBg="0">
                       <p166:blipFill xmlns:p166="http://schemas.microsoft.com/office/powerpoint/2016/6/main">
-                        <a:blip r:embed="rId20"/>
+                        <a:blip r:embed="rId32"/>
                         <a:stretch>
                           <a:fillRect/>
                         </a:stretch>
@@ -4498,7 +4503,7 @@
             </a:graphic>
           </p:graphicFrame>
         </mc:Choice>
-        <mc:Fallback>
+        <mc:Fallback xmlns="">
           <p:pic>
             <p:nvPicPr>
               <p:cNvPr id="56" name="Slide Zoom 55">
@@ -4515,7 +4520,7 @@
               <p:nvPr/>
             </p:nvPicPr>
             <p:blipFill>
-              <a:blip r:embed="rId20"/>
+              <a:blip r:embed="rId33"/>
               <a:stretch>
                 <a:fillRect/>
               </a:stretch>
@@ -4532,8 +4537,8 @@
           </p:pic>
         </mc:Fallback>
       </mc:AlternateContent>
-      <mc:AlternateContent xmlns:mc="http://schemas.openxmlformats.org/markup-compatibility/2006">
-        <mc:Choice xmlns:pslz="http://schemas.microsoft.com/office/powerpoint/2016/slidezoom" Requires="pslz">
+      <mc:AlternateContent xmlns:mc="http://schemas.openxmlformats.org/markup-compatibility/2006" xmlns:pslz="http://schemas.microsoft.com/office/powerpoint/2016/slidezoom">
+        <mc:Choice Requires="pslz">
           <p:graphicFrame>
             <p:nvGraphicFramePr>
               <p:cNvPr id="57" name="Slide Zoom 56">
@@ -4564,7 +4569,7 @@
                   <pslz:sldZmObj sldId="257" cId="44207352">
                     <pslz:zmPr id="{F065D511-42F3-7841-A7DA-E4E064121050}" returnToParent="0" transitionDur="1000" showBg="0">
                       <p166:blipFill xmlns:p166="http://schemas.microsoft.com/office/powerpoint/2016/6/main">
-                        <a:blip r:embed="rId21"/>
+                        <a:blip r:embed="rId34"/>
                         <a:stretch>
                           <a:fillRect/>
                         </a:stretch>
@@ -4585,7 +4590,7 @@
             </a:graphic>
           </p:graphicFrame>
         </mc:Choice>
-        <mc:Fallback>
+        <mc:Fallback xmlns="">
           <p:pic>
             <p:nvPicPr>
               <p:cNvPr id="57" name="Slide Zoom 56">
@@ -4602,7 +4607,7 @@
               <p:nvPr/>
             </p:nvPicPr>
             <p:blipFill>
-              <a:blip r:embed="rId21"/>
+              <a:blip r:embed="rId35"/>
               <a:stretch>
                 <a:fillRect/>
               </a:stretch>
@@ -4636,13 +4641,13 @@
               <p:nvPr>
                 <p:extLst>
                   <p:ext uri="{D42A27DB-BD31-4B8C-83A1-F6EECF244321}">
-                    <p14:modId xmlns:p14="http://schemas.microsoft.com/office/powerpoint/2010/main" val="48372726"/>
+                    <p14:modId xmlns:p14="http://schemas.microsoft.com/office/powerpoint/2010/main" val="3411847086"/>
                   </p:ext>
                 </p:extLst>
               </p:nvPr>
             </p:nvGraphicFramePr>
             <p:xfrm>
-              <a:off x="4089621" y="1676513"/>
+              <a:off x="4089621" y="1663450"/>
               <a:ext cx="2880000" cy="2880000"/>
             </p:xfrm>
             <a:graphic>
@@ -4651,7 +4656,7 @@
                   <pslz:sldZmObj sldId="257" cId="44207352">
                     <pslz:zmPr id="{F065D511-42F3-7841-A7DA-E4E064121050}" returnToParent="0" transitionDur="1000" showBg="0">
                       <p166:blipFill xmlns:p166="http://schemas.microsoft.com/office/powerpoint/2016/6/main">
-                        <a:blip r:embed="rId22"/>
+                        <a:blip r:embed="rId36"/>
                         <a:stretch>
                           <a:fillRect/>
                         </a:stretch>
@@ -4689,14 +4694,14 @@
               <p:nvPr/>
             </p:nvPicPr>
             <p:blipFill>
-              <a:blip r:embed="rId22"/>
+              <a:blip r:embed="rId36"/>
               <a:stretch>
                 <a:fillRect/>
               </a:stretch>
             </p:blipFill>
             <p:spPr>
               <a:xfrm>
-                <a:off x="4089621" y="1676513"/>
+                <a:off x="4089621" y="1663450"/>
                 <a:ext cx="2880000" cy="2880000"/>
               </a:xfrm>
               <a:prstGeom prst="rect">
@@ -4720,7 +4725,7 @@
         </p:nvSpPr>
         <p:spPr>
           <a:xfrm>
-            <a:off x="720000" y="2514598"/>
+            <a:off x="727149" y="2504306"/>
             <a:ext cx="5392800" cy="5405402"/>
           </a:xfrm>
           <a:prstGeom prst="rect">

--- a/docs/assets/fractals/3d/menger-grey.pptx
+++ b/docs/assets/fractals/3d/menger-grey.pptx
@@ -243,7 +243,7 @@
           <a:p>
             <a:fld id="{42147EE6-B061-CA4C-8D4E-EDA22BD3332D}" type="datetimeFigureOut">
               <a:rPr lang="en-GB" smtClean="0"/>
-              <a:t>27/08/2024</a:t>
+              <a:t>31/08/2024</a:t>
             </a:fld>
             <a:endParaRPr lang="en-GB"/>
           </a:p>
@@ -413,7 +413,7 @@
           <a:p>
             <a:fld id="{42147EE6-B061-CA4C-8D4E-EDA22BD3332D}" type="datetimeFigureOut">
               <a:rPr lang="en-GB" smtClean="0"/>
-              <a:t>27/08/2024</a:t>
+              <a:t>31/08/2024</a:t>
             </a:fld>
             <a:endParaRPr lang="en-GB"/>
           </a:p>
@@ -593,7 +593,7 @@
           <a:p>
             <a:fld id="{42147EE6-B061-CA4C-8D4E-EDA22BD3332D}" type="datetimeFigureOut">
               <a:rPr lang="en-GB" smtClean="0"/>
-              <a:t>27/08/2024</a:t>
+              <a:t>31/08/2024</a:t>
             </a:fld>
             <a:endParaRPr lang="en-GB"/>
           </a:p>
@@ -763,7 +763,7 @@
           <a:p>
             <a:fld id="{42147EE6-B061-CA4C-8D4E-EDA22BD3332D}" type="datetimeFigureOut">
               <a:rPr lang="en-GB" smtClean="0"/>
-              <a:t>27/08/2024</a:t>
+              <a:t>31/08/2024</a:t>
             </a:fld>
             <a:endParaRPr lang="en-GB"/>
           </a:p>
@@ -1007,7 +1007,7 @@
           <a:p>
             <a:fld id="{42147EE6-B061-CA4C-8D4E-EDA22BD3332D}" type="datetimeFigureOut">
               <a:rPr lang="en-GB" smtClean="0"/>
-              <a:t>27/08/2024</a:t>
+              <a:t>31/08/2024</a:t>
             </a:fld>
             <a:endParaRPr lang="en-GB"/>
           </a:p>
@@ -1239,7 +1239,7 @@
           <a:p>
             <a:fld id="{42147EE6-B061-CA4C-8D4E-EDA22BD3332D}" type="datetimeFigureOut">
               <a:rPr lang="en-GB" smtClean="0"/>
-              <a:t>27/08/2024</a:t>
+              <a:t>31/08/2024</a:t>
             </a:fld>
             <a:endParaRPr lang="en-GB"/>
           </a:p>
@@ -1606,7 +1606,7 @@
           <a:p>
             <a:fld id="{42147EE6-B061-CA4C-8D4E-EDA22BD3332D}" type="datetimeFigureOut">
               <a:rPr lang="en-GB" smtClean="0"/>
-              <a:t>27/08/2024</a:t>
+              <a:t>31/08/2024</a:t>
             </a:fld>
             <a:endParaRPr lang="en-GB"/>
           </a:p>
@@ -1724,7 +1724,7 @@
           <a:p>
             <a:fld id="{42147EE6-B061-CA4C-8D4E-EDA22BD3332D}" type="datetimeFigureOut">
               <a:rPr lang="en-GB" smtClean="0"/>
-              <a:t>27/08/2024</a:t>
+              <a:t>31/08/2024</a:t>
             </a:fld>
             <a:endParaRPr lang="en-GB"/>
           </a:p>
@@ -1819,7 +1819,7 @@
           <a:p>
             <a:fld id="{42147EE6-B061-CA4C-8D4E-EDA22BD3332D}" type="datetimeFigureOut">
               <a:rPr lang="en-GB" smtClean="0"/>
-              <a:t>27/08/2024</a:t>
+              <a:t>31/08/2024</a:t>
             </a:fld>
             <a:endParaRPr lang="en-GB"/>
           </a:p>
@@ -2096,7 +2096,7 @@
           <a:p>
             <a:fld id="{42147EE6-B061-CA4C-8D4E-EDA22BD3332D}" type="datetimeFigureOut">
               <a:rPr lang="en-GB" smtClean="0"/>
-              <a:t>27/08/2024</a:t>
+              <a:t>31/08/2024</a:t>
             </a:fld>
             <a:endParaRPr lang="en-GB"/>
           </a:p>
@@ -2353,7 +2353,7 @@
           <a:p>
             <a:fld id="{42147EE6-B061-CA4C-8D4E-EDA22BD3332D}" type="datetimeFigureOut">
               <a:rPr lang="en-GB" smtClean="0"/>
-              <a:t>27/08/2024</a:t>
+              <a:t>31/08/2024</a:t>
             </a:fld>
             <a:endParaRPr lang="en-GB"/>
           </a:p>
@@ -2566,7 +2566,7 @@
           <a:p>
             <a:fld id="{42147EE6-B061-CA4C-8D4E-EDA22BD3332D}" type="datetimeFigureOut">
               <a:rPr lang="en-GB" smtClean="0"/>
-              <a:t>27/08/2024</a:t>
+              <a:t>31/08/2024</a:t>
             </a:fld>
             <a:endParaRPr lang="en-GB"/>
           </a:p>
@@ -2971,8 +2971,8 @@
           <a:chExt cx="0" cy="0"/>
         </a:xfrm>
       </p:grpSpPr>
-      <mc:AlternateContent xmlns:mc="http://schemas.openxmlformats.org/markup-compatibility/2006" xmlns:pslz="http://schemas.microsoft.com/office/powerpoint/2016/slidezoom">
-        <mc:Choice Requires="pslz">
+      <mc:AlternateContent xmlns:mc="http://schemas.openxmlformats.org/markup-compatibility/2006">
+        <mc:Choice xmlns:pslz="http://schemas.microsoft.com/office/powerpoint/2016/slidezoom" Requires="pslz">
           <p:graphicFrame>
             <p:nvGraphicFramePr>
               <p:cNvPr id="21" name="Slide Zoom 20">
@@ -2988,13 +2988,13 @@
               <p:nvPr>
                 <p:extLst>
                   <p:ext uri="{D42A27DB-BD31-4B8C-83A1-F6EECF244321}">
-                    <p14:modId xmlns:p14="http://schemas.microsoft.com/office/powerpoint/2010/main" val="1369826886"/>
+                    <p14:modId xmlns:p14="http://schemas.microsoft.com/office/powerpoint/2010/main" val="2202834076"/>
                   </p:ext>
                 </p:extLst>
               </p:nvPr>
             </p:nvGraphicFramePr>
             <p:xfrm>
-              <a:off x="1674080" y="4069753"/>
+              <a:off x="1800000" y="4320000"/>
               <a:ext cx="2880000" cy="2880000"/>
             </p:xfrm>
             <a:graphic>
@@ -3024,7 +3024,7 @@
             </a:graphic>
           </p:graphicFrame>
         </mc:Choice>
-        <mc:Fallback xmlns="">
+        <mc:Fallback>
           <p:pic>
             <p:nvPicPr>
               <p:cNvPr id="21" name="Slide Zoom 20">
@@ -3041,14 +3041,14 @@
               <p:nvPr/>
             </p:nvPicPr>
             <p:blipFill>
-              <a:blip r:embed="rId4"/>
+              <a:blip r:embed="rId2"/>
               <a:stretch>
                 <a:fillRect/>
               </a:stretch>
             </p:blipFill>
             <p:spPr>
               <a:xfrm>
-                <a:off x="1674080" y="4069753"/>
+                <a:off x="1800000" y="4320000"/>
                 <a:ext cx="2880000" cy="2880000"/>
               </a:xfrm>
               <a:prstGeom prst="rect">
@@ -3058,8 +3058,8 @@
           </p:pic>
         </mc:Fallback>
       </mc:AlternateContent>
-      <mc:AlternateContent xmlns:mc="http://schemas.openxmlformats.org/markup-compatibility/2006" xmlns:pslz="http://schemas.microsoft.com/office/powerpoint/2016/slidezoom">
-        <mc:Choice Requires="pslz">
+      <mc:AlternateContent xmlns:mc="http://schemas.openxmlformats.org/markup-compatibility/2006">
+        <mc:Choice xmlns:pslz="http://schemas.microsoft.com/office/powerpoint/2016/slidezoom" Requires="pslz">
           <p:graphicFrame>
             <p:nvGraphicFramePr>
               <p:cNvPr id="20" name="Slide Zoom 19">
@@ -3075,13 +3075,100 @@
               <p:nvPr>
                 <p:extLst>
                   <p:ext uri="{D42A27DB-BD31-4B8C-83A1-F6EECF244321}">
-                    <p14:modId xmlns:p14="http://schemas.microsoft.com/office/powerpoint/2010/main" val="39535354"/>
+                    <p14:modId xmlns:p14="http://schemas.microsoft.com/office/powerpoint/2010/main" val="220907288"/>
                   </p:ext>
                 </p:extLst>
               </p:nvPr>
             </p:nvGraphicFramePr>
             <p:xfrm>
-              <a:off x="1674080" y="2275320"/>
+              <a:off x="1800000" y="2520000"/>
+              <a:ext cx="2880000" cy="2880000"/>
+            </p:xfrm>
+            <a:graphic>
+              <a:graphicData uri="http://schemas.microsoft.com/office/powerpoint/2016/slidezoom">
+                <pslz:sldZm>
+                  <pslz:sldZmObj sldId="257" cId="44207352">
+                    <pslz:zmPr id="{F065D511-42F3-7841-A7DA-E4E064121050}" returnToParent="0" transitionDur="1000" showBg="0">
+                      <p166:blipFill xmlns:p166="http://schemas.microsoft.com/office/powerpoint/2016/6/main">
+                        <a:blip r:embed="rId4"/>
+                        <a:stretch>
+                          <a:fillRect/>
+                        </a:stretch>
+                      </p166:blipFill>
+                      <p166:spPr xmlns:p166="http://schemas.microsoft.com/office/powerpoint/2016/6/main">
+                        <a:xfrm>
+                          <a:off x="0" y="0"/>
+                          <a:ext cx="2880000" cy="2880000"/>
+                        </a:xfrm>
+                        <a:prstGeom prst="rect">
+                          <a:avLst/>
+                        </a:prstGeom>
+                      </p166:spPr>
+                    </pslz:zmPr>
+                  </pslz:sldZmObj>
+                </pslz:sldZm>
+              </a:graphicData>
+            </a:graphic>
+          </p:graphicFrame>
+        </mc:Choice>
+        <mc:Fallback>
+          <p:pic>
+            <p:nvPicPr>
+              <p:cNvPr id="20" name="Slide Zoom 19">
+                <a:hlinkClick r:id="rId3" action="ppaction://hlinksldjump"/>
+                <a:extLst>
+                  <a:ext uri="{FF2B5EF4-FFF2-40B4-BE49-F238E27FC236}">
+                    <a16:creationId xmlns:a16="http://schemas.microsoft.com/office/drawing/2014/main" id="{4C7E7A24-06D1-8402-6B2E-C5B62DDB409F}"/>
+                  </a:ext>
+                </a:extLst>
+              </p:cNvPr>
+              <p:cNvPicPr>
+                <a:picLocks noGrp="1" noRot="1" noChangeAspect="1" noMove="1" noResize="1" noEditPoints="1" noAdjustHandles="1" noChangeArrowheads="1" noChangeShapeType="1"/>
+              </p:cNvPicPr>
+              <p:nvPr/>
+            </p:nvPicPr>
+            <p:blipFill>
+              <a:blip r:embed="rId4"/>
+              <a:stretch>
+                <a:fillRect/>
+              </a:stretch>
+            </p:blipFill>
+            <p:spPr>
+              <a:xfrm>
+                <a:off x="1800000" y="2520000"/>
+                <a:ext cx="2880000" cy="2880000"/>
+              </a:xfrm>
+              <a:prstGeom prst="rect">
+                <a:avLst/>
+              </a:prstGeom>
+            </p:spPr>
+          </p:pic>
+        </mc:Fallback>
+      </mc:AlternateContent>
+      <mc:AlternateContent xmlns:mc="http://schemas.openxmlformats.org/markup-compatibility/2006">
+        <mc:Choice xmlns:pslz="http://schemas.microsoft.com/office/powerpoint/2016/slidezoom" Requires="pslz">
+          <p:graphicFrame>
+            <p:nvGraphicFramePr>
+              <p:cNvPr id="11" name="Slide Zoom 10">
+                <a:extLst>
+                  <a:ext uri="{FF2B5EF4-FFF2-40B4-BE49-F238E27FC236}">
+                    <a16:creationId xmlns:a16="http://schemas.microsoft.com/office/drawing/2014/main" id="{DDD8D099-A342-AC62-BCFE-8B344126D34A}"/>
+                  </a:ext>
+                </a:extLst>
+              </p:cNvPr>
+              <p:cNvGraphicFramePr>
+                <a:graphicFrameLocks noChangeAspect="1"/>
+              </p:cNvGraphicFramePr>
+              <p:nvPr>
+                <p:extLst>
+                  <p:ext uri="{D42A27DB-BD31-4B8C-83A1-F6EECF244321}">
+                    <p14:modId xmlns:p14="http://schemas.microsoft.com/office/powerpoint/2010/main" val="406166562"/>
+                  </p:ext>
+                </p:extLst>
+              </p:nvPr>
+            </p:nvGraphicFramePr>
+            <p:xfrm>
+              <a:off x="1800000" y="720000"/>
               <a:ext cx="2880000" cy="2880000"/>
             </p:xfrm>
             <a:graphic>
@@ -3111,14 +3198,101 @@
             </a:graphic>
           </p:graphicFrame>
         </mc:Choice>
-        <mc:Fallback xmlns="">
+        <mc:Fallback>
           <p:pic>
             <p:nvPicPr>
-              <p:cNvPr id="20" name="Slide Zoom 19">
+              <p:cNvPr id="11" name="Slide Zoom 10">
                 <a:hlinkClick r:id="rId3" action="ppaction://hlinksldjump"/>
                 <a:extLst>
                   <a:ext uri="{FF2B5EF4-FFF2-40B4-BE49-F238E27FC236}">
-                    <a16:creationId xmlns:a16="http://schemas.microsoft.com/office/drawing/2014/main" id="{4C7E7A24-06D1-8402-6B2E-C5B62DDB409F}"/>
+                    <a16:creationId xmlns:a16="http://schemas.microsoft.com/office/drawing/2014/main" id="{DDD8D099-A342-AC62-BCFE-8B344126D34A}"/>
+                  </a:ext>
+                </a:extLst>
+              </p:cNvPr>
+              <p:cNvPicPr>
+                <a:picLocks noGrp="1" noRot="1" noChangeAspect="1" noMove="1" noResize="1" noEditPoints="1" noAdjustHandles="1" noChangeArrowheads="1" noChangeShapeType="1"/>
+              </p:cNvPicPr>
+              <p:nvPr/>
+            </p:nvPicPr>
+            <p:blipFill>
+              <a:blip r:embed="rId5"/>
+              <a:stretch>
+                <a:fillRect/>
+              </a:stretch>
+            </p:blipFill>
+            <p:spPr>
+              <a:xfrm>
+                <a:off x="1800000" y="720000"/>
+                <a:ext cx="2880000" cy="2880000"/>
+              </a:xfrm>
+              <a:prstGeom prst="rect">
+                <a:avLst/>
+              </a:prstGeom>
+            </p:spPr>
+          </p:pic>
+        </mc:Fallback>
+      </mc:AlternateContent>
+      <mc:AlternateContent xmlns:mc="http://schemas.openxmlformats.org/markup-compatibility/2006">
+        <mc:Choice xmlns:pslz="http://schemas.microsoft.com/office/powerpoint/2016/slidezoom" Requires="pslz">
+          <p:graphicFrame>
+            <p:nvGraphicFramePr>
+              <p:cNvPr id="22" name="Slide Zoom 21">
+                <a:extLst>
+                  <a:ext uri="{FF2B5EF4-FFF2-40B4-BE49-F238E27FC236}">
+                    <a16:creationId xmlns:a16="http://schemas.microsoft.com/office/drawing/2014/main" id="{2B566D4D-490C-91BE-1858-B5416AC8B051}"/>
+                  </a:ext>
+                </a:extLst>
+              </p:cNvPr>
+              <p:cNvGraphicFramePr>
+                <a:graphicFrameLocks noChangeAspect="1"/>
+              </p:cNvGraphicFramePr>
+              <p:nvPr>
+                <p:extLst>
+                  <p:ext uri="{D42A27DB-BD31-4B8C-83A1-F6EECF244321}">
+                    <p14:modId xmlns:p14="http://schemas.microsoft.com/office/powerpoint/2010/main" val="3868282166"/>
+                  </p:ext>
+                </p:extLst>
+              </p:nvPr>
+            </p:nvGraphicFramePr>
+            <p:xfrm>
+              <a:off x="3600000" y="4320000"/>
+              <a:ext cx="2880000" cy="2880000"/>
+            </p:xfrm>
+            <a:graphic>
+              <a:graphicData uri="http://schemas.microsoft.com/office/powerpoint/2016/slidezoom">
+                <pslz:sldZm>
+                  <pslz:sldZmObj sldId="257" cId="44207352">
+                    <pslz:zmPr id="{F065D511-42F3-7841-A7DA-E4E064121050}" returnToParent="0" transitionDur="1000" showBg="0">
+                      <p166:blipFill xmlns:p166="http://schemas.microsoft.com/office/powerpoint/2016/6/main">
+                        <a:blip r:embed="rId6"/>
+                        <a:stretch>
+                          <a:fillRect/>
+                        </a:stretch>
+                      </p166:blipFill>
+                      <p166:spPr xmlns:p166="http://schemas.microsoft.com/office/powerpoint/2016/6/main">
+                        <a:xfrm>
+                          <a:off x="0" y="0"/>
+                          <a:ext cx="2880000" cy="2880000"/>
+                        </a:xfrm>
+                        <a:prstGeom prst="rect">
+                          <a:avLst/>
+                        </a:prstGeom>
+                      </p166:spPr>
+                    </pslz:zmPr>
+                  </pslz:sldZmObj>
+                </pslz:sldZm>
+              </a:graphicData>
+            </a:graphic>
+          </p:graphicFrame>
+        </mc:Choice>
+        <mc:Fallback>
+          <p:pic>
+            <p:nvPicPr>
+              <p:cNvPr id="22" name="Slide Zoom 21">
+                <a:hlinkClick r:id="rId3" action="ppaction://hlinksldjump"/>
+                <a:extLst>
+                  <a:ext uri="{FF2B5EF4-FFF2-40B4-BE49-F238E27FC236}">
+                    <a16:creationId xmlns:a16="http://schemas.microsoft.com/office/drawing/2014/main" id="{2B566D4D-490C-91BE-1858-B5416AC8B051}"/>
                   </a:ext>
                 </a:extLst>
               </p:cNvPr>
@@ -3135,7 +3309,7 @@
             </p:blipFill>
             <p:spPr>
               <a:xfrm>
-                <a:off x="1674080" y="2275320"/>
+                <a:off x="3600000" y="4320000"/>
                 <a:ext cx="2880000" cy="2880000"/>
               </a:xfrm>
               <a:prstGeom prst="rect">
@@ -3145,14 +3319,14 @@
           </p:pic>
         </mc:Fallback>
       </mc:AlternateContent>
-      <mc:AlternateContent xmlns:mc="http://schemas.openxmlformats.org/markup-compatibility/2006" xmlns:pslz="http://schemas.microsoft.com/office/powerpoint/2016/slidezoom">
-        <mc:Choice Requires="pslz">
+      <mc:AlternateContent xmlns:mc="http://schemas.openxmlformats.org/markup-compatibility/2006">
+        <mc:Choice xmlns:pslz="http://schemas.microsoft.com/office/powerpoint/2016/slidezoom" Requires="pslz">
           <p:graphicFrame>
             <p:nvGraphicFramePr>
-              <p:cNvPr id="11" name="Slide Zoom 10">
+              <p:cNvPr id="23" name="Slide Zoom 22">
                 <a:extLst>
                   <a:ext uri="{FF2B5EF4-FFF2-40B4-BE49-F238E27FC236}">
-                    <a16:creationId xmlns:a16="http://schemas.microsoft.com/office/drawing/2014/main" id="{DDD8D099-A342-AC62-BCFE-8B344126D34A}"/>
+                    <a16:creationId xmlns:a16="http://schemas.microsoft.com/office/drawing/2014/main" id="{CFEF89BC-3D80-ADB2-89C1-FDA630FDD03C}"/>
                   </a:ext>
                 </a:extLst>
               </p:cNvPr>
@@ -3162,13 +3336,13 @@
               <p:nvPr>
                 <p:extLst>
                   <p:ext uri="{D42A27DB-BD31-4B8C-83A1-F6EECF244321}">
-                    <p14:modId xmlns:p14="http://schemas.microsoft.com/office/powerpoint/2010/main" val="963557633"/>
+                    <p14:modId xmlns:p14="http://schemas.microsoft.com/office/powerpoint/2010/main" val="3053243164"/>
                   </p:ext>
                 </p:extLst>
               </p:nvPr>
             </p:nvGraphicFramePr>
             <p:xfrm>
-              <a:off x="1674080" y="480887"/>
+              <a:off x="3600000" y="720000"/>
               <a:ext cx="2880000" cy="2880000"/>
             </p:xfrm>
             <a:graphic>
@@ -3198,14 +3372,101 @@
             </a:graphic>
           </p:graphicFrame>
         </mc:Choice>
-        <mc:Fallback xmlns="">
+        <mc:Fallback>
           <p:pic>
             <p:nvPicPr>
-              <p:cNvPr id="11" name="Slide Zoom 10">
+              <p:cNvPr id="23" name="Slide Zoom 22">
                 <a:hlinkClick r:id="rId3" action="ppaction://hlinksldjump"/>
                 <a:extLst>
                   <a:ext uri="{FF2B5EF4-FFF2-40B4-BE49-F238E27FC236}">
-                    <a16:creationId xmlns:a16="http://schemas.microsoft.com/office/drawing/2014/main" id="{DDD8D099-A342-AC62-BCFE-8B344126D34A}"/>
+                    <a16:creationId xmlns:a16="http://schemas.microsoft.com/office/drawing/2014/main" id="{CFEF89BC-3D80-ADB2-89C1-FDA630FDD03C}"/>
+                  </a:ext>
+                </a:extLst>
+              </p:cNvPr>
+              <p:cNvPicPr>
+                <a:picLocks noGrp="1" noRot="1" noChangeAspect="1" noMove="1" noResize="1" noEditPoints="1" noAdjustHandles="1" noChangeArrowheads="1" noChangeShapeType="1"/>
+              </p:cNvPicPr>
+              <p:nvPr/>
+            </p:nvPicPr>
+            <p:blipFill>
+              <a:blip r:embed="rId7"/>
+              <a:stretch>
+                <a:fillRect/>
+              </a:stretch>
+            </p:blipFill>
+            <p:spPr>
+              <a:xfrm>
+                <a:off x="3600000" y="720000"/>
+                <a:ext cx="2880000" cy="2880000"/>
+              </a:xfrm>
+              <a:prstGeom prst="rect">
+                <a:avLst/>
+              </a:prstGeom>
+            </p:spPr>
+          </p:pic>
+        </mc:Fallback>
+      </mc:AlternateContent>
+      <mc:AlternateContent xmlns:mc="http://schemas.openxmlformats.org/markup-compatibility/2006">
+        <mc:Choice xmlns:pslz="http://schemas.microsoft.com/office/powerpoint/2016/slidezoom" Requires="pslz">
+          <p:graphicFrame>
+            <p:nvGraphicFramePr>
+              <p:cNvPr id="24" name="Slide Zoom 23">
+                <a:extLst>
+                  <a:ext uri="{FF2B5EF4-FFF2-40B4-BE49-F238E27FC236}">
+                    <a16:creationId xmlns:a16="http://schemas.microsoft.com/office/drawing/2014/main" id="{465E1242-651A-B299-163F-8F0197C3F2E9}"/>
+                  </a:ext>
+                </a:extLst>
+              </p:cNvPr>
+              <p:cNvGraphicFramePr>
+                <a:graphicFrameLocks noChangeAspect="1"/>
+              </p:cNvGraphicFramePr>
+              <p:nvPr>
+                <p:extLst>
+                  <p:ext uri="{D42A27DB-BD31-4B8C-83A1-F6EECF244321}">
+                    <p14:modId xmlns:p14="http://schemas.microsoft.com/office/powerpoint/2010/main" val="2136110918"/>
+                  </p:ext>
+                </p:extLst>
+              </p:nvPr>
+            </p:nvGraphicFramePr>
+            <p:xfrm>
+              <a:off x="5400000" y="4320000"/>
+              <a:ext cx="2880000" cy="2880000"/>
+            </p:xfrm>
+            <a:graphic>
+              <a:graphicData uri="http://schemas.microsoft.com/office/powerpoint/2016/slidezoom">
+                <pslz:sldZm>
+                  <pslz:sldZmObj sldId="257" cId="44207352">
+                    <pslz:zmPr id="{F065D511-42F3-7841-A7DA-E4E064121050}" returnToParent="0" transitionDur="1000" showBg="0">
+                      <p166:blipFill xmlns:p166="http://schemas.microsoft.com/office/powerpoint/2016/6/main">
+                        <a:blip r:embed="rId8"/>
+                        <a:stretch>
+                          <a:fillRect/>
+                        </a:stretch>
+                      </p166:blipFill>
+                      <p166:spPr xmlns:p166="http://schemas.microsoft.com/office/powerpoint/2016/6/main">
+                        <a:xfrm>
+                          <a:off x="0" y="0"/>
+                          <a:ext cx="2880000" cy="2880000"/>
+                        </a:xfrm>
+                        <a:prstGeom prst="rect">
+                          <a:avLst/>
+                        </a:prstGeom>
+                      </p166:spPr>
+                    </pslz:zmPr>
+                  </pslz:sldZmObj>
+                </pslz:sldZm>
+              </a:graphicData>
+            </a:graphic>
+          </p:graphicFrame>
+        </mc:Choice>
+        <mc:Fallback>
+          <p:pic>
+            <p:nvPicPr>
+              <p:cNvPr id="24" name="Slide Zoom 23">
+                <a:hlinkClick r:id="rId3" action="ppaction://hlinksldjump"/>
+                <a:extLst>
+                  <a:ext uri="{FF2B5EF4-FFF2-40B4-BE49-F238E27FC236}">
+                    <a16:creationId xmlns:a16="http://schemas.microsoft.com/office/drawing/2014/main" id="{465E1242-651A-B299-163F-8F0197C3F2E9}"/>
                   </a:ext>
                 </a:extLst>
               </p:cNvPr>
@@ -3222,7 +3483,7 @@
             </p:blipFill>
             <p:spPr>
               <a:xfrm>
-                <a:off x="1674080" y="480887"/>
+                <a:off x="5400000" y="4320000"/>
                 <a:ext cx="2880000" cy="2880000"/>
               </a:xfrm>
               <a:prstGeom prst="rect">
@@ -3232,14 +3493,14 @@
           </p:pic>
         </mc:Fallback>
       </mc:AlternateContent>
-      <mc:AlternateContent xmlns:mc="http://schemas.openxmlformats.org/markup-compatibility/2006" xmlns:pslz="http://schemas.microsoft.com/office/powerpoint/2016/slidezoom">
-        <mc:Choice Requires="pslz">
+      <mc:AlternateContent xmlns:mc="http://schemas.openxmlformats.org/markup-compatibility/2006">
+        <mc:Choice xmlns:pslz="http://schemas.microsoft.com/office/powerpoint/2016/slidezoom" Requires="pslz">
           <p:graphicFrame>
             <p:nvGraphicFramePr>
-              <p:cNvPr id="22" name="Slide Zoom 21">
+              <p:cNvPr id="25" name="Slide Zoom 24">
                 <a:extLst>
                   <a:ext uri="{FF2B5EF4-FFF2-40B4-BE49-F238E27FC236}">
-                    <a16:creationId xmlns:a16="http://schemas.microsoft.com/office/drawing/2014/main" id="{2B566D4D-490C-91BE-1858-B5416AC8B051}"/>
+                    <a16:creationId xmlns:a16="http://schemas.microsoft.com/office/drawing/2014/main" id="{01C77A70-DFD9-CAC8-9910-99947AC8C31D}"/>
                   </a:ext>
                 </a:extLst>
               </p:cNvPr>
@@ -3249,13 +3510,13 @@
               <p:nvPr>
                 <p:extLst>
                   <p:ext uri="{D42A27DB-BD31-4B8C-83A1-F6EECF244321}">
-                    <p14:modId xmlns:p14="http://schemas.microsoft.com/office/powerpoint/2010/main" val="459197991"/>
+                    <p14:modId xmlns:p14="http://schemas.microsoft.com/office/powerpoint/2010/main" val="1656341485"/>
                   </p:ext>
                 </p:extLst>
               </p:nvPr>
             </p:nvGraphicFramePr>
             <p:xfrm>
-              <a:off x="3476238" y="4069151"/>
+              <a:off x="5400000" y="2520000"/>
               <a:ext cx="2880000" cy="2880000"/>
             </p:xfrm>
             <a:graphic>
@@ -3285,14 +3546,101 @@
             </a:graphic>
           </p:graphicFrame>
         </mc:Choice>
-        <mc:Fallback xmlns="">
+        <mc:Fallback>
           <p:pic>
             <p:nvPicPr>
-              <p:cNvPr id="22" name="Slide Zoom 21">
+              <p:cNvPr id="25" name="Slide Zoom 24">
                 <a:hlinkClick r:id="rId3" action="ppaction://hlinksldjump"/>
                 <a:extLst>
                   <a:ext uri="{FF2B5EF4-FFF2-40B4-BE49-F238E27FC236}">
-                    <a16:creationId xmlns:a16="http://schemas.microsoft.com/office/drawing/2014/main" id="{2B566D4D-490C-91BE-1858-B5416AC8B051}"/>
+                    <a16:creationId xmlns:a16="http://schemas.microsoft.com/office/drawing/2014/main" id="{01C77A70-DFD9-CAC8-9910-99947AC8C31D}"/>
+                  </a:ext>
+                </a:extLst>
+              </p:cNvPr>
+              <p:cNvPicPr>
+                <a:picLocks noGrp="1" noRot="1" noChangeAspect="1" noMove="1" noResize="1" noEditPoints="1" noAdjustHandles="1" noChangeArrowheads="1" noChangeShapeType="1"/>
+              </p:cNvPicPr>
+              <p:nvPr/>
+            </p:nvPicPr>
+            <p:blipFill>
+              <a:blip r:embed="rId9"/>
+              <a:stretch>
+                <a:fillRect/>
+              </a:stretch>
+            </p:blipFill>
+            <p:spPr>
+              <a:xfrm>
+                <a:off x="5400000" y="2520000"/>
+                <a:ext cx="2880000" cy="2880000"/>
+              </a:xfrm>
+              <a:prstGeom prst="rect">
+                <a:avLst/>
+              </a:prstGeom>
+            </p:spPr>
+          </p:pic>
+        </mc:Fallback>
+      </mc:AlternateContent>
+      <mc:AlternateContent xmlns:mc="http://schemas.openxmlformats.org/markup-compatibility/2006">
+        <mc:Choice xmlns:pslz="http://schemas.microsoft.com/office/powerpoint/2016/slidezoom" Requires="pslz">
+          <p:graphicFrame>
+            <p:nvGraphicFramePr>
+              <p:cNvPr id="26" name="Slide Zoom 25">
+                <a:extLst>
+                  <a:ext uri="{FF2B5EF4-FFF2-40B4-BE49-F238E27FC236}">
+                    <a16:creationId xmlns:a16="http://schemas.microsoft.com/office/drawing/2014/main" id="{EEADBE6E-628C-28D5-13D3-B234621376BE}"/>
+                  </a:ext>
+                </a:extLst>
+              </p:cNvPr>
+              <p:cNvGraphicFramePr>
+                <a:graphicFrameLocks noChangeAspect="1"/>
+              </p:cNvGraphicFramePr>
+              <p:nvPr>
+                <p:extLst>
+                  <p:ext uri="{D42A27DB-BD31-4B8C-83A1-F6EECF244321}">
+                    <p14:modId xmlns:p14="http://schemas.microsoft.com/office/powerpoint/2010/main" val="3764230294"/>
+                  </p:ext>
+                </p:extLst>
+              </p:nvPr>
+            </p:nvGraphicFramePr>
+            <p:xfrm>
+              <a:off x="5400000" y="720000"/>
+              <a:ext cx="2880000" cy="2880000"/>
+            </p:xfrm>
+            <a:graphic>
+              <a:graphicData uri="http://schemas.microsoft.com/office/powerpoint/2016/slidezoom">
+                <pslz:sldZm>
+                  <pslz:sldZmObj sldId="257" cId="44207352">
+                    <pslz:zmPr id="{F065D511-42F3-7841-A7DA-E4E064121050}" returnToParent="0" transitionDur="1000" showBg="0">
+                      <p166:blipFill xmlns:p166="http://schemas.microsoft.com/office/powerpoint/2016/6/main">
+                        <a:blip r:embed="rId10"/>
+                        <a:stretch>
+                          <a:fillRect/>
+                        </a:stretch>
+                      </p166:blipFill>
+                      <p166:spPr xmlns:p166="http://schemas.microsoft.com/office/powerpoint/2016/6/main">
+                        <a:xfrm>
+                          <a:off x="0" y="0"/>
+                          <a:ext cx="2880000" cy="2880000"/>
+                        </a:xfrm>
+                        <a:prstGeom prst="rect">
+                          <a:avLst/>
+                        </a:prstGeom>
+                      </p166:spPr>
+                    </pslz:zmPr>
+                  </pslz:sldZmObj>
+                </pslz:sldZm>
+              </a:graphicData>
+            </a:graphic>
+          </p:graphicFrame>
+        </mc:Choice>
+        <mc:Fallback>
+          <p:pic>
+            <p:nvPicPr>
+              <p:cNvPr id="26" name="Slide Zoom 25">
+                <a:hlinkClick r:id="rId3" action="ppaction://hlinksldjump"/>
+                <a:extLst>
+                  <a:ext uri="{FF2B5EF4-FFF2-40B4-BE49-F238E27FC236}">
+                    <a16:creationId xmlns:a16="http://schemas.microsoft.com/office/drawing/2014/main" id="{EEADBE6E-628C-28D5-13D3-B234621376BE}"/>
                   </a:ext>
                 </a:extLst>
               </p:cNvPr>
@@ -3309,7 +3657,7 @@
             </p:blipFill>
             <p:spPr>
               <a:xfrm>
-                <a:off x="3476238" y="4069151"/>
+                <a:off x="5400000" y="720000"/>
                 <a:ext cx="2880000" cy="2880000"/>
               </a:xfrm>
               <a:prstGeom prst="rect">
@@ -3319,14 +3667,14 @@
           </p:pic>
         </mc:Fallback>
       </mc:AlternateContent>
-      <mc:AlternateContent xmlns:mc="http://schemas.openxmlformats.org/markup-compatibility/2006" xmlns:pslz="http://schemas.microsoft.com/office/powerpoint/2016/slidezoom">
-        <mc:Choice Requires="pslz">
+      <mc:AlternateContent xmlns:mc="http://schemas.openxmlformats.org/markup-compatibility/2006">
+        <mc:Choice xmlns:pslz="http://schemas.microsoft.com/office/powerpoint/2016/slidezoom" Requires="pslz">
           <p:graphicFrame>
             <p:nvGraphicFramePr>
-              <p:cNvPr id="23" name="Slide Zoom 22">
+              <p:cNvPr id="31" name="Slide Zoom 30">
                 <a:extLst>
                   <a:ext uri="{FF2B5EF4-FFF2-40B4-BE49-F238E27FC236}">
-                    <a16:creationId xmlns:a16="http://schemas.microsoft.com/office/drawing/2014/main" id="{CFEF89BC-3D80-ADB2-89C1-FDA630FDD03C}"/>
+                    <a16:creationId xmlns:a16="http://schemas.microsoft.com/office/drawing/2014/main" id="{40E5BE20-4384-8B1E-6380-8FFA3BC4D531}"/>
                   </a:ext>
                 </a:extLst>
               </p:cNvPr>
@@ -3336,13 +3684,13 @@
               <p:nvPr>
                 <p:extLst>
                   <p:ext uri="{D42A27DB-BD31-4B8C-83A1-F6EECF244321}">
-                    <p14:modId xmlns:p14="http://schemas.microsoft.com/office/powerpoint/2010/main" val="1520204367"/>
+                    <p14:modId xmlns:p14="http://schemas.microsoft.com/office/powerpoint/2010/main" val="233619831"/>
                   </p:ext>
                 </p:extLst>
               </p:nvPr>
             </p:nvGraphicFramePr>
             <p:xfrm>
-              <a:off x="3474940" y="477072"/>
+              <a:off x="1080000" y="4680000"/>
               <a:ext cx="2880000" cy="2880000"/>
             </p:xfrm>
             <a:graphic>
@@ -3372,14 +3720,101 @@
             </a:graphic>
           </p:graphicFrame>
         </mc:Choice>
-        <mc:Fallback xmlns="">
+        <mc:Fallback>
           <p:pic>
             <p:nvPicPr>
-              <p:cNvPr id="23" name="Slide Zoom 22">
+              <p:cNvPr id="31" name="Slide Zoom 30">
                 <a:hlinkClick r:id="rId3" action="ppaction://hlinksldjump"/>
                 <a:extLst>
                   <a:ext uri="{FF2B5EF4-FFF2-40B4-BE49-F238E27FC236}">
-                    <a16:creationId xmlns:a16="http://schemas.microsoft.com/office/drawing/2014/main" id="{CFEF89BC-3D80-ADB2-89C1-FDA630FDD03C}"/>
+                    <a16:creationId xmlns:a16="http://schemas.microsoft.com/office/drawing/2014/main" id="{40E5BE20-4384-8B1E-6380-8FFA3BC4D531}"/>
+                  </a:ext>
+                </a:extLst>
+              </p:cNvPr>
+              <p:cNvPicPr>
+                <a:picLocks noGrp="1" noRot="1" noChangeAspect="1" noMove="1" noResize="1" noEditPoints="1" noAdjustHandles="1" noChangeArrowheads="1" noChangeShapeType="1"/>
+              </p:cNvPicPr>
+              <p:nvPr/>
+            </p:nvPicPr>
+            <p:blipFill>
+              <a:blip r:embed="rId11"/>
+              <a:stretch>
+                <a:fillRect/>
+              </a:stretch>
+            </p:blipFill>
+            <p:spPr>
+              <a:xfrm>
+                <a:off x="1080000" y="4680000"/>
+                <a:ext cx="2880000" cy="2880000"/>
+              </a:xfrm>
+              <a:prstGeom prst="rect">
+                <a:avLst/>
+              </a:prstGeom>
+            </p:spPr>
+          </p:pic>
+        </mc:Fallback>
+      </mc:AlternateContent>
+      <mc:AlternateContent xmlns:mc="http://schemas.openxmlformats.org/markup-compatibility/2006">
+        <mc:Choice xmlns:pslz="http://schemas.microsoft.com/office/powerpoint/2016/slidezoom" Requires="pslz">
+          <p:graphicFrame>
+            <p:nvGraphicFramePr>
+              <p:cNvPr id="33" name="Slide Zoom 32">
+                <a:extLst>
+                  <a:ext uri="{FF2B5EF4-FFF2-40B4-BE49-F238E27FC236}">
+                    <a16:creationId xmlns:a16="http://schemas.microsoft.com/office/drawing/2014/main" id="{D18F7F65-F737-BCE9-9D0D-E6F0140C122E}"/>
+                  </a:ext>
+                </a:extLst>
+              </p:cNvPr>
+              <p:cNvGraphicFramePr>
+                <a:graphicFrameLocks noChangeAspect="1"/>
+              </p:cNvGraphicFramePr>
+              <p:nvPr>
+                <p:extLst>
+                  <p:ext uri="{D42A27DB-BD31-4B8C-83A1-F6EECF244321}">
+                    <p14:modId xmlns:p14="http://schemas.microsoft.com/office/powerpoint/2010/main" val="4255425637"/>
+                  </p:ext>
+                </p:extLst>
+              </p:nvPr>
+            </p:nvGraphicFramePr>
+            <p:xfrm>
+              <a:off x="4680000" y="4680000"/>
+              <a:ext cx="2880000" cy="2880000"/>
+            </p:xfrm>
+            <a:graphic>
+              <a:graphicData uri="http://schemas.microsoft.com/office/powerpoint/2016/slidezoom">
+                <pslz:sldZm>
+                  <pslz:sldZmObj sldId="257" cId="44207352">
+                    <pslz:zmPr id="{F065D511-42F3-7841-A7DA-E4E064121050}" returnToParent="0" transitionDur="1000" showBg="0">
+                      <p166:blipFill xmlns:p166="http://schemas.microsoft.com/office/powerpoint/2016/6/main">
+                        <a:blip r:embed="rId12"/>
+                        <a:stretch>
+                          <a:fillRect/>
+                        </a:stretch>
+                      </p166:blipFill>
+                      <p166:spPr xmlns:p166="http://schemas.microsoft.com/office/powerpoint/2016/6/main">
+                        <a:xfrm>
+                          <a:off x="0" y="0"/>
+                          <a:ext cx="2880000" cy="2880000"/>
+                        </a:xfrm>
+                        <a:prstGeom prst="rect">
+                          <a:avLst/>
+                        </a:prstGeom>
+                      </p166:spPr>
+                    </pslz:zmPr>
+                  </pslz:sldZmObj>
+                </pslz:sldZm>
+              </a:graphicData>
+            </a:graphic>
+          </p:graphicFrame>
+        </mc:Choice>
+        <mc:Fallback>
+          <p:pic>
+            <p:nvPicPr>
+              <p:cNvPr id="33" name="Slide Zoom 32">
+                <a:hlinkClick r:id="rId3" action="ppaction://hlinksldjump"/>
+                <a:extLst>
+                  <a:ext uri="{FF2B5EF4-FFF2-40B4-BE49-F238E27FC236}">
+                    <a16:creationId xmlns:a16="http://schemas.microsoft.com/office/drawing/2014/main" id="{D18F7F65-F737-BCE9-9D0D-E6F0140C122E}"/>
                   </a:ext>
                 </a:extLst>
               </p:cNvPr>
@@ -3396,7 +3831,7 @@
             </p:blipFill>
             <p:spPr>
               <a:xfrm>
-                <a:off x="3474940" y="477072"/>
+                <a:off x="4680000" y="4680000"/>
                 <a:ext cx="2880000" cy="2880000"/>
               </a:xfrm>
               <a:prstGeom prst="rect">
@@ -3406,14 +3841,14 @@
           </p:pic>
         </mc:Fallback>
       </mc:AlternateContent>
-      <mc:AlternateContent xmlns:mc="http://schemas.openxmlformats.org/markup-compatibility/2006" xmlns:pslz="http://schemas.microsoft.com/office/powerpoint/2016/slidezoom">
-        <mc:Choice Requires="pslz">
+      <mc:AlternateContent xmlns:mc="http://schemas.openxmlformats.org/markup-compatibility/2006">
+        <mc:Choice xmlns:pslz="http://schemas.microsoft.com/office/powerpoint/2016/slidezoom" Requires="pslz">
           <p:graphicFrame>
             <p:nvGraphicFramePr>
-              <p:cNvPr id="24" name="Slide Zoom 23">
+              <p:cNvPr id="36" name="Slide Zoom 35">
                 <a:extLst>
                   <a:ext uri="{FF2B5EF4-FFF2-40B4-BE49-F238E27FC236}">
-                    <a16:creationId xmlns:a16="http://schemas.microsoft.com/office/drawing/2014/main" id="{465E1242-651A-B299-163F-8F0197C3F2E9}"/>
+                    <a16:creationId xmlns:a16="http://schemas.microsoft.com/office/drawing/2014/main" id="{102646B7-7AC7-A934-F2E5-0316419748CE}"/>
                   </a:ext>
                 </a:extLst>
               </p:cNvPr>
@@ -3423,13 +3858,13 @@
               <p:nvPr>
                 <p:extLst>
                   <p:ext uri="{D42A27DB-BD31-4B8C-83A1-F6EECF244321}">
-                    <p14:modId xmlns:p14="http://schemas.microsoft.com/office/powerpoint/2010/main" val="3317774033"/>
+                    <p14:modId xmlns:p14="http://schemas.microsoft.com/office/powerpoint/2010/main" val="1896927"/>
                   </p:ext>
                 </p:extLst>
               </p:nvPr>
             </p:nvGraphicFramePr>
             <p:xfrm>
-              <a:off x="5278396" y="4069753"/>
+              <a:off x="1080000" y="1080000"/>
               <a:ext cx="2880000" cy="2880000"/>
             </p:xfrm>
             <a:graphic>
@@ -3459,14 +3894,101 @@
             </a:graphic>
           </p:graphicFrame>
         </mc:Choice>
-        <mc:Fallback xmlns="">
+        <mc:Fallback>
           <p:pic>
             <p:nvPicPr>
-              <p:cNvPr id="24" name="Slide Zoom 23">
+              <p:cNvPr id="36" name="Slide Zoom 35">
                 <a:hlinkClick r:id="rId3" action="ppaction://hlinksldjump"/>
                 <a:extLst>
                   <a:ext uri="{FF2B5EF4-FFF2-40B4-BE49-F238E27FC236}">
-                    <a16:creationId xmlns:a16="http://schemas.microsoft.com/office/drawing/2014/main" id="{465E1242-651A-B299-163F-8F0197C3F2E9}"/>
+                    <a16:creationId xmlns:a16="http://schemas.microsoft.com/office/drawing/2014/main" id="{102646B7-7AC7-A934-F2E5-0316419748CE}"/>
+                  </a:ext>
+                </a:extLst>
+              </p:cNvPr>
+              <p:cNvPicPr>
+                <a:picLocks noGrp="1" noRot="1" noChangeAspect="1" noMove="1" noResize="1" noEditPoints="1" noAdjustHandles="1" noChangeArrowheads="1" noChangeShapeType="1"/>
+              </p:cNvPicPr>
+              <p:nvPr/>
+            </p:nvPicPr>
+            <p:blipFill>
+              <a:blip r:embed="rId13"/>
+              <a:stretch>
+                <a:fillRect/>
+              </a:stretch>
+            </p:blipFill>
+            <p:spPr>
+              <a:xfrm>
+                <a:off x="1080000" y="1080000"/>
+                <a:ext cx="2880000" cy="2880000"/>
+              </a:xfrm>
+              <a:prstGeom prst="rect">
+                <a:avLst/>
+              </a:prstGeom>
+            </p:spPr>
+          </p:pic>
+        </mc:Fallback>
+      </mc:AlternateContent>
+      <mc:AlternateContent xmlns:mc="http://schemas.openxmlformats.org/markup-compatibility/2006">
+        <mc:Choice xmlns:pslz="http://schemas.microsoft.com/office/powerpoint/2016/slidezoom" Requires="pslz">
+          <p:graphicFrame>
+            <p:nvGraphicFramePr>
+              <p:cNvPr id="38" name="Slide Zoom 37">
+                <a:extLst>
+                  <a:ext uri="{FF2B5EF4-FFF2-40B4-BE49-F238E27FC236}">
+                    <a16:creationId xmlns:a16="http://schemas.microsoft.com/office/drawing/2014/main" id="{F21FE22B-FFE7-B14D-3760-41B8FE42B857}"/>
+                  </a:ext>
+                </a:extLst>
+              </p:cNvPr>
+              <p:cNvGraphicFramePr>
+                <a:graphicFrameLocks noChangeAspect="1"/>
+              </p:cNvGraphicFramePr>
+              <p:nvPr>
+                <p:extLst>
+                  <p:ext uri="{D42A27DB-BD31-4B8C-83A1-F6EECF244321}">
+                    <p14:modId xmlns:p14="http://schemas.microsoft.com/office/powerpoint/2010/main" val="2319324259"/>
+                  </p:ext>
+                </p:extLst>
+              </p:nvPr>
+            </p:nvGraphicFramePr>
+            <p:xfrm>
+              <a:off x="4680000" y="1080000"/>
+              <a:ext cx="2880000" cy="2880000"/>
+            </p:xfrm>
+            <a:graphic>
+              <a:graphicData uri="http://schemas.microsoft.com/office/powerpoint/2016/slidezoom">
+                <pslz:sldZm>
+                  <pslz:sldZmObj sldId="257" cId="44207352">
+                    <pslz:zmPr id="{F065D511-42F3-7841-A7DA-E4E064121050}" returnToParent="0" transitionDur="1000" showBg="0">
+                      <p166:blipFill xmlns:p166="http://schemas.microsoft.com/office/powerpoint/2016/6/main">
+                        <a:blip r:embed="rId14"/>
+                        <a:stretch>
+                          <a:fillRect/>
+                        </a:stretch>
+                      </p166:blipFill>
+                      <p166:spPr xmlns:p166="http://schemas.microsoft.com/office/powerpoint/2016/6/main">
+                        <a:xfrm>
+                          <a:off x="0" y="0"/>
+                          <a:ext cx="2880000" cy="2880000"/>
+                        </a:xfrm>
+                        <a:prstGeom prst="rect">
+                          <a:avLst/>
+                        </a:prstGeom>
+                      </p166:spPr>
+                    </pslz:zmPr>
+                  </pslz:sldZmObj>
+                </pslz:sldZm>
+              </a:graphicData>
+            </a:graphic>
+          </p:graphicFrame>
+        </mc:Choice>
+        <mc:Fallback>
+          <p:pic>
+            <p:nvPicPr>
+              <p:cNvPr id="38" name="Slide Zoom 37">
+                <a:hlinkClick r:id="rId3" action="ppaction://hlinksldjump"/>
+                <a:extLst>
+                  <a:ext uri="{FF2B5EF4-FFF2-40B4-BE49-F238E27FC236}">
+                    <a16:creationId xmlns:a16="http://schemas.microsoft.com/office/drawing/2014/main" id="{F21FE22B-FFE7-B14D-3760-41B8FE42B857}"/>
                   </a:ext>
                 </a:extLst>
               </p:cNvPr>
@@ -3483,7 +4005,7 @@
             </p:blipFill>
             <p:spPr>
               <a:xfrm>
-                <a:off x="5278396" y="4069753"/>
+                <a:off x="4680000" y="1080000"/>
                 <a:ext cx="2880000" cy="2880000"/>
               </a:xfrm>
               <a:prstGeom prst="rect">
@@ -3493,14 +4015,14 @@
           </p:pic>
         </mc:Fallback>
       </mc:AlternateContent>
-      <mc:AlternateContent xmlns:mc="http://schemas.openxmlformats.org/markup-compatibility/2006" xmlns:pslz="http://schemas.microsoft.com/office/powerpoint/2016/slidezoom">
-        <mc:Choice Requires="pslz">
+      <mc:AlternateContent xmlns:mc="http://schemas.openxmlformats.org/markup-compatibility/2006">
+        <mc:Choice xmlns:pslz="http://schemas.microsoft.com/office/powerpoint/2016/slidezoom" Requires="pslz">
           <p:graphicFrame>
             <p:nvGraphicFramePr>
-              <p:cNvPr id="25" name="Slide Zoom 24">
+              <p:cNvPr id="39" name="Slide Zoom 38">
                 <a:extLst>
                   <a:ext uri="{FF2B5EF4-FFF2-40B4-BE49-F238E27FC236}">
-                    <a16:creationId xmlns:a16="http://schemas.microsoft.com/office/drawing/2014/main" id="{01C77A70-DFD9-CAC8-9910-99947AC8C31D}"/>
+                    <a16:creationId xmlns:a16="http://schemas.microsoft.com/office/drawing/2014/main" id="{8AE3B60F-60F6-28B6-FD3C-485F9D0370AF}"/>
                   </a:ext>
                 </a:extLst>
               </p:cNvPr>
@@ -3510,13 +4032,13 @@
               <p:nvPr>
                 <p:extLst>
                   <p:ext uri="{D42A27DB-BD31-4B8C-83A1-F6EECF244321}">
-                    <p14:modId xmlns:p14="http://schemas.microsoft.com/office/powerpoint/2010/main" val="1563363708"/>
+                    <p14:modId xmlns:p14="http://schemas.microsoft.com/office/powerpoint/2010/main" val="2813621014"/>
                   </p:ext>
                 </p:extLst>
               </p:nvPr>
             </p:nvGraphicFramePr>
             <p:xfrm>
-              <a:off x="5278396" y="2275869"/>
+              <a:off x="360000" y="5040000"/>
               <a:ext cx="2880000" cy="2880000"/>
             </p:xfrm>
             <a:graphic>
@@ -3546,14 +4068,101 @@
             </a:graphic>
           </p:graphicFrame>
         </mc:Choice>
-        <mc:Fallback xmlns="">
+        <mc:Fallback>
           <p:pic>
             <p:nvPicPr>
-              <p:cNvPr id="25" name="Slide Zoom 24">
+              <p:cNvPr id="39" name="Slide Zoom 38">
                 <a:hlinkClick r:id="rId3" action="ppaction://hlinksldjump"/>
                 <a:extLst>
                   <a:ext uri="{FF2B5EF4-FFF2-40B4-BE49-F238E27FC236}">
-                    <a16:creationId xmlns:a16="http://schemas.microsoft.com/office/drawing/2014/main" id="{01C77A70-DFD9-CAC8-9910-99947AC8C31D}"/>
+                    <a16:creationId xmlns:a16="http://schemas.microsoft.com/office/drawing/2014/main" id="{8AE3B60F-60F6-28B6-FD3C-485F9D0370AF}"/>
+                  </a:ext>
+                </a:extLst>
+              </p:cNvPr>
+              <p:cNvPicPr>
+                <a:picLocks noGrp="1" noRot="1" noChangeAspect="1" noMove="1" noResize="1" noEditPoints="1" noAdjustHandles="1" noChangeArrowheads="1" noChangeShapeType="1"/>
+              </p:cNvPicPr>
+              <p:nvPr/>
+            </p:nvPicPr>
+            <p:blipFill>
+              <a:blip r:embed="rId15"/>
+              <a:stretch>
+                <a:fillRect/>
+              </a:stretch>
+            </p:blipFill>
+            <p:spPr>
+              <a:xfrm>
+                <a:off x="360000" y="5040000"/>
+                <a:ext cx="2880000" cy="2880000"/>
+              </a:xfrm>
+              <a:prstGeom prst="rect">
+                <a:avLst/>
+              </a:prstGeom>
+            </p:spPr>
+          </p:pic>
+        </mc:Fallback>
+      </mc:AlternateContent>
+      <mc:AlternateContent xmlns:mc="http://schemas.openxmlformats.org/markup-compatibility/2006">
+        <mc:Choice xmlns:pslz="http://schemas.microsoft.com/office/powerpoint/2016/slidezoom" Requires="pslz">
+          <p:graphicFrame>
+            <p:nvGraphicFramePr>
+              <p:cNvPr id="40" name="Slide Zoom 39">
+                <a:extLst>
+                  <a:ext uri="{FF2B5EF4-FFF2-40B4-BE49-F238E27FC236}">
+                    <a16:creationId xmlns:a16="http://schemas.microsoft.com/office/drawing/2014/main" id="{B10B6FCA-9B41-3FF5-9333-21644ECEFB84}"/>
+                  </a:ext>
+                </a:extLst>
+              </p:cNvPr>
+              <p:cNvGraphicFramePr>
+                <a:graphicFrameLocks noChangeAspect="1"/>
+              </p:cNvGraphicFramePr>
+              <p:nvPr>
+                <p:extLst>
+                  <p:ext uri="{D42A27DB-BD31-4B8C-83A1-F6EECF244321}">
+                    <p14:modId xmlns:p14="http://schemas.microsoft.com/office/powerpoint/2010/main" val="26323565"/>
+                  </p:ext>
+                </p:extLst>
+              </p:nvPr>
+            </p:nvGraphicFramePr>
+            <p:xfrm>
+              <a:off x="2160000" y="5040000"/>
+              <a:ext cx="2880000" cy="2880000"/>
+            </p:xfrm>
+            <a:graphic>
+              <a:graphicData uri="http://schemas.microsoft.com/office/powerpoint/2016/slidezoom">
+                <pslz:sldZm>
+                  <pslz:sldZmObj sldId="257" cId="44207352">
+                    <pslz:zmPr id="{F065D511-42F3-7841-A7DA-E4E064121050}" returnToParent="0" transitionDur="1000" showBg="0">
+                      <p166:blipFill xmlns:p166="http://schemas.microsoft.com/office/powerpoint/2016/6/main">
+                        <a:blip r:embed="rId16"/>
+                        <a:stretch>
+                          <a:fillRect/>
+                        </a:stretch>
+                      </p166:blipFill>
+                      <p166:spPr xmlns:p166="http://schemas.microsoft.com/office/powerpoint/2016/6/main">
+                        <a:xfrm>
+                          <a:off x="0" y="0"/>
+                          <a:ext cx="2880000" cy="2880000"/>
+                        </a:xfrm>
+                        <a:prstGeom prst="rect">
+                          <a:avLst/>
+                        </a:prstGeom>
+                      </p166:spPr>
+                    </pslz:zmPr>
+                  </pslz:sldZmObj>
+                </pslz:sldZm>
+              </a:graphicData>
+            </a:graphic>
+          </p:graphicFrame>
+        </mc:Choice>
+        <mc:Fallback>
+          <p:pic>
+            <p:nvPicPr>
+              <p:cNvPr id="40" name="Slide Zoom 39">
+                <a:hlinkClick r:id="rId3" action="ppaction://hlinksldjump"/>
+                <a:extLst>
+                  <a:ext uri="{FF2B5EF4-FFF2-40B4-BE49-F238E27FC236}">
+                    <a16:creationId xmlns:a16="http://schemas.microsoft.com/office/drawing/2014/main" id="{B10B6FCA-9B41-3FF5-9333-21644ECEFB84}"/>
                   </a:ext>
                 </a:extLst>
               </p:cNvPr>
@@ -3570,7 +4179,7 @@
             </p:blipFill>
             <p:spPr>
               <a:xfrm>
-                <a:off x="5278396" y="2275869"/>
+                <a:off x="2160000" y="5040000"/>
                 <a:ext cx="2880000" cy="2880000"/>
               </a:xfrm>
               <a:prstGeom prst="rect">
@@ -3580,14 +4189,14 @@
           </p:pic>
         </mc:Fallback>
       </mc:AlternateContent>
-      <mc:AlternateContent xmlns:mc="http://schemas.openxmlformats.org/markup-compatibility/2006" xmlns:pslz="http://schemas.microsoft.com/office/powerpoint/2016/slidezoom">
-        <mc:Choice Requires="pslz">
+      <mc:AlternateContent xmlns:mc="http://schemas.openxmlformats.org/markup-compatibility/2006">
+        <mc:Choice xmlns:pslz="http://schemas.microsoft.com/office/powerpoint/2016/slidezoom" Requires="pslz">
           <p:graphicFrame>
             <p:nvGraphicFramePr>
-              <p:cNvPr id="26" name="Slide Zoom 25">
+              <p:cNvPr id="41" name="Slide Zoom 40">
                 <a:extLst>
                   <a:ext uri="{FF2B5EF4-FFF2-40B4-BE49-F238E27FC236}">
-                    <a16:creationId xmlns:a16="http://schemas.microsoft.com/office/drawing/2014/main" id="{EEADBE6E-628C-28D5-13D3-B234621376BE}"/>
+                    <a16:creationId xmlns:a16="http://schemas.microsoft.com/office/drawing/2014/main" id="{0F748BC1-D00D-1EFE-525A-644E135C513D}"/>
                   </a:ext>
                 </a:extLst>
               </p:cNvPr>
@@ -3597,13 +4206,13 @@
               <p:nvPr>
                 <p:extLst>
                   <p:ext uri="{D42A27DB-BD31-4B8C-83A1-F6EECF244321}">
-                    <p14:modId xmlns:p14="http://schemas.microsoft.com/office/powerpoint/2010/main" val="2238485998"/>
+                    <p14:modId xmlns:p14="http://schemas.microsoft.com/office/powerpoint/2010/main" val="1447825198"/>
                   </p:ext>
                 </p:extLst>
               </p:nvPr>
             </p:nvGraphicFramePr>
             <p:xfrm>
-              <a:off x="5278396" y="473257"/>
+              <a:off x="3960000" y="5040000"/>
               <a:ext cx="2880000" cy="2880000"/>
             </p:xfrm>
             <a:graphic>
@@ -3633,14 +4242,101 @@
             </a:graphic>
           </p:graphicFrame>
         </mc:Choice>
-        <mc:Fallback xmlns="">
+        <mc:Fallback>
           <p:pic>
             <p:nvPicPr>
-              <p:cNvPr id="26" name="Slide Zoom 25">
+              <p:cNvPr id="41" name="Slide Zoom 40">
                 <a:hlinkClick r:id="rId3" action="ppaction://hlinksldjump"/>
                 <a:extLst>
                   <a:ext uri="{FF2B5EF4-FFF2-40B4-BE49-F238E27FC236}">
-                    <a16:creationId xmlns:a16="http://schemas.microsoft.com/office/drawing/2014/main" id="{EEADBE6E-628C-28D5-13D3-B234621376BE}"/>
+                    <a16:creationId xmlns:a16="http://schemas.microsoft.com/office/drawing/2014/main" id="{0F748BC1-D00D-1EFE-525A-644E135C513D}"/>
+                  </a:ext>
+                </a:extLst>
+              </p:cNvPr>
+              <p:cNvPicPr>
+                <a:picLocks noGrp="1" noRot="1" noChangeAspect="1" noMove="1" noResize="1" noEditPoints="1" noAdjustHandles="1" noChangeArrowheads="1" noChangeShapeType="1"/>
+              </p:cNvPicPr>
+              <p:nvPr/>
+            </p:nvPicPr>
+            <p:blipFill>
+              <a:blip r:embed="rId17"/>
+              <a:stretch>
+                <a:fillRect/>
+              </a:stretch>
+            </p:blipFill>
+            <p:spPr>
+              <a:xfrm>
+                <a:off x="3960000" y="5040000"/>
+                <a:ext cx="2880000" cy="2880000"/>
+              </a:xfrm>
+              <a:prstGeom prst="rect">
+                <a:avLst/>
+              </a:prstGeom>
+            </p:spPr>
+          </p:pic>
+        </mc:Fallback>
+      </mc:AlternateContent>
+      <mc:AlternateContent xmlns:mc="http://schemas.openxmlformats.org/markup-compatibility/2006">
+        <mc:Choice xmlns:pslz="http://schemas.microsoft.com/office/powerpoint/2016/slidezoom" Requires="pslz">
+          <p:graphicFrame>
+            <p:nvGraphicFramePr>
+              <p:cNvPr id="42" name="Slide Zoom 41">
+                <a:extLst>
+                  <a:ext uri="{FF2B5EF4-FFF2-40B4-BE49-F238E27FC236}">
+                    <a16:creationId xmlns:a16="http://schemas.microsoft.com/office/drawing/2014/main" id="{B06DDA10-F829-27E3-EE19-D0055CCD464A}"/>
+                  </a:ext>
+                </a:extLst>
+              </p:cNvPr>
+              <p:cNvGraphicFramePr>
+                <a:graphicFrameLocks noChangeAspect="1"/>
+              </p:cNvGraphicFramePr>
+              <p:nvPr>
+                <p:extLst>
+                  <p:ext uri="{D42A27DB-BD31-4B8C-83A1-F6EECF244321}">
+                    <p14:modId xmlns:p14="http://schemas.microsoft.com/office/powerpoint/2010/main" val="778061734"/>
+                  </p:ext>
+                </p:extLst>
+              </p:nvPr>
+            </p:nvGraphicFramePr>
+            <p:xfrm>
+              <a:off x="360000" y="3240000"/>
+              <a:ext cx="2880000" cy="2880000"/>
+            </p:xfrm>
+            <a:graphic>
+              <a:graphicData uri="http://schemas.microsoft.com/office/powerpoint/2016/slidezoom">
+                <pslz:sldZm>
+                  <pslz:sldZmObj sldId="257" cId="44207352">
+                    <pslz:zmPr id="{F065D511-42F3-7841-A7DA-E4E064121050}" returnToParent="0" transitionDur="1000" showBg="0">
+                      <p166:blipFill xmlns:p166="http://schemas.microsoft.com/office/powerpoint/2016/6/main">
+                        <a:blip r:embed="rId18"/>
+                        <a:stretch>
+                          <a:fillRect/>
+                        </a:stretch>
+                      </p166:blipFill>
+                      <p166:spPr xmlns:p166="http://schemas.microsoft.com/office/powerpoint/2016/6/main">
+                        <a:xfrm>
+                          <a:off x="0" y="0"/>
+                          <a:ext cx="2880000" cy="2880000"/>
+                        </a:xfrm>
+                        <a:prstGeom prst="rect">
+                          <a:avLst/>
+                        </a:prstGeom>
+                      </p166:spPr>
+                    </pslz:zmPr>
+                  </pslz:sldZmObj>
+                </pslz:sldZm>
+              </a:graphicData>
+            </a:graphic>
+          </p:graphicFrame>
+        </mc:Choice>
+        <mc:Fallback>
+          <p:pic>
+            <p:nvPicPr>
+              <p:cNvPr id="42" name="Slide Zoom 41">
+                <a:hlinkClick r:id="rId3" action="ppaction://hlinksldjump"/>
+                <a:extLst>
+                  <a:ext uri="{FF2B5EF4-FFF2-40B4-BE49-F238E27FC236}">
+                    <a16:creationId xmlns:a16="http://schemas.microsoft.com/office/drawing/2014/main" id="{B06DDA10-F829-27E3-EE19-D0055CCD464A}"/>
                   </a:ext>
                 </a:extLst>
               </p:cNvPr>
@@ -3657,7 +4353,7 @@
             </p:blipFill>
             <p:spPr>
               <a:xfrm>
-                <a:off x="5278396" y="473257"/>
+                <a:off x="360000" y="3240000"/>
                 <a:ext cx="2880000" cy="2880000"/>
               </a:xfrm>
               <a:prstGeom prst="rect">
@@ -3667,14 +4363,14 @@
           </p:pic>
         </mc:Fallback>
       </mc:AlternateContent>
-      <mc:AlternateContent xmlns:mc="http://schemas.openxmlformats.org/markup-compatibility/2006" xmlns:pslz="http://schemas.microsoft.com/office/powerpoint/2016/slidezoom">
-        <mc:Choice Requires="pslz">
+      <mc:AlternateContent xmlns:mc="http://schemas.openxmlformats.org/markup-compatibility/2006">
+        <mc:Choice xmlns:pslz="http://schemas.microsoft.com/office/powerpoint/2016/slidezoom" Requires="pslz">
           <p:graphicFrame>
             <p:nvGraphicFramePr>
-              <p:cNvPr id="43" name="Slide Zoom 42">
+              <p:cNvPr id="52" name="Slide Zoom 51">
                 <a:extLst>
                   <a:ext uri="{FF2B5EF4-FFF2-40B4-BE49-F238E27FC236}">
-                    <a16:creationId xmlns:a16="http://schemas.microsoft.com/office/drawing/2014/main" id="{773E3788-2C57-C6AA-5F88-6C86629DECE1}"/>
+                    <a16:creationId xmlns:a16="http://schemas.microsoft.com/office/drawing/2014/main" id="{2A9EC11B-42B3-5458-8AC9-9D00F1C3596D}"/>
                   </a:ext>
                 </a:extLst>
               </p:cNvPr>
@@ -3684,13 +4380,13 @@
               <p:nvPr>
                 <p:extLst>
                   <p:ext uri="{D42A27DB-BD31-4B8C-83A1-F6EECF244321}">
-                    <p14:modId xmlns:p14="http://schemas.microsoft.com/office/powerpoint/2010/main" val="628698768"/>
+                    <p14:modId xmlns:p14="http://schemas.microsoft.com/office/powerpoint/2010/main" val="3147252508"/>
                   </p:ext>
                 </p:extLst>
               </p:nvPr>
             </p:nvGraphicFramePr>
             <p:xfrm>
-              <a:off x="1089296" y="4671092"/>
+              <a:off x="3960000" y="3240000"/>
               <a:ext cx="2880000" cy="2880000"/>
             </p:xfrm>
             <a:graphic>
@@ -3720,14 +4416,101 @@
             </a:graphic>
           </p:graphicFrame>
         </mc:Choice>
-        <mc:Fallback xmlns="">
+        <mc:Fallback>
           <p:pic>
             <p:nvPicPr>
-              <p:cNvPr id="43" name="Slide Zoom 42">
+              <p:cNvPr id="52" name="Slide Zoom 51">
                 <a:hlinkClick r:id="rId3" action="ppaction://hlinksldjump"/>
                 <a:extLst>
                   <a:ext uri="{FF2B5EF4-FFF2-40B4-BE49-F238E27FC236}">
-                    <a16:creationId xmlns:a16="http://schemas.microsoft.com/office/drawing/2014/main" id="{773E3788-2C57-C6AA-5F88-6C86629DECE1}"/>
+                    <a16:creationId xmlns:a16="http://schemas.microsoft.com/office/drawing/2014/main" id="{2A9EC11B-42B3-5458-8AC9-9D00F1C3596D}"/>
+                  </a:ext>
+                </a:extLst>
+              </p:cNvPr>
+              <p:cNvPicPr>
+                <a:picLocks noGrp="1" noRot="1" noChangeAspect="1" noMove="1" noResize="1" noEditPoints="1" noAdjustHandles="1" noChangeArrowheads="1" noChangeShapeType="1"/>
+              </p:cNvPicPr>
+              <p:nvPr/>
+            </p:nvPicPr>
+            <p:blipFill>
+              <a:blip r:embed="rId19"/>
+              <a:stretch>
+                <a:fillRect/>
+              </a:stretch>
+            </p:blipFill>
+            <p:spPr>
+              <a:xfrm>
+                <a:off x="3960000" y="3240000"/>
+                <a:ext cx="2880000" cy="2880000"/>
+              </a:xfrm>
+              <a:prstGeom prst="rect">
+                <a:avLst/>
+              </a:prstGeom>
+            </p:spPr>
+          </p:pic>
+        </mc:Fallback>
+      </mc:AlternateContent>
+      <mc:AlternateContent xmlns:mc="http://schemas.openxmlformats.org/markup-compatibility/2006">
+        <mc:Choice xmlns:pslz="http://schemas.microsoft.com/office/powerpoint/2016/slidezoom" Requires="pslz">
+          <p:graphicFrame>
+            <p:nvGraphicFramePr>
+              <p:cNvPr id="59" name="Slide Zoom 58">
+                <a:extLst>
+                  <a:ext uri="{FF2B5EF4-FFF2-40B4-BE49-F238E27FC236}">
+                    <a16:creationId xmlns:a16="http://schemas.microsoft.com/office/drawing/2014/main" id="{0DCF2BE6-28EF-16D8-438A-F897A62E066F}"/>
+                  </a:ext>
+                </a:extLst>
+              </p:cNvPr>
+              <p:cNvGraphicFramePr>
+                <a:graphicFrameLocks noChangeAspect="1"/>
+              </p:cNvGraphicFramePr>
+              <p:nvPr>
+                <p:extLst>
+                  <p:ext uri="{D42A27DB-BD31-4B8C-83A1-F6EECF244321}">
+                    <p14:modId xmlns:p14="http://schemas.microsoft.com/office/powerpoint/2010/main" val="1906880243"/>
+                  </p:ext>
+                </p:extLst>
+              </p:nvPr>
+            </p:nvGraphicFramePr>
+            <p:xfrm>
+              <a:off x="360000" y="1440000"/>
+              <a:ext cx="2880000" cy="2880000"/>
+            </p:xfrm>
+            <a:graphic>
+              <a:graphicData uri="http://schemas.microsoft.com/office/powerpoint/2016/slidezoom">
+                <pslz:sldZm>
+                  <pslz:sldZmObj sldId="257" cId="44207352">
+                    <pslz:zmPr id="{F065D511-42F3-7841-A7DA-E4E064121050}" returnToParent="0" transitionDur="1000" showBg="0">
+                      <p166:blipFill xmlns:p166="http://schemas.microsoft.com/office/powerpoint/2016/6/main">
+                        <a:blip r:embed="rId20"/>
+                        <a:stretch>
+                          <a:fillRect/>
+                        </a:stretch>
+                      </p166:blipFill>
+                      <p166:spPr xmlns:p166="http://schemas.microsoft.com/office/powerpoint/2016/6/main">
+                        <a:xfrm>
+                          <a:off x="0" y="0"/>
+                          <a:ext cx="2880000" cy="2880000"/>
+                        </a:xfrm>
+                        <a:prstGeom prst="rect">
+                          <a:avLst/>
+                        </a:prstGeom>
+                      </p166:spPr>
+                    </pslz:zmPr>
+                  </pslz:sldZmObj>
+                </pslz:sldZm>
+              </a:graphicData>
+            </a:graphic>
+          </p:graphicFrame>
+        </mc:Choice>
+        <mc:Fallback>
+          <p:pic>
+            <p:nvPicPr>
+              <p:cNvPr id="59" name="Slide Zoom 58">
+                <a:hlinkClick r:id="rId3" action="ppaction://hlinksldjump"/>
+                <a:extLst>
+                  <a:ext uri="{FF2B5EF4-FFF2-40B4-BE49-F238E27FC236}">
+                    <a16:creationId xmlns:a16="http://schemas.microsoft.com/office/drawing/2014/main" id="{0DCF2BE6-28EF-16D8-438A-F897A62E066F}"/>
                   </a:ext>
                 </a:extLst>
               </p:cNvPr>
@@ -3744,7 +4527,7 @@
             </p:blipFill>
             <p:spPr>
               <a:xfrm>
-                <a:off x="1089296" y="4671092"/>
+                <a:off x="360000" y="1440000"/>
                 <a:ext cx="2880000" cy="2880000"/>
               </a:xfrm>
               <a:prstGeom prst="rect">
@@ -3758,10 +4541,10 @@
         <mc:Choice xmlns:pslz="http://schemas.microsoft.com/office/powerpoint/2016/slidezoom" Requires="pslz">
           <p:graphicFrame>
             <p:nvGraphicFramePr>
-              <p:cNvPr id="44" name="Slide Zoom 43">
+              <p:cNvPr id="60" name="Slide Zoom 59">
                 <a:extLst>
                   <a:ext uri="{FF2B5EF4-FFF2-40B4-BE49-F238E27FC236}">
-                    <a16:creationId xmlns:a16="http://schemas.microsoft.com/office/drawing/2014/main" id="{A37E2E34-6CBE-715B-8A0C-C76EA5815231}"/>
+                    <a16:creationId xmlns:a16="http://schemas.microsoft.com/office/drawing/2014/main" id="{7DC59AC1-1A53-1141-D970-4FCC64C9B6B7}"/>
                   </a:ext>
                 </a:extLst>
               </p:cNvPr>
@@ -3771,13 +4554,13 @@
               <p:nvPr>
                 <p:extLst>
                   <p:ext uri="{D42A27DB-BD31-4B8C-83A1-F6EECF244321}">
-                    <p14:modId xmlns:p14="http://schemas.microsoft.com/office/powerpoint/2010/main" val="2199845216"/>
+                    <p14:modId xmlns:p14="http://schemas.microsoft.com/office/powerpoint/2010/main" val="1221132979"/>
                   </p:ext>
                 </p:extLst>
               </p:nvPr>
             </p:nvGraphicFramePr>
             <p:xfrm>
-              <a:off x="1095805" y="1065780"/>
+              <a:off x="2160000" y="1440000"/>
               <a:ext cx="2880000" cy="2880000"/>
             </p:xfrm>
             <a:graphic>
@@ -3810,11 +4593,11 @@
         <mc:Fallback>
           <p:pic>
             <p:nvPicPr>
-              <p:cNvPr id="44" name="Slide Zoom 43">
+              <p:cNvPr id="60" name="Slide Zoom 59">
                 <a:hlinkClick r:id="rId3" action="ppaction://hlinksldjump"/>
                 <a:extLst>
                   <a:ext uri="{FF2B5EF4-FFF2-40B4-BE49-F238E27FC236}">
-                    <a16:creationId xmlns:a16="http://schemas.microsoft.com/office/drawing/2014/main" id="{A37E2E34-6CBE-715B-8A0C-C76EA5815231}"/>
+                    <a16:creationId xmlns:a16="http://schemas.microsoft.com/office/drawing/2014/main" id="{7DC59AC1-1A53-1141-D970-4FCC64C9B6B7}"/>
                   </a:ext>
                 </a:extLst>
               </p:cNvPr>
@@ -3831,7 +4614,7 @@
             </p:blipFill>
             <p:spPr>
               <a:xfrm>
-                <a:off x="1095805" y="1065780"/>
+                <a:off x="2160000" y="1440000"/>
                 <a:ext cx="2880000" cy="2880000"/>
               </a:xfrm>
               <a:prstGeom prst="rect">
@@ -3841,14 +4624,14 @@
           </p:pic>
         </mc:Fallback>
       </mc:AlternateContent>
-      <mc:AlternateContent xmlns:mc="http://schemas.openxmlformats.org/markup-compatibility/2006" xmlns:pslz="http://schemas.microsoft.com/office/powerpoint/2016/slidezoom">
-        <mc:Choice Requires="pslz">
+      <mc:AlternateContent xmlns:mc="http://schemas.openxmlformats.org/markup-compatibility/2006">
+        <mc:Choice xmlns:pslz="http://schemas.microsoft.com/office/powerpoint/2016/slidezoom" Requires="pslz">
           <p:graphicFrame>
             <p:nvGraphicFramePr>
-              <p:cNvPr id="45" name="Slide Zoom 44">
+              <p:cNvPr id="61" name="Slide Zoom 60">
                 <a:extLst>
                   <a:ext uri="{FF2B5EF4-FFF2-40B4-BE49-F238E27FC236}">
-                    <a16:creationId xmlns:a16="http://schemas.microsoft.com/office/drawing/2014/main" id="{827B1C18-DEB8-B800-B6F1-F655E048482B}"/>
+                    <a16:creationId xmlns:a16="http://schemas.microsoft.com/office/drawing/2014/main" id="{5499AE6D-B2B6-3013-665F-62DCF977026C}"/>
                   </a:ext>
                 </a:extLst>
               </p:cNvPr>
@@ -3858,13 +4641,13 @@
               <p:nvPr>
                 <p:extLst>
                   <p:ext uri="{D42A27DB-BD31-4B8C-83A1-F6EECF244321}">
-                    <p14:modId xmlns:p14="http://schemas.microsoft.com/office/powerpoint/2010/main" val="3119505473"/>
+                    <p14:modId xmlns:p14="http://schemas.microsoft.com/office/powerpoint/2010/main" val="2754353475"/>
                   </p:ext>
                 </p:extLst>
               </p:nvPr>
             </p:nvGraphicFramePr>
             <p:xfrm>
-              <a:off x="4678349" y="1065780"/>
+              <a:off x="3960000" y="1440000"/>
               <a:ext cx="2880000" cy="2880000"/>
             </p:xfrm>
             <a:graphic>
@@ -3894,14 +4677,14 @@
             </a:graphic>
           </p:graphicFrame>
         </mc:Choice>
-        <mc:Fallback xmlns="">
+        <mc:Fallback>
           <p:pic>
             <p:nvPicPr>
-              <p:cNvPr id="45" name="Slide Zoom 44">
+              <p:cNvPr id="61" name="Slide Zoom 60">
                 <a:hlinkClick r:id="rId3" action="ppaction://hlinksldjump"/>
                 <a:extLst>
                   <a:ext uri="{FF2B5EF4-FFF2-40B4-BE49-F238E27FC236}">
-                    <a16:creationId xmlns:a16="http://schemas.microsoft.com/office/drawing/2014/main" id="{827B1C18-DEB8-B800-B6F1-F655E048482B}"/>
+                    <a16:creationId xmlns:a16="http://schemas.microsoft.com/office/drawing/2014/main" id="{5499AE6D-B2B6-3013-665F-62DCF977026C}"/>
                   </a:ext>
                 </a:extLst>
               </p:cNvPr>
@@ -3911,14 +4694,14 @@
               <p:nvPr/>
             </p:nvPicPr>
             <p:blipFill>
-              <a:blip r:embed="rId23"/>
+              <a:blip r:embed="rId22"/>
               <a:stretch>
                 <a:fillRect/>
               </a:stretch>
             </p:blipFill>
             <p:spPr>
               <a:xfrm>
-                <a:off x="4678349" y="1065780"/>
+                <a:off x="3960000" y="1440000"/>
                 <a:ext cx="2880000" cy="2880000"/>
               </a:xfrm>
               <a:prstGeom prst="rect">
@@ -3928,795 +4711,12 @@
           </p:pic>
         </mc:Fallback>
       </mc:AlternateContent>
-      <mc:AlternateContent xmlns:mc="http://schemas.openxmlformats.org/markup-compatibility/2006" xmlns:pslz="http://schemas.microsoft.com/office/powerpoint/2016/slidezoom">
-        <mc:Choice Requires="pslz">
-          <p:graphicFrame>
-            <p:nvGraphicFramePr>
-              <p:cNvPr id="46" name="Slide Zoom 45">
-                <a:extLst>
-                  <a:ext uri="{FF2B5EF4-FFF2-40B4-BE49-F238E27FC236}">
-                    <a16:creationId xmlns:a16="http://schemas.microsoft.com/office/drawing/2014/main" id="{BFE2CC74-FF4A-D229-41EF-006E57BCC1B9}"/>
-                  </a:ext>
-                </a:extLst>
-              </p:cNvPr>
-              <p:cNvGraphicFramePr>
-                <a:graphicFrameLocks noChangeAspect="1"/>
-              </p:cNvGraphicFramePr>
-              <p:nvPr>
-                <p:extLst>
-                  <p:ext uri="{D42A27DB-BD31-4B8C-83A1-F6EECF244321}">
-                    <p14:modId xmlns:p14="http://schemas.microsoft.com/office/powerpoint/2010/main" val="3469414246"/>
-                  </p:ext>
-                </p:extLst>
-              </p:nvPr>
-            </p:nvGraphicFramePr>
-            <p:xfrm>
-              <a:off x="4684613" y="4671566"/>
-              <a:ext cx="2880000" cy="2880000"/>
-            </p:xfrm>
-            <a:graphic>
-              <a:graphicData uri="http://schemas.microsoft.com/office/powerpoint/2016/slidezoom">
-                <pslz:sldZm>
-                  <pslz:sldZmObj sldId="257" cId="44207352">
-                    <pslz:zmPr id="{F065D511-42F3-7841-A7DA-E4E064121050}" returnToParent="0" transitionDur="1000" showBg="0">
-                      <p166:blipFill xmlns:p166="http://schemas.microsoft.com/office/powerpoint/2016/6/main">
-                        <a:blip r:embed="rId24"/>
-                        <a:stretch>
-                          <a:fillRect/>
-                        </a:stretch>
-                      </p166:blipFill>
-                      <p166:spPr xmlns:p166="http://schemas.microsoft.com/office/powerpoint/2016/6/main">
-                        <a:xfrm>
-                          <a:off x="0" y="0"/>
-                          <a:ext cx="2880000" cy="2880000"/>
-                        </a:xfrm>
-                        <a:prstGeom prst="rect">
-                          <a:avLst/>
-                        </a:prstGeom>
-                      </p166:spPr>
-                    </pslz:zmPr>
-                  </pslz:sldZmObj>
-                </pslz:sldZm>
-              </a:graphicData>
-            </a:graphic>
-          </p:graphicFrame>
-        </mc:Choice>
-        <mc:Fallback xmlns="">
-          <p:pic>
-            <p:nvPicPr>
-              <p:cNvPr id="46" name="Slide Zoom 45">
-                <a:hlinkClick r:id="rId3" action="ppaction://hlinksldjump"/>
-                <a:extLst>
-                  <a:ext uri="{FF2B5EF4-FFF2-40B4-BE49-F238E27FC236}">
-                    <a16:creationId xmlns:a16="http://schemas.microsoft.com/office/drawing/2014/main" id="{BFE2CC74-FF4A-D229-41EF-006E57BCC1B9}"/>
-                  </a:ext>
-                </a:extLst>
-              </p:cNvPr>
-              <p:cNvPicPr>
-                <a:picLocks noGrp="1" noRot="1" noChangeAspect="1" noMove="1" noResize="1" noEditPoints="1" noAdjustHandles="1" noChangeArrowheads="1" noChangeShapeType="1"/>
-              </p:cNvPicPr>
-              <p:nvPr/>
-            </p:nvPicPr>
-            <p:blipFill>
-              <a:blip r:embed="rId25"/>
-              <a:stretch>
-                <a:fillRect/>
-              </a:stretch>
-            </p:blipFill>
-            <p:spPr>
-              <a:xfrm>
-                <a:off x="4684613" y="4671566"/>
-                <a:ext cx="2880000" cy="2880000"/>
-              </a:xfrm>
-              <a:prstGeom prst="rect">
-                <a:avLst/>
-              </a:prstGeom>
-            </p:spPr>
-          </p:pic>
-        </mc:Fallback>
-      </mc:AlternateContent>
-      <mc:AlternateContent xmlns:mc="http://schemas.openxmlformats.org/markup-compatibility/2006" xmlns:pslz="http://schemas.microsoft.com/office/powerpoint/2016/slidezoom">
-        <mc:Choice Requires="pslz">
-          <p:graphicFrame>
-            <p:nvGraphicFramePr>
-              <p:cNvPr id="49" name="Slide Zoom 48">
-                <a:extLst>
-                  <a:ext uri="{FF2B5EF4-FFF2-40B4-BE49-F238E27FC236}">
-                    <a16:creationId xmlns:a16="http://schemas.microsoft.com/office/drawing/2014/main" id="{A2BC3C76-137F-D29F-46D5-13B7378B7BFE}"/>
-                  </a:ext>
-                </a:extLst>
-              </p:cNvPr>
-              <p:cNvGraphicFramePr>
-                <a:graphicFrameLocks noChangeAspect="1"/>
-              </p:cNvGraphicFramePr>
-              <p:nvPr>
-                <p:extLst>
-                  <p:ext uri="{D42A27DB-BD31-4B8C-83A1-F6EECF244321}">
-                    <p14:modId xmlns:p14="http://schemas.microsoft.com/office/powerpoint/2010/main" val="537770650"/>
-                  </p:ext>
-                </p:extLst>
-              </p:nvPr>
-            </p:nvGraphicFramePr>
-            <p:xfrm>
-              <a:off x="482367" y="5279293"/>
-              <a:ext cx="2880000" cy="2880000"/>
-            </p:xfrm>
-            <a:graphic>
-              <a:graphicData uri="http://schemas.microsoft.com/office/powerpoint/2016/slidezoom">
-                <pslz:sldZm>
-                  <pslz:sldZmObj sldId="257" cId="44207352">
-                    <pslz:zmPr id="{F065D511-42F3-7841-A7DA-E4E064121050}" returnToParent="0" transitionDur="1000" showBg="0">
-                      <p166:blipFill xmlns:p166="http://schemas.microsoft.com/office/powerpoint/2016/6/main">
-                        <a:blip r:embed="rId26"/>
-                        <a:stretch>
-                          <a:fillRect/>
-                        </a:stretch>
-                      </p166:blipFill>
-                      <p166:spPr xmlns:p166="http://schemas.microsoft.com/office/powerpoint/2016/6/main">
-                        <a:xfrm>
-                          <a:off x="0" y="0"/>
-                          <a:ext cx="2880000" cy="2880000"/>
-                        </a:xfrm>
-                        <a:prstGeom prst="rect">
-                          <a:avLst/>
-                        </a:prstGeom>
-                      </p166:spPr>
-                    </pslz:zmPr>
-                  </pslz:sldZmObj>
-                </pslz:sldZm>
-              </a:graphicData>
-            </a:graphic>
-          </p:graphicFrame>
-        </mc:Choice>
-        <mc:Fallback xmlns="">
-          <p:pic>
-            <p:nvPicPr>
-              <p:cNvPr id="49" name="Slide Zoom 48">
-                <a:hlinkClick r:id="rId3" action="ppaction://hlinksldjump"/>
-                <a:extLst>
-                  <a:ext uri="{FF2B5EF4-FFF2-40B4-BE49-F238E27FC236}">
-                    <a16:creationId xmlns:a16="http://schemas.microsoft.com/office/drawing/2014/main" id="{A2BC3C76-137F-D29F-46D5-13B7378B7BFE}"/>
-                  </a:ext>
-                </a:extLst>
-              </p:cNvPr>
-              <p:cNvPicPr>
-                <a:picLocks noGrp="1" noRot="1" noChangeAspect="1" noMove="1" noResize="1" noEditPoints="1" noAdjustHandles="1" noChangeArrowheads="1" noChangeShapeType="1"/>
-              </p:cNvPicPr>
-              <p:nvPr/>
-            </p:nvPicPr>
-            <p:blipFill>
-              <a:blip r:embed="rId27"/>
-              <a:stretch>
-                <a:fillRect/>
-              </a:stretch>
-            </p:blipFill>
-            <p:spPr>
-              <a:xfrm>
-                <a:off x="482367" y="5279293"/>
-                <a:ext cx="2880000" cy="2880000"/>
-              </a:xfrm>
-              <a:prstGeom prst="rect">
-                <a:avLst/>
-              </a:prstGeom>
-            </p:spPr>
-          </p:pic>
-        </mc:Fallback>
-      </mc:AlternateContent>
-      <mc:AlternateContent xmlns:mc="http://schemas.openxmlformats.org/markup-compatibility/2006">
-        <mc:Choice xmlns:pslz="http://schemas.microsoft.com/office/powerpoint/2016/slidezoom" Requires="pslz">
-          <p:graphicFrame>
-            <p:nvGraphicFramePr>
-              <p:cNvPr id="50" name="Slide Zoom 49">
-                <a:extLst>
-                  <a:ext uri="{FF2B5EF4-FFF2-40B4-BE49-F238E27FC236}">
-                    <a16:creationId xmlns:a16="http://schemas.microsoft.com/office/drawing/2014/main" id="{BCC945BC-72BB-5AAC-0856-EF970AF00262}"/>
-                  </a:ext>
-                </a:extLst>
-              </p:cNvPr>
-              <p:cNvGraphicFramePr>
-                <a:graphicFrameLocks noChangeAspect="1"/>
-              </p:cNvGraphicFramePr>
-              <p:nvPr>
-                <p:extLst>
-                  <p:ext uri="{D42A27DB-BD31-4B8C-83A1-F6EECF244321}">
-                    <p14:modId xmlns:p14="http://schemas.microsoft.com/office/powerpoint/2010/main" val="2015945749"/>
-                  </p:ext>
-                </p:extLst>
-              </p:nvPr>
-            </p:nvGraphicFramePr>
-            <p:xfrm>
-              <a:off x="476542" y="3470376"/>
-              <a:ext cx="2880000" cy="2880000"/>
-            </p:xfrm>
-            <a:graphic>
-              <a:graphicData uri="http://schemas.microsoft.com/office/powerpoint/2016/slidezoom">
-                <pslz:sldZm>
-                  <pslz:sldZmObj sldId="257" cId="44207352">
-                    <pslz:zmPr id="{F065D511-42F3-7841-A7DA-E4E064121050}" returnToParent="0" transitionDur="1000" showBg="0">
-                      <p166:blipFill xmlns:p166="http://schemas.microsoft.com/office/powerpoint/2016/6/main">
-                        <a:blip r:embed="rId28"/>
-                        <a:stretch>
-                          <a:fillRect/>
-                        </a:stretch>
-                      </p166:blipFill>
-                      <p166:spPr xmlns:p166="http://schemas.microsoft.com/office/powerpoint/2016/6/main">
-                        <a:xfrm>
-                          <a:off x="0" y="0"/>
-                          <a:ext cx="2880000" cy="2880000"/>
-                        </a:xfrm>
-                        <a:prstGeom prst="rect">
-                          <a:avLst/>
-                        </a:prstGeom>
-                      </p166:spPr>
-                    </pslz:zmPr>
-                  </pslz:sldZmObj>
-                </pslz:sldZm>
-              </a:graphicData>
-            </a:graphic>
-          </p:graphicFrame>
-        </mc:Choice>
-        <mc:Fallback>
-          <p:pic>
-            <p:nvPicPr>
-              <p:cNvPr id="50" name="Slide Zoom 49">
-                <a:hlinkClick r:id="rId3" action="ppaction://hlinksldjump"/>
-                <a:extLst>
-                  <a:ext uri="{FF2B5EF4-FFF2-40B4-BE49-F238E27FC236}">
-                    <a16:creationId xmlns:a16="http://schemas.microsoft.com/office/drawing/2014/main" id="{BCC945BC-72BB-5AAC-0856-EF970AF00262}"/>
-                  </a:ext>
-                </a:extLst>
-              </p:cNvPr>
-              <p:cNvPicPr>
-                <a:picLocks noGrp="1" noRot="1" noChangeAspect="1" noMove="1" noResize="1" noEditPoints="1" noAdjustHandles="1" noChangeArrowheads="1" noChangeShapeType="1"/>
-              </p:cNvPicPr>
-              <p:nvPr/>
-            </p:nvPicPr>
-            <p:blipFill>
-              <a:blip r:embed="rId28"/>
-              <a:stretch>
-                <a:fillRect/>
-              </a:stretch>
-            </p:blipFill>
-            <p:spPr>
-              <a:xfrm>
-                <a:off x="476542" y="3470376"/>
-                <a:ext cx="2880000" cy="2880000"/>
-              </a:xfrm>
-              <a:prstGeom prst="rect">
-                <a:avLst/>
-              </a:prstGeom>
-            </p:spPr>
-          </p:pic>
-        </mc:Fallback>
-      </mc:AlternateContent>
-      <mc:AlternateContent xmlns:mc="http://schemas.openxmlformats.org/markup-compatibility/2006">
-        <mc:Choice xmlns:pslz="http://schemas.microsoft.com/office/powerpoint/2016/slidezoom" Requires="pslz">
-          <p:graphicFrame>
-            <p:nvGraphicFramePr>
-              <p:cNvPr id="51" name="Slide Zoom 50">
-                <a:extLst>
-                  <a:ext uri="{FF2B5EF4-FFF2-40B4-BE49-F238E27FC236}">
-                    <a16:creationId xmlns:a16="http://schemas.microsoft.com/office/drawing/2014/main" id="{EE82A896-522D-6A91-D1A2-CD58FA4C974D}"/>
-                  </a:ext>
-                </a:extLst>
-              </p:cNvPr>
-              <p:cNvGraphicFramePr>
-                <a:graphicFrameLocks noChangeAspect="1"/>
-              </p:cNvGraphicFramePr>
-              <p:nvPr>
-                <p:extLst>
-                  <p:ext uri="{D42A27DB-BD31-4B8C-83A1-F6EECF244321}">
-                    <p14:modId xmlns:p14="http://schemas.microsoft.com/office/powerpoint/2010/main" val="2410887502"/>
-                  </p:ext>
-                </p:extLst>
-              </p:nvPr>
-            </p:nvGraphicFramePr>
-            <p:xfrm>
-              <a:off x="467490" y="1668215"/>
-              <a:ext cx="2880000" cy="2880000"/>
-            </p:xfrm>
-            <a:graphic>
-              <a:graphicData uri="http://schemas.microsoft.com/office/powerpoint/2016/slidezoom">
-                <pslz:sldZm>
-                  <pslz:sldZmObj sldId="257" cId="44207352">
-                    <pslz:zmPr id="{F065D511-42F3-7841-A7DA-E4E064121050}" returnToParent="0" transitionDur="1000" showBg="0">
-                      <p166:blipFill xmlns:p166="http://schemas.microsoft.com/office/powerpoint/2016/6/main">
-                        <a:blip r:embed="rId29"/>
-                        <a:stretch>
-                          <a:fillRect/>
-                        </a:stretch>
-                      </p166:blipFill>
-                      <p166:spPr xmlns:p166="http://schemas.microsoft.com/office/powerpoint/2016/6/main">
-                        <a:xfrm>
-                          <a:off x="0" y="0"/>
-                          <a:ext cx="2880000" cy="2880000"/>
-                        </a:xfrm>
-                        <a:prstGeom prst="rect">
-                          <a:avLst/>
-                        </a:prstGeom>
-                      </p166:spPr>
-                    </pslz:zmPr>
-                  </pslz:sldZmObj>
-                </pslz:sldZm>
-              </a:graphicData>
-            </a:graphic>
-          </p:graphicFrame>
-        </mc:Choice>
-        <mc:Fallback>
-          <p:pic>
-            <p:nvPicPr>
-              <p:cNvPr id="51" name="Slide Zoom 50">
-                <a:hlinkClick r:id="rId3" action="ppaction://hlinksldjump"/>
-                <a:extLst>
-                  <a:ext uri="{FF2B5EF4-FFF2-40B4-BE49-F238E27FC236}">
-                    <a16:creationId xmlns:a16="http://schemas.microsoft.com/office/drawing/2014/main" id="{EE82A896-522D-6A91-D1A2-CD58FA4C974D}"/>
-                  </a:ext>
-                </a:extLst>
-              </p:cNvPr>
-              <p:cNvPicPr>
-                <a:picLocks noGrp="1" noRot="1" noChangeAspect="1" noMove="1" noResize="1" noEditPoints="1" noAdjustHandles="1" noChangeArrowheads="1" noChangeShapeType="1"/>
-              </p:cNvPicPr>
-              <p:nvPr/>
-            </p:nvPicPr>
-            <p:blipFill>
-              <a:blip r:embed="rId29"/>
-              <a:stretch>
-                <a:fillRect/>
-              </a:stretch>
-            </p:blipFill>
-            <p:spPr>
-              <a:xfrm>
-                <a:off x="467490" y="1668215"/>
-                <a:ext cx="2880000" cy="2880000"/>
-              </a:xfrm>
-              <a:prstGeom prst="rect">
-                <a:avLst/>
-              </a:prstGeom>
-            </p:spPr>
-          </p:pic>
-        </mc:Fallback>
-      </mc:AlternateContent>
-      <mc:AlternateContent xmlns:mc="http://schemas.openxmlformats.org/markup-compatibility/2006">
-        <mc:Choice xmlns:pslz="http://schemas.microsoft.com/office/powerpoint/2016/slidezoom" Requires="pslz">
-          <p:graphicFrame>
-            <p:nvGraphicFramePr>
-              <p:cNvPr id="54" name="Slide Zoom 53">
-                <a:extLst>
-                  <a:ext uri="{FF2B5EF4-FFF2-40B4-BE49-F238E27FC236}">
-                    <a16:creationId xmlns:a16="http://schemas.microsoft.com/office/drawing/2014/main" id="{EA7E4CEE-8A14-B9D1-B29B-D1DD11EE8154}"/>
-                  </a:ext>
-                </a:extLst>
-              </p:cNvPr>
-              <p:cNvGraphicFramePr>
-                <a:graphicFrameLocks noChangeAspect="1"/>
-              </p:cNvGraphicFramePr>
-              <p:nvPr>
-                <p:extLst>
-                  <p:ext uri="{D42A27DB-BD31-4B8C-83A1-F6EECF244321}">
-                    <p14:modId xmlns:p14="http://schemas.microsoft.com/office/powerpoint/2010/main" val="3018890725"/>
-                  </p:ext>
-                </p:extLst>
-              </p:nvPr>
-            </p:nvGraphicFramePr>
-            <p:xfrm>
-              <a:off x="2278828" y="5272571"/>
-              <a:ext cx="2880000" cy="2880000"/>
-            </p:xfrm>
-            <a:graphic>
-              <a:graphicData uri="http://schemas.microsoft.com/office/powerpoint/2016/slidezoom">
-                <pslz:sldZm>
-                  <pslz:sldZmObj sldId="257" cId="44207352">
-                    <pslz:zmPr id="{F065D511-42F3-7841-A7DA-E4E064121050}" returnToParent="0" transitionDur="1000" showBg="0">
-                      <p166:blipFill xmlns:p166="http://schemas.microsoft.com/office/powerpoint/2016/6/main">
-                        <a:blip r:embed="rId30"/>
-                        <a:stretch>
-                          <a:fillRect/>
-                        </a:stretch>
-                      </p166:blipFill>
-                      <p166:spPr xmlns:p166="http://schemas.microsoft.com/office/powerpoint/2016/6/main">
-                        <a:xfrm>
-                          <a:off x="0" y="0"/>
-                          <a:ext cx="2880000" cy="2880000"/>
-                        </a:xfrm>
-                        <a:prstGeom prst="rect">
-                          <a:avLst/>
-                        </a:prstGeom>
-                      </p166:spPr>
-                    </pslz:zmPr>
-                  </pslz:sldZmObj>
-                </pslz:sldZm>
-              </a:graphicData>
-            </a:graphic>
-          </p:graphicFrame>
-        </mc:Choice>
-        <mc:Fallback>
-          <p:pic>
-            <p:nvPicPr>
-              <p:cNvPr id="54" name="Slide Zoom 53">
-                <a:hlinkClick r:id="rId3" action="ppaction://hlinksldjump"/>
-                <a:extLst>
-                  <a:ext uri="{FF2B5EF4-FFF2-40B4-BE49-F238E27FC236}">
-                    <a16:creationId xmlns:a16="http://schemas.microsoft.com/office/drawing/2014/main" id="{EA7E4CEE-8A14-B9D1-B29B-D1DD11EE8154}"/>
-                  </a:ext>
-                </a:extLst>
-              </p:cNvPr>
-              <p:cNvPicPr>
-                <a:picLocks noGrp="1" noRot="1" noChangeAspect="1" noMove="1" noResize="1" noEditPoints="1" noAdjustHandles="1" noChangeArrowheads="1" noChangeShapeType="1"/>
-              </p:cNvPicPr>
-              <p:nvPr/>
-            </p:nvPicPr>
-            <p:blipFill>
-              <a:blip r:embed="rId30"/>
-              <a:stretch>
-                <a:fillRect/>
-              </a:stretch>
-            </p:blipFill>
-            <p:spPr>
-              <a:xfrm>
-                <a:off x="2278828" y="5272571"/>
-                <a:ext cx="2880000" cy="2880000"/>
-              </a:xfrm>
-              <a:prstGeom prst="rect">
-                <a:avLst/>
-              </a:prstGeom>
-            </p:spPr>
-          </p:pic>
-        </mc:Fallback>
-      </mc:AlternateContent>
-      <mc:AlternateContent xmlns:mc="http://schemas.openxmlformats.org/markup-compatibility/2006">
-        <mc:Choice xmlns:pslz="http://schemas.microsoft.com/office/powerpoint/2016/slidezoom" Requires="pslz">
-          <p:graphicFrame>
-            <p:nvGraphicFramePr>
-              <p:cNvPr id="55" name="Slide Zoom 54">
-                <a:extLst>
-                  <a:ext uri="{FF2B5EF4-FFF2-40B4-BE49-F238E27FC236}">
-                    <a16:creationId xmlns:a16="http://schemas.microsoft.com/office/drawing/2014/main" id="{BE0D3245-10DD-1385-7C8D-29A41ECD68F3}"/>
-                  </a:ext>
-                </a:extLst>
-              </p:cNvPr>
-              <p:cNvGraphicFramePr>
-                <a:graphicFrameLocks noChangeAspect="1"/>
-              </p:cNvGraphicFramePr>
-              <p:nvPr>
-                <p:extLst>
-                  <p:ext uri="{D42A27DB-BD31-4B8C-83A1-F6EECF244321}">
-                    <p14:modId xmlns:p14="http://schemas.microsoft.com/office/powerpoint/2010/main" val="3886924689"/>
-                  </p:ext>
-                </p:extLst>
-              </p:nvPr>
-            </p:nvGraphicFramePr>
-            <p:xfrm>
-              <a:off x="2281461" y="1674337"/>
-              <a:ext cx="2880000" cy="2880000"/>
-            </p:xfrm>
-            <a:graphic>
-              <a:graphicData uri="http://schemas.microsoft.com/office/powerpoint/2016/slidezoom">
-                <pslz:sldZm>
-                  <pslz:sldZmObj sldId="257" cId="44207352">
-                    <pslz:zmPr id="{F065D511-42F3-7841-A7DA-E4E064121050}" returnToParent="0" transitionDur="1000" showBg="0">
-                      <p166:blipFill xmlns:p166="http://schemas.microsoft.com/office/powerpoint/2016/6/main">
-                        <a:blip r:embed="rId31"/>
-                        <a:stretch>
-                          <a:fillRect/>
-                        </a:stretch>
-                      </p166:blipFill>
-                      <p166:spPr xmlns:p166="http://schemas.microsoft.com/office/powerpoint/2016/6/main">
-                        <a:xfrm>
-                          <a:off x="0" y="0"/>
-                          <a:ext cx="2880000" cy="2880000"/>
-                        </a:xfrm>
-                        <a:prstGeom prst="rect">
-                          <a:avLst/>
-                        </a:prstGeom>
-                      </p166:spPr>
-                    </pslz:zmPr>
-                  </pslz:sldZmObj>
-                </pslz:sldZm>
-              </a:graphicData>
-            </a:graphic>
-          </p:graphicFrame>
-        </mc:Choice>
-        <mc:Fallback>
-          <p:pic>
-            <p:nvPicPr>
-              <p:cNvPr id="55" name="Slide Zoom 54">
-                <a:hlinkClick r:id="rId3" action="ppaction://hlinksldjump"/>
-                <a:extLst>
-                  <a:ext uri="{FF2B5EF4-FFF2-40B4-BE49-F238E27FC236}">
-                    <a16:creationId xmlns:a16="http://schemas.microsoft.com/office/drawing/2014/main" id="{BE0D3245-10DD-1385-7C8D-29A41ECD68F3}"/>
-                  </a:ext>
-                </a:extLst>
-              </p:cNvPr>
-              <p:cNvPicPr>
-                <a:picLocks noGrp="1" noRot="1" noChangeAspect="1" noMove="1" noResize="1" noEditPoints="1" noAdjustHandles="1" noChangeArrowheads="1" noChangeShapeType="1"/>
-              </p:cNvPicPr>
-              <p:nvPr/>
-            </p:nvPicPr>
-            <p:blipFill>
-              <a:blip r:embed="rId31"/>
-              <a:stretch>
-                <a:fillRect/>
-              </a:stretch>
-            </p:blipFill>
-            <p:spPr>
-              <a:xfrm>
-                <a:off x="2281461" y="1674337"/>
-                <a:ext cx="2880000" cy="2880000"/>
-              </a:xfrm>
-              <a:prstGeom prst="rect">
-                <a:avLst/>
-              </a:prstGeom>
-            </p:spPr>
-          </p:pic>
-        </mc:Fallback>
-      </mc:AlternateContent>
-      <mc:AlternateContent xmlns:mc="http://schemas.openxmlformats.org/markup-compatibility/2006" xmlns:pslz="http://schemas.microsoft.com/office/powerpoint/2016/slidezoom">
-        <mc:Choice Requires="pslz">
-          <p:graphicFrame>
-            <p:nvGraphicFramePr>
-              <p:cNvPr id="56" name="Slide Zoom 55">
-                <a:extLst>
-                  <a:ext uri="{FF2B5EF4-FFF2-40B4-BE49-F238E27FC236}">
-                    <a16:creationId xmlns:a16="http://schemas.microsoft.com/office/drawing/2014/main" id="{F194854A-1FE9-A4AF-A4A9-F85F926F8544}"/>
-                  </a:ext>
-                </a:extLst>
-              </p:cNvPr>
-              <p:cNvGraphicFramePr>
-                <a:graphicFrameLocks noChangeAspect="1"/>
-              </p:cNvGraphicFramePr>
-              <p:nvPr>
-                <p:extLst>
-                  <p:ext uri="{D42A27DB-BD31-4B8C-83A1-F6EECF244321}">
-                    <p14:modId xmlns:p14="http://schemas.microsoft.com/office/powerpoint/2010/main" val="1849346230"/>
-                  </p:ext>
-                </p:extLst>
-              </p:nvPr>
-            </p:nvGraphicFramePr>
-            <p:xfrm>
-              <a:off x="4089899" y="5279293"/>
-              <a:ext cx="2880000" cy="2880000"/>
-            </p:xfrm>
-            <a:graphic>
-              <a:graphicData uri="http://schemas.microsoft.com/office/powerpoint/2016/slidezoom">
-                <pslz:sldZm>
-                  <pslz:sldZmObj sldId="257" cId="44207352">
-                    <pslz:zmPr id="{F065D511-42F3-7841-A7DA-E4E064121050}" returnToParent="0" transitionDur="1000" showBg="0">
-                      <p166:blipFill xmlns:p166="http://schemas.microsoft.com/office/powerpoint/2016/6/main">
-                        <a:blip r:embed="rId32"/>
-                        <a:stretch>
-                          <a:fillRect/>
-                        </a:stretch>
-                      </p166:blipFill>
-                      <p166:spPr xmlns:p166="http://schemas.microsoft.com/office/powerpoint/2016/6/main">
-                        <a:xfrm>
-                          <a:off x="0" y="0"/>
-                          <a:ext cx="2880000" cy="2880000"/>
-                        </a:xfrm>
-                        <a:prstGeom prst="rect">
-                          <a:avLst/>
-                        </a:prstGeom>
-                      </p166:spPr>
-                    </pslz:zmPr>
-                  </pslz:sldZmObj>
-                </pslz:sldZm>
-              </a:graphicData>
-            </a:graphic>
-          </p:graphicFrame>
-        </mc:Choice>
-        <mc:Fallback xmlns="">
-          <p:pic>
-            <p:nvPicPr>
-              <p:cNvPr id="56" name="Slide Zoom 55">
-                <a:hlinkClick r:id="rId3" action="ppaction://hlinksldjump"/>
-                <a:extLst>
-                  <a:ext uri="{FF2B5EF4-FFF2-40B4-BE49-F238E27FC236}">
-                    <a16:creationId xmlns:a16="http://schemas.microsoft.com/office/drawing/2014/main" id="{F194854A-1FE9-A4AF-A4A9-F85F926F8544}"/>
-                  </a:ext>
-                </a:extLst>
-              </p:cNvPr>
-              <p:cNvPicPr>
-                <a:picLocks noGrp="1" noRot="1" noChangeAspect="1" noMove="1" noResize="1" noEditPoints="1" noAdjustHandles="1" noChangeArrowheads="1" noChangeShapeType="1"/>
-              </p:cNvPicPr>
-              <p:nvPr/>
-            </p:nvPicPr>
-            <p:blipFill>
-              <a:blip r:embed="rId33"/>
-              <a:stretch>
-                <a:fillRect/>
-              </a:stretch>
-            </p:blipFill>
-            <p:spPr>
-              <a:xfrm>
-                <a:off x="4089899" y="5279293"/>
-                <a:ext cx="2880000" cy="2880000"/>
-              </a:xfrm>
-              <a:prstGeom prst="rect">
-                <a:avLst/>
-              </a:prstGeom>
-            </p:spPr>
-          </p:pic>
-        </mc:Fallback>
-      </mc:AlternateContent>
-      <mc:AlternateContent xmlns:mc="http://schemas.openxmlformats.org/markup-compatibility/2006" xmlns:pslz="http://schemas.microsoft.com/office/powerpoint/2016/slidezoom">
-        <mc:Choice Requires="pslz">
-          <p:graphicFrame>
-            <p:nvGraphicFramePr>
-              <p:cNvPr id="57" name="Slide Zoom 56">
-                <a:extLst>
-                  <a:ext uri="{FF2B5EF4-FFF2-40B4-BE49-F238E27FC236}">
-                    <a16:creationId xmlns:a16="http://schemas.microsoft.com/office/drawing/2014/main" id="{D2E80EF9-0E41-A659-9DC0-70000798A452}"/>
-                  </a:ext>
-                </a:extLst>
-              </p:cNvPr>
-              <p:cNvGraphicFramePr>
-                <a:graphicFrameLocks noChangeAspect="1"/>
-              </p:cNvGraphicFramePr>
-              <p:nvPr>
-                <p:extLst>
-                  <p:ext uri="{D42A27DB-BD31-4B8C-83A1-F6EECF244321}">
-                    <p14:modId xmlns:p14="http://schemas.microsoft.com/office/powerpoint/2010/main" val="983024325"/>
-                  </p:ext>
-                </p:extLst>
-              </p:nvPr>
-            </p:nvGraphicFramePr>
-            <p:xfrm>
-              <a:off x="4082692" y="3474996"/>
-              <a:ext cx="2880000" cy="2880000"/>
-            </p:xfrm>
-            <a:graphic>
-              <a:graphicData uri="http://schemas.microsoft.com/office/powerpoint/2016/slidezoom">
-                <pslz:sldZm>
-                  <pslz:sldZmObj sldId="257" cId="44207352">
-                    <pslz:zmPr id="{F065D511-42F3-7841-A7DA-E4E064121050}" returnToParent="0" transitionDur="1000" showBg="0">
-                      <p166:blipFill xmlns:p166="http://schemas.microsoft.com/office/powerpoint/2016/6/main">
-                        <a:blip r:embed="rId34"/>
-                        <a:stretch>
-                          <a:fillRect/>
-                        </a:stretch>
-                      </p166:blipFill>
-                      <p166:spPr xmlns:p166="http://schemas.microsoft.com/office/powerpoint/2016/6/main">
-                        <a:xfrm>
-                          <a:off x="0" y="0"/>
-                          <a:ext cx="2880000" cy="2880000"/>
-                        </a:xfrm>
-                        <a:prstGeom prst="rect">
-                          <a:avLst/>
-                        </a:prstGeom>
-                      </p166:spPr>
-                    </pslz:zmPr>
-                  </pslz:sldZmObj>
-                </pslz:sldZm>
-              </a:graphicData>
-            </a:graphic>
-          </p:graphicFrame>
-        </mc:Choice>
-        <mc:Fallback xmlns="">
-          <p:pic>
-            <p:nvPicPr>
-              <p:cNvPr id="57" name="Slide Zoom 56">
-                <a:hlinkClick r:id="rId3" action="ppaction://hlinksldjump"/>
-                <a:extLst>
-                  <a:ext uri="{FF2B5EF4-FFF2-40B4-BE49-F238E27FC236}">
-                    <a16:creationId xmlns:a16="http://schemas.microsoft.com/office/drawing/2014/main" id="{D2E80EF9-0E41-A659-9DC0-70000798A452}"/>
-                  </a:ext>
-                </a:extLst>
-              </p:cNvPr>
-              <p:cNvPicPr>
-                <a:picLocks noGrp="1" noRot="1" noChangeAspect="1" noMove="1" noResize="1" noEditPoints="1" noAdjustHandles="1" noChangeArrowheads="1" noChangeShapeType="1"/>
-              </p:cNvPicPr>
-              <p:nvPr/>
-            </p:nvPicPr>
-            <p:blipFill>
-              <a:blip r:embed="rId35"/>
-              <a:stretch>
-                <a:fillRect/>
-              </a:stretch>
-            </p:blipFill>
-            <p:spPr>
-              <a:xfrm>
-                <a:off x="4082692" y="3474996"/>
-                <a:ext cx="2880000" cy="2880000"/>
-              </a:xfrm>
-              <a:prstGeom prst="rect">
-                <a:avLst/>
-              </a:prstGeom>
-            </p:spPr>
-          </p:pic>
-        </mc:Fallback>
-      </mc:AlternateContent>
-      <mc:AlternateContent xmlns:mc="http://schemas.openxmlformats.org/markup-compatibility/2006">
-        <mc:Choice xmlns:pslz="http://schemas.microsoft.com/office/powerpoint/2016/slidezoom" Requires="pslz">
-          <p:graphicFrame>
-            <p:nvGraphicFramePr>
-              <p:cNvPr id="58" name="Slide Zoom 57">
-                <a:extLst>
-                  <a:ext uri="{FF2B5EF4-FFF2-40B4-BE49-F238E27FC236}">
-                    <a16:creationId xmlns:a16="http://schemas.microsoft.com/office/drawing/2014/main" id="{5664FB15-F501-EB1F-8B35-357D91EFE1EC}"/>
-                  </a:ext>
-                </a:extLst>
-              </p:cNvPr>
-              <p:cNvGraphicFramePr>
-                <a:graphicFrameLocks noChangeAspect="1"/>
-              </p:cNvGraphicFramePr>
-              <p:nvPr>
-                <p:extLst>
-                  <p:ext uri="{D42A27DB-BD31-4B8C-83A1-F6EECF244321}">
-                    <p14:modId xmlns:p14="http://schemas.microsoft.com/office/powerpoint/2010/main" val="3411847086"/>
-                  </p:ext>
-                </p:extLst>
-              </p:nvPr>
-            </p:nvGraphicFramePr>
-            <p:xfrm>
-              <a:off x="4089621" y="1663450"/>
-              <a:ext cx="2880000" cy="2880000"/>
-            </p:xfrm>
-            <a:graphic>
-              <a:graphicData uri="http://schemas.microsoft.com/office/powerpoint/2016/slidezoom">
-                <pslz:sldZm>
-                  <pslz:sldZmObj sldId="257" cId="44207352">
-                    <pslz:zmPr id="{F065D511-42F3-7841-A7DA-E4E064121050}" returnToParent="0" transitionDur="1000" showBg="0">
-                      <p166:blipFill xmlns:p166="http://schemas.microsoft.com/office/powerpoint/2016/6/main">
-                        <a:blip r:embed="rId36"/>
-                        <a:stretch>
-                          <a:fillRect/>
-                        </a:stretch>
-                      </p166:blipFill>
-                      <p166:spPr xmlns:p166="http://schemas.microsoft.com/office/powerpoint/2016/6/main">
-                        <a:xfrm>
-                          <a:off x="0" y="0"/>
-                          <a:ext cx="2880000" cy="2880000"/>
-                        </a:xfrm>
-                        <a:prstGeom prst="rect">
-                          <a:avLst/>
-                        </a:prstGeom>
-                      </p166:spPr>
-                    </pslz:zmPr>
-                  </pslz:sldZmObj>
-                </pslz:sldZm>
-              </a:graphicData>
-            </a:graphic>
-          </p:graphicFrame>
-        </mc:Choice>
-        <mc:Fallback>
-          <p:pic>
-            <p:nvPicPr>
-              <p:cNvPr id="58" name="Slide Zoom 57">
-                <a:hlinkClick r:id="rId3" action="ppaction://hlinksldjump"/>
-                <a:extLst>
-                  <a:ext uri="{FF2B5EF4-FFF2-40B4-BE49-F238E27FC236}">
-                    <a16:creationId xmlns:a16="http://schemas.microsoft.com/office/drawing/2014/main" id="{5664FB15-F501-EB1F-8B35-357D91EFE1EC}"/>
-                  </a:ext>
-                </a:extLst>
-              </p:cNvPr>
-              <p:cNvPicPr>
-                <a:picLocks noGrp="1" noRot="1" noChangeAspect="1" noMove="1" noResize="1" noEditPoints="1" noAdjustHandles="1" noChangeArrowheads="1" noChangeShapeType="1"/>
-              </p:cNvPicPr>
-              <p:nvPr/>
-            </p:nvPicPr>
-            <p:blipFill>
-              <a:blip r:embed="rId36"/>
-              <a:stretch>
-                <a:fillRect/>
-              </a:stretch>
-            </p:blipFill>
-            <p:spPr>
-              <a:xfrm>
-                <a:off x="4089621" y="1663450"/>
-                <a:ext cx="2880000" cy="2880000"/>
-              </a:xfrm>
-              <a:prstGeom prst="rect">
-                <a:avLst/>
-              </a:prstGeom>
-            </p:spPr>
-          </p:pic>
-        </mc:Fallback>
-      </mc:AlternateContent>
-      <p:sp>
-        <p:nvSpPr>
-          <p:cNvPr id="53" name="Rectangle 52">
+      <p:sp>
+        <p:nvSpPr>
+          <p:cNvPr id="28" name="Parallelogram 27">
             <a:extLst>
               <a:ext uri="{FF2B5EF4-FFF2-40B4-BE49-F238E27FC236}">
-                <a16:creationId xmlns:a16="http://schemas.microsoft.com/office/drawing/2014/main" id="{C1579760-4806-0FF1-F71A-D9AF48C6C410}"/>
+                <a16:creationId xmlns:a16="http://schemas.microsoft.com/office/drawing/2014/main" id="{5DCEB6A7-F77F-BDAE-4A9D-4204AF81705C}"/>
               </a:ext>
             </a:extLst>
           </p:cNvPr>
@@ -4725,21 +4725,24 @@
         </p:nvSpPr>
         <p:spPr>
           <a:xfrm>
-            <a:off x="727149" y="2504306"/>
-            <a:ext cx="5392800" cy="5405402"/>
+            <a:off x="540000" y="1080000"/>
+            <a:ext cx="7560000" cy="1080000"/>
           </a:xfrm>
-          <a:prstGeom prst="rect">
-            <a:avLst/>
+          <a:prstGeom prst="parallelogram">
+            <a:avLst>
+              <a:gd name="adj" fmla="val 199954"/>
+            </a:avLst>
           </a:prstGeom>
           <a:solidFill>
             <a:schemeClr val="bg1">
-              <a:lumMod val="75000"/>
-              <a:alpha val="5000"/>
+              <a:alpha val="10000"/>
             </a:schemeClr>
           </a:solidFill>
-          <a:ln w="12700">
+          <a:ln w="3175">
             <a:solidFill>
-              <a:schemeClr val="tx1"/>
+              <a:schemeClr val="tx1">
+                <a:alpha val="25000"/>
+              </a:schemeClr>
             </a:solidFill>
           </a:ln>
         </p:spPr>
@@ -4770,10 +4773,10 @@
       </p:sp>
       <p:sp>
         <p:nvSpPr>
-          <p:cNvPr id="47" name="Parallelogram 46">
+          <p:cNvPr id="29" name="Parallelogram 28">
             <a:extLst>
               <a:ext uri="{FF2B5EF4-FFF2-40B4-BE49-F238E27FC236}">
-                <a16:creationId xmlns:a16="http://schemas.microsoft.com/office/drawing/2014/main" id="{AB4F23EE-BA21-B630-4632-17113FE3A389}"/>
+                <a16:creationId xmlns:a16="http://schemas.microsoft.com/office/drawing/2014/main" id="{4D93AFA1-0F30-363F-2D2B-A55D783F512A}"/>
               </a:ext>
             </a:extLst>
           </p:cNvPr>
@@ -4781,23 +4784,27 @@
           <p:nvPr/>
         </p:nvSpPr>
         <p:spPr>
-          <a:xfrm>
-            <a:off x="720000" y="720000"/>
-            <a:ext cx="7200000" cy="1785780"/>
+          <a:xfrm rot="16200000" flipH="1">
+            <a:off x="3780000" y="3240000"/>
+            <a:ext cx="6480000" cy="2160000"/>
           </a:xfrm>
           <a:prstGeom prst="parallelogram">
             <a:avLst>
-              <a:gd name="adj" fmla="val 100588"/>
+              <a:gd name="adj" fmla="val 49925"/>
             </a:avLst>
           </a:prstGeom>
           <a:solidFill>
-            <a:schemeClr val="bg1">
-              <a:alpha val="5000"/>
+            <a:schemeClr val="tx1">
+              <a:lumMod val="75000"/>
+              <a:lumOff val="25000"/>
+              <a:alpha val="10000"/>
             </a:schemeClr>
           </a:solidFill>
-          <a:ln w="12700">
+          <a:ln w="3175">
             <a:solidFill>
-              <a:schemeClr val="tx1"/>
+              <a:schemeClr val="tx1">
+                <a:alpha val="50000"/>
+              </a:schemeClr>
             </a:solidFill>
           </a:ln>
         </p:spPr>
@@ -4828,10 +4835,10 @@
       </p:sp>
       <p:sp>
         <p:nvSpPr>
-          <p:cNvPr id="48" name="Parallelogram 47">
+          <p:cNvPr id="62" name="Rectangle 61">
             <a:extLst>
               <a:ext uri="{FF2B5EF4-FFF2-40B4-BE49-F238E27FC236}">
-                <a16:creationId xmlns:a16="http://schemas.microsoft.com/office/drawing/2014/main" id="{BEBB99CF-5B06-7766-15F8-A9EAA99572BD}"/>
+                <a16:creationId xmlns:a16="http://schemas.microsoft.com/office/drawing/2014/main" id="{C102A793-7145-38CA-15D8-2C1B8B4945C4}"/>
               </a:ext>
             </a:extLst>
           </p:cNvPr>
@@ -4839,25 +4846,24 @@
           <p:nvPr/>
         </p:nvSpPr>
         <p:spPr>
-          <a:xfrm rot="16200000" flipH="1">
-            <a:off x="3413443" y="3424328"/>
-            <a:ext cx="7200000" cy="1791343"/>
+          <a:xfrm>
+            <a:off x="540000" y="2160000"/>
+            <a:ext cx="5400000" cy="5400000"/>
           </a:xfrm>
-          <a:prstGeom prst="parallelogram">
-            <a:avLst>
-              <a:gd name="adj" fmla="val 100588"/>
-            </a:avLst>
+          <a:prstGeom prst="rect">
+            <a:avLst/>
           </a:prstGeom>
           <a:solidFill>
-            <a:schemeClr val="tx1">
-              <a:lumMod val="65000"/>
-              <a:lumOff val="35000"/>
-              <a:alpha val="5000"/>
+            <a:schemeClr val="bg1">
+              <a:lumMod val="75000"/>
+              <a:alpha val="7843"/>
             </a:schemeClr>
           </a:solidFill>
-          <a:ln w="12700">
+          <a:ln w="3175">
             <a:solidFill>
-              <a:schemeClr val="tx1"/>
+              <a:schemeClr val="tx1">
+                <a:alpha val="25000"/>
+              </a:schemeClr>
             </a:solidFill>
           </a:ln>
         </p:spPr>

--- a/docs/assets/fractals/3d/menger-grey.pptx
+++ b/docs/assets/fractals/3d/menger-grey.pptx
@@ -243,7 +243,7 @@
           <a:p>
             <a:fld id="{42147EE6-B061-CA4C-8D4E-EDA22BD3332D}" type="datetimeFigureOut">
               <a:rPr lang="en-GB" smtClean="0"/>
-              <a:t>31/08/2024</a:t>
+              <a:t>17/11/2024</a:t>
             </a:fld>
             <a:endParaRPr lang="en-GB"/>
           </a:p>
@@ -413,7 +413,7 @@
           <a:p>
             <a:fld id="{42147EE6-B061-CA4C-8D4E-EDA22BD3332D}" type="datetimeFigureOut">
               <a:rPr lang="en-GB" smtClean="0"/>
-              <a:t>31/08/2024</a:t>
+              <a:t>17/11/2024</a:t>
             </a:fld>
             <a:endParaRPr lang="en-GB"/>
           </a:p>
@@ -593,7 +593,7 @@
           <a:p>
             <a:fld id="{42147EE6-B061-CA4C-8D4E-EDA22BD3332D}" type="datetimeFigureOut">
               <a:rPr lang="en-GB" smtClean="0"/>
-              <a:t>31/08/2024</a:t>
+              <a:t>17/11/2024</a:t>
             </a:fld>
             <a:endParaRPr lang="en-GB"/>
           </a:p>
@@ -763,7 +763,7 @@
           <a:p>
             <a:fld id="{42147EE6-B061-CA4C-8D4E-EDA22BD3332D}" type="datetimeFigureOut">
               <a:rPr lang="en-GB" smtClean="0"/>
-              <a:t>31/08/2024</a:t>
+              <a:t>17/11/2024</a:t>
             </a:fld>
             <a:endParaRPr lang="en-GB"/>
           </a:p>
@@ -1007,7 +1007,7 @@
           <a:p>
             <a:fld id="{42147EE6-B061-CA4C-8D4E-EDA22BD3332D}" type="datetimeFigureOut">
               <a:rPr lang="en-GB" smtClean="0"/>
-              <a:t>31/08/2024</a:t>
+              <a:t>17/11/2024</a:t>
             </a:fld>
             <a:endParaRPr lang="en-GB"/>
           </a:p>
@@ -1239,7 +1239,7 @@
           <a:p>
             <a:fld id="{42147EE6-B061-CA4C-8D4E-EDA22BD3332D}" type="datetimeFigureOut">
               <a:rPr lang="en-GB" smtClean="0"/>
-              <a:t>31/08/2024</a:t>
+              <a:t>17/11/2024</a:t>
             </a:fld>
             <a:endParaRPr lang="en-GB"/>
           </a:p>
@@ -1606,7 +1606,7 @@
           <a:p>
             <a:fld id="{42147EE6-B061-CA4C-8D4E-EDA22BD3332D}" type="datetimeFigureOut">
               <a:rPr lang="en-GB" smtClean="0"/>
-              <a:t>31/08/2024</a:t>
+              <a:t>17/11/2024</a:t>
             </a:fld>
             <a:endParaRPr lang="en-GB"/>
           </a:p>
@@ -1724,7 +1724,7 @@
           <a:p>
             <a:fld id="{42147EE6-B061-CA4C-8D4E-EDA22BD3332D}" type="datetimeFigureOut">
               <a:rPr lang="en-GB" smtClean="0"/>
-              <a:t>31/08/2024</a:t>
+              <a:t>17/11/2024</a:t>
             </a:fld>
             <a:endParaRPr lang="en-GB"/>
           </a:p>
@@ -1819,7 +1819,7 @@
           <a:p>
             <a:fld id="{42147EE6-B061-CA4C-8D4E-EDA22BD3332D}" type="datetimeFigureOut">
               <a:rPr lang="en-GB" smtClean="0"/>
-              <a:t>31/08/2024</a:t>
+              <a:t>17/11/2024</a:t>
             </a:fld>
             <a:endParaRPr lang="en-GB"/>
           </a:p>
@@ -2096,7 +2096,7 @@
           <a:p>
             <a:fld id="{42147EE6-B061-CA4C-8D4E-EDA22BD3332D}" type="datetimeFigureOut">
               <a:rPr lang="en-GB" smtClean="0"/>
-              <a:t>31/08/2024</a:t>
+              <a:t>17/11/2024</a:t>
             </a:fld>
             <a:endParaRPr lang="en-GB"/>
           </a:p>
@@ -2353,7 +2353,7 @@
           <a:p>
             <a:fld id="{42147EE6-B061-CA4C-8D4E-EDA22BD3332D}" type="datetimeFigureOut">
               <a:rPr lang="en-GB" smtClean="0"/>
-              <a:t>31/08/2024</a:t>
+              <a:t>17/11/2024</a:t>
             </a:fld>
             <a:endParaRPr lang="en-GB"/>
           </a:p>
@@ -2566,7 +2566,7 @@
           <a:p>
             <a:fld id="{42147EE6-B061-CA4C-8D4E-EDA22BD3332D}" type="datetimeFigureOut">
               <a:rPr lang="en-GB" smtClean="0"/>
-              <a:t>31/08/2024</a:t>
+              <a:t>17/11/2024</a:t>
             </a:fld>
             <a:endParaRPr lang="en-GB"/>
           </a:p>
@@ -2971,8 +2971,8 @@
           <a:chExt cx="0" cy="0"/>
         </a:xfrm>
       </p:grpSpPr>
-      <mc:AlternateContent xmlns:mc="http://schemas.openxmlformats.org/markup-compatibility/2006">
-        <mc:Choice xmlns:pslz="http://schemas.microsoft.com/office/powerpoint/2016/slidezoom" Requires="pslz">
+      <mc:AlternateContent xmlns:mc="http://schemas.openxmlformats.org/markup-compatibility/2006" xmlns:pslz="http://schemas.microsoft.com/office/powerpoint/2016/slidezoom">
+        <mc:Choice Requires="pslz">
           <p:graphicFrame>
             <p:nvGraphicFramePr>
               <p:cNvPr id="21" name="Slide Zoom 20">
@@ -2988,13 +2988,13 @@
               <p:nvPr>
                 <p:extLst>
                   <p:ext uri="{D42A27DB-BD31-4B8C-83A1-F6EECF244321}">
-                    <p14:modId xmlns:p14="http://schemas.microsoft.com/office/powerpoint/2010/main" val="2202834076"/>
+                    <p14:modId xmlns:p14="http://schemas.microsoft.com/office/powerpoint/2010/main" val="3142330251"/>
                   </p:ext>
                 </p:extLst>
               </p:nvPr>
             </p:nvGraphicFramePr>
             <p:xfrm>
-              <a:off x="1800000" y="4320000"/>
+              <a:off x="1620000" y="4320000"/>
               <a:ext cx="2880000" cy="2880000"/>
             </p:xfrm>
             <a:graphic>
@@ -3024,7 +3024,7 @@
             </a:graphic>
           </p:graphicFrame>
         </mc:Choice>
-        <mc:Fallback>
+        <mc:Fallback xmlns="">
           <p:pic>
             <p:nvPicPr>
               <p:cNvPr id="21" name="Slide Zoom 20">
@@ -3041,14 +3041,14 @@
               <p:nvPr/>
             </p:nvPicPr>
             <p:blipFill>
-              <a:blip r:embed="rId2"/>
+              <a:blip r:embed="rId4"/>
               <a:stretch>
                 <a:fillRect/>
               </a:stretch>
             </p:blipFill>
             <p:spPr>
               <a:xfrm>
-                <a:off x="1800000" y="4320000"/>
+                <a:off x="1620000" y="4320000"/>
                 <a:ext cx="2880000" cy="2880000"/>
               </a:xfrm>
               <a:prstGeom prst="rect">
@@ -3058,8 +3058,8 @@
           </p:pic>
         </mc:Fallback>
       </mc:AlternateContent>
-      <mc:AlternateContent xmlns:mc="http://schemas.openxmlformats.org/markup-compatibility/2006">
-        <mc:Choice xmlns:pslz="http://schemas.microsoft.com/office/powerpoint/2016/slidezoom" Requires="pslz">
+      <mc:AlternateContent xmlns:mc="http://schemas.openxmlformats.org/markup-compatibility/2006" xmlns:pslz="http://schemas.microsoft.com/office/powerpoint/2016/slidezoom">
+        <mc:Choice Requires="pslz">
           <p:graphicFrame>
             <p:nvGraphicFramePr>
               <p:cNvPr id="20" name="Slide Zoom 19">
@@ -3075,100 +3075,13 @@
               <p:nvPr>
                 <p:extLst>
                   <p:ext uri="{D42A27DB-BD31-4B8C-83A1-F6EECF244321}">
-                    <p14:modId xmlns:p14="http://schemas.microsoft.com/office/powerpoint/2010/main" val="220907288"/>
+                    <p14:modId xmlns:p14="http://schemas.microsoft.com/office/powerpoint/2010/main" val="902884017"/>
                   </p:ext>
                 </p:extLst>
               </p:nvPr>
             </p:nvGraphicFramePr>
             <p:xfrm>
-              <a:off x="1800000" y="2520000"/>
-              <a:ext cx="2880000" cy="2880000"/>
-            </p:xfrm>
-            <a:graphic>
-              <a:graphicData uri="http://schemas.microsoft.com/office/powerpoint/2016/slidezoom">
-                <pslz:sldZm>
-                  <pslz:sldZmObj sldId="257" cId="44207352">
-                    <pslz:zmPr id="{F065D511-42F3-7841-A7DA-E4E064121050}" returnToParent="0" transitionDur="1000" showBg="0">
-                      <p166:blipFill xmlns:p166="http://schemas.microsoft.com/office/powerpoint/2016/6/main">
-                        <a:blip r:embed="rId4"/>
-                        <a:stretch>
-                          <a:fillRect/>
-                        </a:stretch>
-                      </p166:blipFill>
-                      <p166:spPr xmlns:p166="http://schemas.microsoft.com/office/powerpoint/2016/6/main">
-                        <a:xfrm>
-                          <a:off x="0" y="0"/>
-                          <a:ext cx="2880000" cy="2880000"/>
-                        </a:xfrm>
-                        <a:prstGeom prst="rect">
-                          <a:avLst/>
-                        </a:prstGeom>
-                      </p166:spPr>
-                    </pslz:zmPr>
-                  </pslz:sldZmObj>
-                </pslz:sldZm>
-              </a:graphicData>
-            </a:graphic>
-          </p:graphicFrame>
-        </mc:Choice>
-        <mc:Fallback>
-          <p:pic>
-            <p:nvPicPr>
-              <p:cNvPr id="20" name="Slide Zoom 19">
-                <a:hlinkClick r:id="rId3" action="ppaction://hlinksldjump"/>
-                <a:extLst>
-                  <a:ext uri="{FF2B5EF4-FFF2-40B4-BE49-F238E27FC236}">
-                    <a16:creationId xmlns:a16="http://schemas.microsoft.com/office/drawing/2014/main" id="{4C7E7A24-06D1-8402-6B2E-C5B62DDB409F}"/>
-                  </a:ext>
-                </a:extLst>
-              </p:cNvPr>
-              <p:cNvPicPr>
-                <a:picLocks noGrp="1" noRot="1" noChangeAspect="1" noMove="1" noResize="1" noEditPoints="1" noAdjustHandles="1" noChangeArrowheads="1" noChangeShapeType="1"/>
-              </p:cNvPicPr>
-              <p:nvPr/>
-            </p:nvPicPr>
-            <p:blipFill>
-              <a:blip r:embed="rId4"/>
-              <a:stretch>
-                <a:fillRect/>
-              </a:stretch>
-            </p:blipFill>
-            <p:spPr>
-              <a:xfrm>
-                <a:off x="1800000" y="2520000"/>
-                <a:ext cx="2880000" cy="2880000"/>
-              </a:xfrm>
-              <a:prstGeom prst="rect">
-                <a:avLst/>
-              </a:prstGeom>
-            </p:spPr>
-          </p:pic>
-        </mc:Fallback>
-      </mc:AlternateContent>
-      <mc:AlternateContent xmlns:mc="http://schemas.openxmlformats.org/markup-compatibility/2006">
-        <mc:Choice xmlns:pslz="http://schemas.microsoft.com/office/powerpoint/2016/slidezoom" Requires="pslz">
-          <p:graphicFrame>
-            <p:nvGraphicFramePr>
-              <p:cNvPr id="11" name="Slide Zoom 10">
-                <a:extLst>
-                  <a:ext uri="{FF2B5EF4-FFF2-40B4-BE49-F238E27FC236}">
-                    <a16:creationId xmlns:a16="http://schemas.microsoft.com/office/drawing/2014/main" id="{DDD8D099-A342-AC62-BCFE-8B344126D34A}"/>
-                  </a:ext>
-                </a:extLst>
-              </p:cNvPr>
-              <p:cNvGraphicFramePr>
-                <a:graphicFrameLocks noChangeAspect="1"/>
-              </p:cNvGraphicFramePr>
-              <p:nvPr>
-                <p:extLst>
-                  <p:ext uri="{D42A27DB-BD31-4B8C-83A1-F6EECF244321}">
-                    <p14:modId xmlns:p14="http://schemas.microsoft.com/office/powerpoint/2010/main" val="406166562"/>
-                  </p:ext>
-                </p:extLst>
-              </p:nvPr>
-            </p:nvGraphicFramePr>
-            <p:xfrm>
-              <a:off x="1800000" y="720000"/>
+              <a:off x="1620000" y="2520000"/>
               <a:ext cx="2880000" cy="2880000"/>
             </p:xfrm>
             <a:graphic>
@@ -3198,101 +3111,14 @@
             </a:graphic>
           </p:graphicFrame>
         </mc:Choice>
-        <mc:Fallback>
+        <mc:Fallback xmlns="">
           <p:pic>
             <p:nvPicPr>
-              <p:cNvPr id="11" name="Slide Zoom 10">
+              <p:cNvPr id="20" name="Slide Zoom 19">
                 <a:hlinkClick r:id="rId3" action="ppaction://hlinksldjump"/>
                 <a:extLst>
                   <a:ext uri="{FF2B5EF4-FFF2-40B4-BE49-F238E27FC236}">
-                    <a16:creationId xmlns:a16="http://schemas.microsoft.com/office/drawing/2014/main" id="{DDD8D099-A342-AC62-BCFE-8B344126D34A}"/>
-                  </a:ext>
-                </a:extLst>
-              </p:cNvPr>
-              <p:cNvPicPr>
-                <a:picLocks noGrp="1" noRot="1" noChangeAspect="1" noMove="1" noResize="1" noEditPoints="1" noAdjustHandles="1" noChangeArrowheads="1" noChangeShapeType="1"/>
-              </p:cNvPicPr>
-              <p:nvPr/>
-            </p:nvPicPr>
-            <p:blipFill>
-              <a:blip r:embed="rId5"/>
-              <a:stretch>
-                <a:fillRect/>
-              </a:stretch>
-            </p:blipFill>
-            <p:spPr>
-              <a:xfrm>
-                <a:off x="1800000" y="720000"/>
-                <a:ext cx="2880000" cy="2880000"/>
-              </a:xfrm>
-              <a:prstGeom prst="rect">
-                <a:avLst/>
-              </a:prstGeom>
-            </p:spPr>
-          </p:pic>
-        </mc:Fallback>
-      </mc:AlternateContent>
-      <mc:AlternateContent xmlns:mc="http://schemas.openxmlformats.org/markup-compatibility/2006">
-        <mc:Choice xmlns:pslz="http://schemas.microsoft.com/office/powerpoint/2016/slidezoom" Requires="pslz">
-          <p:graphicFrame>
-            <p:nvGraphicFramePr>
-              <p:cNvPr id="22" name="Slide Zoom 21">
-                <a:extLst>
-                  <a:ext uri="{FF2B5EF4-FFF2-40B4-BE49-F238E27FC236}">
-                    <a16:creationId xmlns:a16="http://schemas.microsoft.com/office/drawing/2014/main" id="{2B566D4D-490C-91BE-1858-B5416AC8B051}"/>
-                  </a:ext>
-                </a:extLst>
-              </p:cNvPr>
-              <p:cNvGraphicFramePr>
-                <a:graphicFrameLocks noChangeAspect="1"/>
-              </p:cNvGraphicFramePr>
-              <p:nvPr>
-                <p:extLst>
-                  <p:ext uri="{D42A27DB-BD31-4B8C-83A1-F6EECF244321}">
-                    <p14:modId xmlns:p14="http://schemas.microsoft.com/office/powerpoint/2010/main" val="3868282166"/>
-                  </p:ext>
-                </p:extLst>
-              </p:nvPr>
-            </p:nvGraphicFramePr>
-            <p:xfrm>
-              <a:off x="3600000" y="4320000"/>
-              <a:ext cx="2880000" cy="2880000"/>
-            </p:xfrm>
-            <a:graphic>
-              <a:graphicData uri="http://schemas.microsoft.com/office/powerpoint/2016/slidezoom">
-                <pslz:sldZm>
-                  <pslz:sldZmObj sldId="257" cId="44207352">
-                    <pslz:zmPr id="{F065D511-42F3-7841-A7DA-E4E064121050}" returnToParent="0" transitionDur="1000" showBg="0">
-                      <p166:blipFill xmlns:p166="http://schemas.microsoft.com/office/powerpoint/2016/6/main">
-                        <a:blip r:embed="rId6"/>
-                        <a:stretch>
-                          <a:fillRect/>
-                        </a:stretch>
-                      </p166:blipFill>
-                      <p166:spPr xmlns:p166="http://schemas.microsoft.com/office/powerpoint/2016/6/main">
-                        <a:xfrm>
-                          <a:off x="0" y="0"/>
-                          <a:ext cx="2880000" cy="2880000"/>
-                        </a:xfrm>
-                        <a:prstGeom prst="rect">
-                          <a:avLst/>
-                        </a:prstGeom>
-                      </p166:spPr>
-                    </pslz:zmPr>
-                  </pslz:sldZmObj>
-                </pslz:sldZm>
-              </a:graphicData>
-            </a:graphic>
-          </p:graphicFrame>
-        </mc:Choice>
-        <mc:Fallback>
-          <p:pic>
-            <p:nvPicPr>
-              <p:cNvPr id="22" name="Slide Zoom 21">
-                <a:hlinkClick r:id="rId3" action="ppaction://hlinksldjump"/>
-                <a:extLst>
-                  <a:ext uri="{FF2B5EF4-FFF2-40B4-BE49-F238E27FC236}">
-                    <a16:creationId xmlns:a16="http://schemas.microsoft.com/office/drawing/2014/main" id="{2B566D4D-490C-91BE-1858-B5416AC8B051}"/>
+                    <a16:creationId xmlns:a16="http://schemas.microsoft.com/office/drawing/2014/main" id="{4C7E7A24-06D1-8402-6B2E-C5B62DDB409F}"/>
                   </a:ext>
                 </a:extLst>
               </p:cNvPr>
@@ -3309,7 +3135,7 @@
             </p:blipFill>
             <p:spPr>
               <a:xfrm>
-                <a:off x="3600000" y="4320000"/>
+                <a:off x="1620000" y="2520000"/>
                 <a:ext cx="2880000" cy="2880000"/>
               </a:xfrm>
               <a:prstGeom prst="rect">
@@ -3319,14 +3145,14 @@
           </p:pic>
         </mc:Fallback>
       </mc:AlternateContent>
-      <mc:AlternateContent xmlns:mc="http://schemas.openxmlformats.org/markup-compatibility/2006">
-        <mc:Choice xmlns:pslz="http://schemas.microsoft.com/office/powerpoint/2016/slidezoom" Requires="pslz">
+      <mc:AlternateContent xmlns:mc="http://schemas.openxmlformats.org/markup-compatibility/2006" xmlns:pslz="http://schemas.microsoft.com/office/powerpoint/2016/slidezoom">
+        <mc:Choice Requires="pslz">
           <p:graphicFrame>
             <p:nvGraphicFramePr>
-              <p:cNvPr id="23" name="Slide Zoom 22">
+              <p:cNvPr id="11" name="Slide Zoom 10">
                 <a:extLst>
                   <a:ext uri="{FF2B5EF4-FFF2-40B4-BE49-F238E27FC236}">
-                    <a16:creationId xmlns:a16="http://schemas.microsoft.com/office/drawing/2014/main" id="{CFEF89BC-3D80-ADB2-89C1-FDA630FDD03C}"/>
+                    <a16:creationId xmlns:a16="http://schemas.microsoft.com/office/drawing/2014/main" id="{DDD8D099-A342-AC62-BCFE-8B344126D34A}"/>
                   </a:ext>
                 </a:extLst>
               </p:cNvPr>
@@ -3336,13 +3162,13 @@
               <p:nvPr>
                 <p:extLst>
                   <p:ext uri="{D42A27DB-BD31-4B8C-83A1-F6EECF244321}">
-                    <p14:modId xmlns:p14="http://schemas.microsoft.com/office/powerpoint/2010/main" val="3053243164"/>
+                    <p14:modId xmlns:p14="http://schemas.microsoft.com/office/powerpoint/2010/main" val="3511564019"/>
                   </p:ext>
                 </p:extLst>
               </p:nvPr>
             </p:nvGraphicFramePr>
             <p:xfrm>
-              <a:off x="3600000" y="720000"/>
+              <a:off x="1620000" y="720000"/>
               <a:ext cx="2880000" cy="2880000"/>
             </p:xfrm>
             <a:graphic>
@@ -3372,101 +3198,14 @@
             </a:graphic>
           </p:graphicFrame>
         </mc:Choice>
-        <mc:Fallback>
+        <mc:Fallback xmlns="">
           <p:pic>
             <p:nvPicPr>
-              <p:cNvPr id="23" name="Slide Zoom 22">
+              <p:cNvPr id="11" name="Slide Zoom 10">
                 <a:hlinkClick r:id="rId3" action="ppaction://hlinksldjump"/>
                 <a:extLst>
                   <a:ext uri="{FF2B5EF4-FFF2-40B4-BE49-F238E27FC236}">
-                    <a16:creationId xmlns:a16="http://schemas.microsoft.com/office/drawing/2014/main" id="{CFEF89BC-3D80-ADB2-89C1-FDA630FDD03C}"/>
-                  </a:ext>
-                </a:extLst>
-              </p:cNvPr>
-              <p:cNvPicPr>
-                <a:picLocks noGrp="1" noRot="1" noChangeAspect="1" noMove="1" noResize="1" noEditPoints="1" noAdjustHandles="1" noChangeArrowheads="1" noChangeShapeType="1"/>
-              </p:cNvPicPr>
-              <p:nvPr/>
-            </p:nvPicPr>
-            <p:blipFill>
-              <a:blip r:embed="rId7"/>
-              <a:stretch>
-                <a:fillRect/>
-              </a:stretch>
-            </p:blipFill>
-            <p:spPr>
-              <a:xfrm>
-                <a:off x="3600000" y="720000"/>
-                <a:ext cx="2880000" cy="2880000"/>
-              </a:xfrm>
-              <a:prstGeom prst="rect">
-                <a:avLst/>
-              </a:prstGeom>
-            </p:spPr>
-          </p:pic>
-        </mc:Fallback>
-      </mc:AlternateContent>
-      <mc:AlternateContent xmlns:mc="http://schemas.openxmlformats.org/markup-compatibility/2006">
-        <mc:Choice xmlns:pslz="http://schemas.microsoft.com/office/powerpoint/2016/slidezoom" Requires="pslz">
-          <p:graphicFrame>
-            <p:nvGraphicFramePr>
-              <p:cNvPr id="24" name="Slide Zoom 23">
-                <a:extLst>
-                  <a:ext uri="{FF2B5EF4-FFF2-40B4-BE49-F238E27FC236}">
-                    <a16:creationId xmlns:a16="http://schemas.microsoft.com/office/drawing/2014/main" id="{465E1242-651A-B299-163F-8F0197C3F2E9}"/>
-                  </a:ext>
-                </a:extLst>
-              </p:cNvPr>
-              <p:cNvGraphicFramePr>
-                <a:graphicFrameLocks noChangeAspect="1"/>
-              </p:cNvGraphicFramePr>
-              <p:nvPr>
-                <p:extLst>
-                  <p:ext uri="{D42A27DB-BD31-4B8C-83A1-F6EECF244321}">
-                    <p14:modId xmlns:p14="http://schemas.microsoft.com/office/powerpoint/2010/main" val="2136110918"/>
-                  </p:ext>
-                </p:extLst>
-              </p:nvPr>
-            </p:nvGraphicFramePr>
-            <p:xfrm>
-              <a:off x="5400000" y="4320000"/>
-              <a:ext cx="2880000" cy="2880000"/>
-            </p:xfrm>
-            <a:graphic>
-              <a:graphicData uri="http://schemas.microsoft.com/office/powerpoint/2016/slidezoom">
-                <pslz:sldZm>
-                  <pslz:sldZmObj sldId="257" cId="44207352">
-                    <pslz:zmPr id="{F065D511-42F3-7841-A7DA-E4E064121050}" returnToParent="0" transitionDur="1000" showBg="0">
-                      <p166:blipFill xmlns:p166="http://schemas.microsoft.com/office/powerpoint/2016/6/main">
-                        <a:blip r:embed="rId8"/>
-                        <a:stretch>
-                          <a:fillRect/>
-                        </a:stretch>
-                      </p166:blipFill>
-                      <p166:spPr xmlns:p166="http://schemas.microsoft.com/office/powerpoint/2016/6/main">
-                        <a:xfrm>
-                          <a:off x="0" y="0"/>
-                          <a:ext cx="2880000" cy="2880000"/>
-                        </a:xfrm>
-                        <a:prstGeom prst="rect">
-                          <a:avLst/>
-                        </a:prstGeom>
-                      </p166:spPr>
-                    </pslz:zmPr>
-                  </pslz:sldZmObj>
-                </pslz:sldZm>
-              </a:graphicData>
-            </a:graphic>
-          </p:graphicFrame>
-        </mc:Choice>
-        <mc:Fallback>
-          <p:pic>
-            <p:nvPicPr>
-              <p:cNvPr id="24" name="Slide Zoom 23">
-                <a:hlinkClick r:id="rId3" action="ppaction://hlinksldjump"/>
-                <a:extLst>
-                  <a:ext uri="{FF2B5EF4-FFF2-40B4-BE49-F238E27FC236}">
-                    <a16:creationId xmlns:a16="http://schemas.microsoft.com/office/drawing/2014/main" id="{465E1242-651A-B299-163F-8F0197C3F2E9}"/>
+                    <a16:creationId xmlns:a16="http://schemas.microsoft.com/office/drawing/2014/main" id="{DDD8D099-A342-AC62-BCFE-8B344126D34A}"/>
                   </a:ext>
                 </a:extLst>
               </p:cNvPr>
@@ -3483,7 +3222,7 @@
             </p:blipFill>
             <p:spPr>
               <a:xfrm>
-                <a:off x="5400000" y="4320000"/>
+                <a:off x="1620000" y="720000"/>
                 <a:ext cx="2880000" cy="2880000"/>
               </a:xfrm>
               <a:prstGeom prst="rect">
@@ -3493,14 +3232,14 @@
           </p:pic>
         </mc:Fallback>
       </mc:AlternateContent>
-      <mc:AlternateContent xmlns:mc="http://schemas.openxmlformats.org/markup-compatibility/2006">
-        <mc:Choice xmlns:pslz="http://schemas.microsoft.com/office/powerpoint/2016/slidezoom" Requires="pslz">
+      <mc:AlternateContent xmlns:mc="http://schemas.openxmlformats.org/markup-compatibility/2006" xmlns:pslz="http://schemas.microsoft.com/office/powerpoint/2016/slidezoom">
+        <mc:Choice Requires="pslz">
           <p:graphicFrame>
             <p:nvGraphicFramePr>
-              <p:cNvPr id="25" name="Slide Zoom 24">
+              <p:cNvPr id="22" name="Slide Zoom 21">
                 <a:extLst>
                   <a:ext uri="{FF2B5EF4-FFF2-40B4-BE49-F238E27FC236}">
-                    <a16:creationId xmlns:a16="http://schemas.microsoft.com/office/drawing/2014/main" id="{01C77A70-DFD9-CAC8-9910-99947AC8C31D}"/>
+                    <a16:creationId xmlns:a16="http://schemas.microsoft.com/office/drawing/2014/main" id="{2B566D4D-490C-91BE-1858-B5416AC8B051}"/>
                   </a:ext>
                 </a:extLst>
               </p:cNvPr>
@@ -3510,13 +3249,13 @@
               <p:nvPr>
                 <p:extLst>
                   <p:ext uri="{D42A27DB-BD31-4B8C-83A1-F6EECF244321}">
-                    <p14:modId xmlns:p14="http://schemas.microsoft.com/office/powerpoint/2010/main" val="1656341485"/>
+                    <p14:modId xmlns:p14="http://schemas.microsoft.com/office/powerpoint/2010/main" val="1764261161"/>
                   </p:ext>
                 </p:extLst>
               </p:nvPr>
             </p:nvGraphicFramePr>
             <p:xfrm>
-              <a:off x="5400000" y="2520000"/>
+              <a:off x="3420000" y="4320000"/>
               <a:ext cx="2880000" cy="2880000"/>
             </p:xfrm>
             <a:graphic>
@@ -3546,101 +3285,14 @@
             </a:graphic>
           </p:graphicFrame>
         </mc:Choice>
-        <mc:Fallback>
+        <mc:Fallback xmlns="">
           <p:pic>
             <p:nvPicPr>
-              <p:cNvPr id="25" name="Slide Zoom 24">
+              <p:cNvPr id="22" name="Slide Zoom 21">
                 <a:hlinkClick r:id="rId3" action="ppaction://hlinksldjump"/>
                 <a:extLst>
                   <a:ext uri="{FF2B5EF4-FFF2-40B4-BE49-F238E27FC236}">
-                    <a16:creationId xmlns:a16="http://schemas.microsoft.com/office/drawing/2014/main" id="{01C77A70-DFD9-CAC8-9910-99947AC8C31D}"/>
-                  </a:ext>
-                </a:extLst>
-              </p:cNvPr>
-              <p:cNvPicPr>
-                <a:picLocks noGrp="1" noRot="1" noChangeAspect="1" noMove="1" noResize="1" noEditPoints="1" noAdjustHandles="1" noChangeArrowheads="1" noChangeShapeType="1"/>
-              </p:cNvPicPr>
-              <p:nvPr/>
-            </p:nvPicPr>
-            <p:blipFill>
-              <a:blip r:embed="rId9"/>
-              <a:stretch>
-                <a:fillRect/>
-              </a:stretch>
-            </p:blipFill>
-            <p:spPr>
-              <a:xfrm>
-                <a:off x="5400000" y="2520000"/>
-                <a:ext cx="2880000" cy="2880000"/>
-              </a:xfrm>
-              <a:prstGeom prst="rect">
-                <a:avLst/>
-              </a:prstGeom>
-            </p:spPr>
-          </p:pic>
-        </mc:Fallback>
-      </mc:AlternateContent>
-      <mc:AlternateContent xmlns:mc="http://schemas.openxmlformats.org/markup-compatibility/2006">
-        <mc:Choice xmlns:pslz="http://schemas.microsoft.com/office/powerpoint/2016/slidezoom" Requires="pslz">
-          <p:graphicFrame>
-            <p:nvGraphicFramePr>
-              <p:cNvPr id="26" name="Slide Zoom 25">
-                <a:extLst>
-                  <a:ext uri="{FF2B5EF4-FFF2-40B4-BE49-F238E27FC236}">
-                    <a16:creationId xmlns:a16="http://schemas.microsoft.com/office/drawing/2014/main" id="{EEADBE6E-628C-28D5-13D3-B234621376BE}"/>
-                  </a:ext>
-                </a:extLst>
-              </p:cNvPr>
-              <p:cNvGraphicFramePr>
-                <a:graphicFrameLocks noChangeAspect="1"/>
-              </p:cNvGraphicFramePr>
-              <p:nvPr>
-                <p:extLst>
-                  <p:ext uri="{D42A27DB-BD31-4B8C-83A1-F6EECF244321}">
-                    <p14:modId xmlns:p14="http://schemas.microsoft.com/office/powerpoint/2010/main" val="3764230294"/>
-                  </p:ext>
-                </p:extLst>
-              </p:nvPr>
-            </p:nvGraphicFramePr>
-            <p:xfrm>
-              <a:off x="5400000" y="720000"/>
-              <a:ext cx="2880000" cy="2880000"/>
-            </p:xfrm>
-            <a:graphic>
-              <a:graphicData uri="http://schemas.microsoft.com/office/powerpoint/2016/slidezoom">
-                <pslz:sldZm>
-                  <pslz:sldZmObj sldId="257" cId="44207352">
-                    <pslz:zmPr id="{F065D511-42F3-7841-A7DA-E4E064121050}" returnToParent="0" transitionDur="1000" showBg="0">
-                      <p166:blipFill xmlns:p166="http://schemas.microsoft.com/office/powerpoint/2016/6/main">
-                        <a:blip r:embed="rId10"/>
-                        <a:stretch>
-                          <a:fillRect/>
-                        </a:stretch>
-                      </p166:blipFill>
-                      <p166:spPr xmlns:p166="http://schemas.microsoft.com/office/powerpoint/2016/6/main">
-                        <a:xfrm>
-                          <a:off x="0" y="0"/>
-                          <a:ext cx="2880000" cy="2880000"/>
-                        </a:xfrm>
-                        <a:prstGeom prst="rect">
-                          <a:avLst/>
-                        </a:prstGeom>
-                      </p166:spPr>
-                    </pslz:zmPr>
-                  </pslz:sldZmObj>
-                </pslz:sldZm>
-              </a:graphicData>
-            </a:graphic>
-          </p:graphicFrame>
-        </mc:Choice>
-        <mc:Fallback>
-          <p:pic>
-            <p:nvPicPr>
-              <p:cNvPr id="26" name="Slide Zoom 25">
-                <a:hlinkClick r:id="rId3" action="ppaction://hlinksldjump"/>
-                <a:extLst>
-                  <a:ext uri="{FF2B5EF4-FFF2-40B4-BE49-F238E27FC236}">
-                    <a16:creationId xmlns:a16="http://schemas.microsoft.com/office/drawing/2014/main" id="{EEADBE6E-628C-28D5-13D3-B234621376BE}"/>
+                    <a16:creationId xmlns:a16="http://schemas.microsoft.com/office/drawing/2014/main" id="{2B566D4D-490C-91BE-1858-B5416AC8B051}"/>
                   </a:ext>
                 </a:extLst>
               </p:cNvPr>
@@ -3657,7 +3309,7 @@
             </p:blipFill>
             <p:spPr>
               <a:xfrm>
-                <a:off x="5400000" y="720000"/>
+                <a:off x="3420000" y="4320000"/>
                 <a:ext cx="2880000" cy="2880000"/>
               </a:xfrm>
               <a:prstGeom prst="rect">
@@ -3667,14 +3319,14 @@
           </p:pic>
         </mc:Fallback>
       </mc:AlternateContent>
-      <mc:AlternateContent xmlns:mc="http://schemas.openxmlformats.org/markup-compatibility/2006">
-        <mc:Choice xmlns:pslz="http://schemas.microsoft.com/office/powerpoint/2016/slidezoom" Requires="pslz">
+      <mc:AlternateContent xmlns:mc="http://schemas.openxmlformats.org/markup-compatibility/2006" xmlns:pslz="http://schemas.microsoft.com/office/powerpoint/2016/slidezoom">
+        <mc:Choice Requires="pslz">
           <p:graphicFrame>
             <p:nvGraphicFramePr>
-              <p:cNvPr id="31" name="Slide Zoom 30">
+              <p:cNvPr id="23" name="Slide Zoom 22">
                 <a:extLst>
                   <a:ext uri="{FF2B5EF4-FFF2-40B4-BE49-F238E27FC236}">
-                    <a16:creationId xmlns:a16="http://schemas.microsoft.com/office/drawing/2014/main" id="{40E5BE20-4384-8B1E-6380-8FFA3BC4D531}"/>
+                    <a16:creationId xmlns:a16="http://schemas.microsoft.com/office/drawing/2014/main" id="{CFEF89BC-3D80-ADB2-89C1-FDA630FDD03C}"/>
                   </a:ext>
                 </a:extLst>
               </p:cNvPr>
@@ -3684,13 +3336,13 @@
               <p:nvPr>
                 <p:extLst>
                   <p:ext uri="{D42A27DB-BD31-4B8C-83A1-F6EECF244321}">
-                    <p14:modId xmlns:p14="http://schemas.microsoft.com/office/powerpoint/2010/main" val="233619831"/>
+                    <p14:modId xmlns:p14="http://schemas.microsoft.com/office/powerpoint/2010/main" val="3058920675"/>
                   </p:ext>
                 </p:extLst>
               </p:nvPr>
             </p:nvGraphicFramePr>
             <p:xfrm>
-              <a:off x="1080000" y="4680000"/>
+              <a:off x="3420000" y="720000"/>
               <a:ext cx="2880000" cy="2880000"/>
             </p:xfrm>
             <a:graphic>
@@ -3720,101 +3372,14 @@
             </a:graphic>
           </p:graphicFrame>
         </mc:Choice>
-        <mc:Fallback>
+        <mc:Fallback xmlns="">
           <p:pic>
             <p:nvPicPr>
-              <p:cNvPr id="31" name="Slide Zoom 30">
+              <p:cNvPr id="23" name="Slide Zoom 22">
                 <a:hlinkClick r:id="rId3" action="ppaction://hlinksldjump"/>
                 <a:extLst>
                   <a:ext uri="{FF2B5EF4-FFF2-40B4-BE49-F238E27FC236}">
-                    <a16:creationId xmlns:a16="http://schemas.microsoft.com/office/drawing/2014/main" id="{40E5BE20-4384-8B1E-6380-8FFA3BC4D531}"/>
-                  </a:ext>
-                </a:extLst>
-              </p:cNvPr>
-              <p:cNvPicPr>
-                <a:picLocks noGrp="1" noRot="1" noChangeAspect="1" noMove="1" noResize="1" noEditPoints="1" noAdjustHandles="1" noChangeArrowheads="1" noChangeShapeType="1"/>
-              </p:cNvPicPr>
-              <p:nvPr/>
-            </p:nvPicPr>
-            <p:blipFill>
-              <a:blip r:embed="rId11"/>
-              <a:stretch>
-                <a:fillRect/>
-              </a:stretch>
-            </p:blipFill>
-            <p:spPr>
-              <a:xfrm>
-                <a:off x="1080000" y="4680000"/>
-                <a:ext cx="2880000" cy="2880000"/>
-              </a:xfrm>
-              <a:prstGeom prst="rect">
-                <a:avLst/>
-              </a:prstGeom>
-            </p:spPr>
-          </p:pic>
-        </mc:Fallback>
-      </mc:AlternateContent>
-      <mc:AlternateContent xmlns:mc="http://schemas.openxmlformats.org/markup-compatibility/2006">
-        <mc:Choice xmlns:pslz="http://schemas.microsoft.com/office/powerpoint/2016/slidezoom" Requires="pslz">
-          <p:graphicFrame>
-            <p:nvGraphicFramePr>
-              <p:cNvPr id="33" name="Slide Zoom 32">
-                <a:extLst>
-                  <a:ext uri="{FF2B5EF4-FFF2-40B4-BE49-F238E27FC236}">
-                    <a16:creationId xmlns:a16="http://schemas.microsoft.com/office/drawing/2014/main" id="{D18F7F65-F737-BCE9-9D0D-E6F0140C122E}"/>
-                  </a:ext>
-                </a:extLst>
-              </p:cNvPr>
-              <p:cNvGraphicFramePr>
-                <a:graphicFrameLocks noChangeAspect="1"/>
-              </p:cNvGraphicFramePr>
-              <p:nvPr>
-                <p:extLst>
-                  <p:ext uri="{D42A27DB-BD31-4B8C-83A1-F6EECF244321}">
-                    <p14:modId xmlns:p14="http://schemas.microsoft.com/office/powerpoint/2010/main" val="4255425637"/>
-                  </p:ext>
-                </p:extLst>
-              </p:nvPr>
-            </p:nvGraphicFramePr>
-            <p:xfrm>
-              <a:off x="4680000" y="4680000"/>
-              <a:ext cx="2880000" cy="2880000"/>
-            </p:xfrm>
-            <a:graphic>
-              <a:graphicData uri="http://schemas.microsoft.com/office/powerpoint/2016/slidezoom">
-                <pslz:sldZm>
-                  <pslz:sldZmObj sldId="257" cId="44207352">
-                    <pslz:zmPr id="{F065D511-42F3-7841-A7DA-E4E064121050}" returnToParent="0" transitionDur="1000" showBg="0">
-                      <p166:blipFill xmlns:p166="http://schemas.microsoft.com/office/powerpoint/2016/6/main">
-                        <a:blip r:embed="rId12"/>
-                        <a:stretch>
-                          <a:fillRect/>
-                        </a:stretch>
-                      </p166:blipFill>
-                      <p166:spPr xmlns:p166="http://schemas.microsoft.com/office/powerpoint/2016/6/main">
-                        <a:xfrm>
-                          <a:off x="0" y="0"/>
-                          <a:ext cx="2880000" cy="2880000"/>
-                        </a:xfrm>
-                        <a:prstGeom prst="rect">
-                          <a:avLst/>
-                        </a:prstGeom>
-                      </p166:spPr>
-                    </pslz:zmPr>
-                  </pslz:sldZmObj>
-                </pslz:sldZm>
-              </a:graphicData>
-            </a:graphic>
-          </p:graphicFrame>
-        </mc:Choice>
-        <mc:Fallback>
-          <p:pic>
-            <p:nvPicPr>
-              <p:cNvPr id="33" name="Slide Zoom 32">
-                <a:hlinkClick r:id="rId3" action="ppaction://hlinksldjump"/>
-                <a:extLst>
-                  <a:ext uri="{FF2B5EF4-FFF2-40B4-BE49-F238E27FC236}">
-                    <a16:creationId xmlns:a16="http://schemas.microsoft.com/office/drawing/2014/main" id="{D18F7F65-F737-BCE9-9D0D-E6F0140C122E}"/>
+                    <a16:creationId xmlns:a16="http://schemas.microsoft.com/office/drawing/2014/main" id="{CFEF89BC-3D80-ADB2-89C1-FDA630FDD03C}"/>
                   </a:ext>
                 </a:extLst>
               </p:cNvPr>
@@ -3831,7 +3396,7 @@
             </p:blipFill>
             <p:spPr>
               <a:xfrm>
-                <a:off x="4680000" y="4680000"/>
+                <a:off x="3420000" y="720000"/>
                 <a:ext cx="2880000" cy="2880000"/>
               </a:xfrm>
               <a:prstGeom prst="rect">
@@ -3841,14 +3406,14 @@
           </p:pic>
         </mc:Fallback>
       </mc:AlternateContent>
-      <mc:AlternateContent xmlns:mc="http://schemas.openxmlformats.org/markup-compatibility/2006">
-        <mc:Choice xmlns:pslz="http://schemas.microsoft.com/office/powerpoint/2016/slidezoom" Requires="pslz">
+      <mc:AlternateContent xmlns:mc="http://schemas.openxmlformats.org/markup-compatibility/2006" xmlns:pslz="http://schemas.microsoft.com/office/powerpoint/2016/slidezoom">
+        <mc:Choice Requires="pslz">
           <p:graphicFrame>
             <p:nvGraphicFramePr>
-              <p:cNvPr id="36" name="Slide Zoom 35">
+              <p:cNvPr id="24" name="Slide Zoom 23">
                 <a:extLst>
                   <a:ext uri="{FF2B5EF4-FFF2-40B4-BE49-F238E27FC236}">
-                    <a16:creationId xmlns:a16="http://schemas.microsoft.com/office/drawing/2014/main" id="{102646B7-7AC7-A934-F2E5-0316419748CE}"/>
+                    <a16:creationId xmlns:a16="http://schemas.microsoft.com/office/drawing/2014/main" id="{465E1242-651A-B299-163F-8F0197C3F2E9}"/>
                   </a:ext>
                 </a:extLst>
               </p:cNvPr>
@@ -3858,13 +3423,13 @@
               <p:nvPr>
                 <p:extLst>
                   <p:ext uri="{D42A27DB-BD31-4B8C-83A1-F6EECF244321}">
-                    <p14:modId xmlns:p14="http://schemas.microsoft.com/office/powerpoint/2010/main" val="1896927"/>
+                    <p14:modId xmlns:p14="http://schemas.microsoft.com/office/powerpoint/2010/main" val="4112791142"/>
                   </p:ext>
                 </p:extLst>
               </p:nvPr>
             </p:nvGraphicFramePr>
             <p:xfrm>
-              <a:off x="1080000" y="1080000"/>
+              <a:off x="5220000" y="4320000"/>
               <a:ext cx="2880000" cy="2880000"/>
             </p:xfrm>
             <a:graphic>
@@ -3894,101 +3459,14 @@
             </a:graphic>
           </p:graphicFrame>
         </mc:Choice>
-        <mc:Fallback>
+        <mc:Fallback xmlns="">
           <p:pic>
             <p:nvPicPr>
-              <p:cNvPr id="36" name="Slide Zoom 35">
+              <p:cNvPr id="24" name="Slide Zoom 23">
                 <a:hlinkClick r:id="rId3" action="ppaction://hlinksldjump"/>
                 <a:extLst>
                   <a:ext uri="{FF2B5EF4-FFF2-40B4-BE49-F238E27FC236}">
-                    <a16:creationId xmlns:a16="http://schemas.microsoft.com/office/drawing/2014/main" id="{102646B7-7AC7-A934-F2E5-0316419748CE}"/>
-                  </a:ext>
-                </a:extLst>
-              </p:cNvPr>
-              <p:cNvPicPr>
-                <a:picLocks noGrp="1" noRot="1" noChangeAspect="1" noMove="1" noResize="1" noEditPoints="1" noAdjustHandles="1" noChangeArrowheads="1" noChangeShapeType="1"/>
-              </p:cNvPicPr>
-              <p:nvPr/>
-            </p:nvPicPr>
-            <p:blipFill>
-              <a:blip r:embed="rId13"/>
-              <a:stretch>
-                <a:fillRect/>
-              </a:stretch>
-            </p:blipFill>
-            <p:spPr>
-              <a:xfrm>
-                <a:off x="1080000" y="1080000"/>
-                <a:ext cx="2880000" cy="2880000"/>
-              </a:xfrm>
-              <a:prstGeom prst="rect">
-                <a:avLst/>
-              </a:prstGeom>
-            </p:spPr>
-          </p:pic>
-        </mc:Fallback>
-      </mc:AlternateContent>
-      <mc:AlternateContent xmlns:mc="http://schemas.openxmlformats.org/markup-compatibility/2006">
-        <mc:Choice xmlns:pslz="http://schemas.microsoft.com/office/powerpoint/2016/slidezoom" Requires="pslz">
-          <p:graphicFrame>
-            <p:nvGraphicFramePr>
-              <p:cNvPr id="38" name="Slide Zoom 37">
-                <a:extLst>
-                  <a:ext uri="{FF2B5EF4-FFF2-40B4-BE49-F238E27FC236}">
-                    <a16:creationId xmlns:a16="http://schemas.microsoft.com/office/drawing/2014/main" id="{F21FE22B-FFE7-B14D-3760-41B8FE42B857}"/>
-                  </a:ext>
-                </a:extLst>
-              </p:cNvPr>
-              <p:cNvGraphicFramePr>
-                <a:graphicFrameLocks noChangeAspect="1"/>
-              </p:cNvGraphicFramePr>
-              <p:nvPr>
-                <p:extLst>
-                  <p:ext uri="{D42A27DB-BD31-4B8C-83A1-F6EECF244321}">
-                    <p14:modId xmlns:p14="http://schemas.microsoft.com/office/powerpoint/2010/main" val="2319324259"/>
-                  </p:ext>
-                </p:extLst>
-              </p:nvPr>
-            </p:nvGraphicFramePr>
-            <p:xfrm>
-              <a:off x="4680000" y="1080000"/>
-              <a:ext cx="2880000" cy="2880000"/>
-            </p:xfrm>
-            <a:graphic>
-              <a:graphicData uri="http://schemas.microsoft.com/office/powerpoint/2016/slidezoom">
-                <pslz:sldZm>
-                  <pslz:sldZmObj sldId="257" cId="44207352">
-                    <pslz:zmPr id="{F065D511-42F3-7841-A7DA-E4E064121050}" returnToParent="0" transitionDur="1000" showBg="0">
-                      <p166:blipFill xmlns:p166="http://schemas.microsoft.com/office/powerpoint/2016/6/main">
-                        <a:blip r:embed="rId14"/>
-                        <a:stretch>
-                          <a:fillRect/>
-                        </a:stretch>
-                      </p166:blipFill>
-                      <p166:spPr xmlns:p166="http://schemas.microsoft.com/office/powerpoint/2016/6/main">
-                        <a:xfrm>
-                          <a:off x="0" y="0"/>
-                          <a:ext cx="2880000" cy="2880000"/>
-                        </a:xfrm>
-                        <a:prstGeom prst="rect">
-                          <a:avLst/>
-                        </a:prstGeom>
-                      </p166:spPr>
-                    </pslz:zmPr>
-                  </pslz:sldZmObj>
-                </pslz:sldZm>
-              </a:graphicData>
-            </a:graphic>
-          </p:graphicFrame>
-        </mc:Choice>
-        <mc:Fallback>
-          <p:pic>
-            <p:nvPicPr>
-              <p:cNvPr id="38" name="Slide Zoom 37">
-                <a:hlinkClick r:id="rId3" action="ppaction://hlinksldjump"/>
-                <a:extLst>
-                  <a:ext uri="{FF2B5EF4-FFF2-40B4-BE49-F238E27FC236}">
-                    <a16:creationId xmlns:a16="http://schemas.microsoft.com/office/drawing/2014/main" id="{F21FE22B-FFE7-B14D-3760-41B8FE42B857}"/>
+                    <a16:creationId xmlns:a16="http://schemas.microsoft.com/office/drawing/2014/main" id="{465E1242-651A-B299-163F-8F0197C3F2E9}"/>
                   </a:ext>
                 </a:extLst>
               </p:cNvPr>
@@ -4005,7 +3483,7 @@
             </p:blipFill>
             <p:spPr>
               <a:xfrm>
-                <a:off x="4680000" y="1080000"/>
+                <a:off x="5220000" y="4320000"/>
                 <a:ext cx="2880000" cy="2880000"/>
               </a:xfrm>
               <a:prstGeom prst="rect">
@@ -4015,14 +3493,14 @@
           </p:pic>
         </mc:Fallback>
       </mc:AlternateContent>
-      <mc:AlternateContent xmlns:mc="http://schemas.openxmlformats.org/markup-compatibility/2006">
-        <mc:Choice xmlns:pslz="http://schemas.microsoft.com/office/powerpoint/2016/slidezoom" Requires="pslz">
+      <mc:AlternateContent xmlns:mc="http://schemas.openxmlformats.org/markup-compatibility/2006" xmlns:pslz="http://schemas.microsoft.com/office/powerpoint/2016/slidezoom">
+        <mc:Choice Requires="pslz">
           <p:graphicFrame>
             <p:nvGraphicFramePr>
-              <p:cNvPr id="39" name="Slide Zoom 38">
+              <p:cNvPr id="25" name="Slide Zoom 24">
                 <a:extLst>
                   <a:ext uri="{FF2B5EF4-FFF2-40B4-BE49-F238E27FC236}">
-                    <a16:creationId xmlns:a16="http://schemas.microsoft.com/office/drawing/2014/main" id="{8AE3B60F-60F6-28B6-FD3C-485F9D0370AF}"/>
+                    <a16:creationId xmlns:a16="http://schemas.microsoft.com/office/drawing/2014/main" id="{01C77A70-DFD9-CAC8-9910-99947AC8C31D}"/>
                   </a:ext>
                 </a:extLst>
               </p:cNvPr>
@@ -4032,13 +3510,13 @@
               <p:nvPr>
                 <p:extLst>
                   <p:ext uri="{D42A27DB-BD31-4B8C-83A1-F6EECF244321}">
-                    <p14:modId xmlns:p14="http://schemas.microsoft.com/office/powerpoint/2010/main" val="2813621014"/>
+                    <p14:modId xmlns:p14="http://schemas.microsoft.com/office/powerpoint/2010/main" val="3189102033"/>
                   </p:ext>
                 </p:extLst>
               </p:nvPr>
             </p:nvGraphicFramePr>
             <p:xfrm>
-              <a:off x="360000" y="5040000"/>
+              <a:off x="5220000" y="2520000"/>
               <a:ext cx="2880000" cy="2880000"/>
             </p:xfrm>
             <a:graphic>
@@ -4068,101 +3546,14 @@
             </a:graphic>
           </p:graphicFrame>
         </mc:Choice>
-        <mc:Fallback>
+        <mc:Fallback xmlns="">
           <p:pic>
             <p:nvPicPr>
-              <p:cNvPr id="39" name="Slide Zoom 38">
+              <p:cNvPr id="25" name="Slide Zoom 24">
                 <a:hlinkClick r:id="rId3" action="ppaction://hlinksldjump"/>
                 <a:extLst>
                   <a:ext uri="{FF2B5EF4-FFF2-40B4-BE49-F238E27FC236}">
-                    <a16:creationId xmlns:a16="http://schemas.microsoft.com/office/drawing/2014/main" id="{8AE3B60F-60F6-28B6-FD3C-485F9D0370AF}"/>
-                  </a:ext>
-                </a:extLst>
-              </p:cNvPr>
-              <p:cNvPicPr>
-                <a:picLocks noGrp="1" noRot="1" noChangeAspect="1" noMove="1" noResize="1" noEditPoints="1" noAdjustHandles="1" noChangeArrowheads="1" noChangeShapeType="1"/>
-              </p:cNvPicPr>
-              <p:nvPr/>
-            </p:nvPicPr>
-            <p:blipFill>
-              <a:blip r:embed="rId15"/>
-              <a:stretch>
-                <a:fillRect/>
-              </a:stretch>
-            </p:blipFill>
-            <p:spPr>
-              <a:xfrm>
-                <a:off x="360000" y="5040000"/>
-                <a:ext cx="2880000" cy="2880000"/>
-              </a:xfrm>
-              <a:prstGeom prst="rect">
-                <a:avLst/>
-              </a:prstGeom>
-            </p:spPr>
-          </p:pic>
-        </mc:Fallback>
-      </mc:AlternateContent>
-      <mc:AlternateContent xmlns:mc="http://schemas.openxmlformats.org/markup-compatibility/2006">
-        <mc:Choice xmlns:pslz="http://schemas.microsoft.com/office/powerpoint/2016/slidezoom" Requires="pslz">
-          <p:graphicFrame>
-            <p:nvGraphicFramePr>
-              <p:cNvPr id="40" name="Slide Zoom 39">
-                <a:extLst>
-                  <a:ext uri="{FF2B5EF4-FFF2-40B4-BE49-F238E27FC236}">
-                    <a16:creationId xmlns:a16="http://schemas.microsoft.com/office/drawing/2014/main" id="{B10B6FCA-9B41-3FF5-9333-21644ECEFB84}"/>
-                  </a:ext>
-                </a:extLst>
-              </p:cNvPr>
-              <p:cNvGraphicFramePr>
-                <a:graphicFrameLocks noChangeAspect="1"/>
-              </p:cNvGraphicFramePr>
-              <p:nvPr>
-                <p:extLst>
-                  <p:ext uri="{D42A27DB-BD31-4B8C-83A1-F6EECF244321}">
-                    <p14:modId xmlns:p14="http://schemas.microsoft.com/office/powerpoint/2010/main" val="26323565"/>
-                  </p:ext>
-                </p:extLst>
-              </p:nvPr>
-            </p:nvGraphicFramePr>
-            <p:xfrm>
-              <a:off x="2160000" y="5040000"/>
-              <a:ext cx="2880000" cy="2880000"/>
-            </p:xfrm>
-            <a:graphic>
-              <a:graphicData uri="http://schemas.microsoft.com/office/powerpoint/2016/slidezoom">
-                <pslz:sldZm>
-                  <pslz:sldZmObj sldId="257" cId="44207352">
-                    <pslz:zmPr id="{F065D511-42F3-7841-A7DA-E4E064121050}" returnToParent="0" transitionDur="1000" showBg="0">
-                      <p166:blipFill xmlns:p166="http://schemas.microsoft.com/office/powerpoint/2016/6/main">
-                        <a:blip r:embed="rId16"/>
-                        <a:stretch>
-                          <a:fillRect/>
-                        </a:stretch>
-                      </p166:blipFill>
-                      <p166:spPr xmlns:p166="http://schemas.microsoft.com/office/powerpoint/2016/6/main">
-                        <a:xfrm>
-                          <a:off x="0" y="0"/>
-                          <a:ext cx="2880000" cy="2880000"/>
-                        </a:xfrm>
-                        <a:prstGeom prst="rect">
-                          <a:avLst/>
-                        </a:prstGeom>
-                      </p166:spPr>
-                    </pslz:zmPr>
-                  </pslz:sldZmObj>
-                </pslz:sldZm>
-              </a:graphicData>
-            </a:graphic>
-          </p:graphicFrame>
-        </mc:Choice>
-        <mc:Fallback>
-          <p:pic>
-            <p:nvPicPr>
-              <p:cNvPr id="40" name="Slide Zoom 39">
-                <a:hlinkClick r:id="rId3" action="ppaction://hlinksldjump"/>
-                <a:extLst>
-                  <a:ext uri="{FF2B5EF4-FFF2-40B4-BE49-F238E27FC236}">
-                    <a16:creationId xmlns:a16="http://schemas.microsoft.com/office/drawing/2014/main" id="{B10B6FCA-9B41-3FF5-9333-21644ECEFB84}"/>
+                    <a16:creationId xmlns:a16="http://schemas.microsoft.com/office/drawing/2014/main" id="{01C77A70-DFD9-CAC8-9910-99947AC8C31D}"/>
                   </a:ext>
                 </a:extLst>
               </p:cNvPr>
@@ -4179,7 +3570,7 @@
             </p:blipFill>
             <p:spPr>
               <a:xfrm>
-                <a:off x="2160000" y="5040000"/>
+                <a:off x="5220000" y="2520000"/>
                 <a:ext cx="2880000" cy="2880000"/>
               </a:xfrm>
               <a:prstGeom prst="rect">
@@ -4189,14 +3580,14 @@
           </p:pic>
         </mc:Fallback>
       </mc:AlternateContent>
-      <mc:AlternateContent xmlns:mc="http://schemas.openxmlformats.org/markup-compatibility/2006">
-        <mc:Choice xmlns:pslz="http://schemas.microsoft.com/office/powerpoint/2016/slidezoom" Requires="pslz">
+      <mc:AlternateContent xmlns:mc="http://schemas.openxmlformats.org/markup-compatibility/2006" xmlns:pslz="http://schemas.microsoft.com/office/powerpoint/2016/slidezoom">
+        <mc:Choice Requires="pslz">
           <p:graphicFrame>
             <p:nvGraphicFramePr>
-              <p:cNvPr id="41" name="Slide Zoom 40">
+              <p:cNvPr id="26" name="Slide Zoom 25">
                 <a:extLst>
                   <a:ext uri="{FF2B5EF4-FFF2-40B4-BE49-F238E27FC236}">
-                    <a16:creationId xmlns:a16="http://schemas.microsoft.com/office/drawing/2014/main" id="{0F748BC1-D00D-1EFE-525A-644E135C513D}"/>
+                    <a16:creationId xmlns:a16="http://schemas.microsoft.com/office/drawing/2014/main" id="{EEADBE6E-628C-28D5-13D3-B234621376BE}"/>
                   </a:ext>
                 </a:extLst>
               </p:cNvPr>
@@ -4206,13 +3597,13 @@
               <p:nvPr>
                 <p:extLst>
                   <p:ext uri="{D42A27DB-BD31-4B8C-83A1-F6EECF244321}">
-                    <p14:modId xmlns:p14="http://schemas.microsoft.com/office/powerpoint/2010/main" val="1447825198"/>
+                    <p14:modId xmlns:p14="http://schemas.microsoft.com/office/powerpoint/2010/main" val="571643798"/>
                   </p:ext>
                 </p:extLst>
               </p:nvPr>
             </p:nvGraphicFramePr>
             <p:xfrm>
-              <a:off x="3960000" y="5040000"/>
+              <a:off x="5220000" y="720000"/>
               <a:ext cx="2880000" cy="2880000"/>
             </p:xfrm>
             <a:graphic>
@@ -4242,101 +3633,14 @@
             </a:graphic>
           </p:graphicFrame>
         </mc:Choice>
-        <mc:Fallback>
+        <mc:Fallback xmlns="">
           <p:pic>
             <p:nvPicPr>
-              <p:cNvPr id="41" name="Slide Zoom 40">
+              <p:cNvPr id="26" name="Slide Zoom 25">
                 <a:hlinkClick r:id="rId3" action="ppaction://hlinksldjump"/>
                 <a:extLst>
                   <a:ext uri="{FF2B5EF4-FFF2-40B4-BE49-F238E27FC236}">
-                    <a16:creationId xmlns:a16="http://schemas.microsoft.com/office/drawing/2014/main" id="{0F748BC1-D00D-1EFE-525A-644E135C513D}"/>
-                  </a:ext>
-                </a:extLst>
-              </p:cNvPr>
-              <p:cNvPicPr>
-                <a:picLocks noGrp="1" noRot="1" noChangeAspect="1" noMove="1" noResize="1" noEditPoints="1" noAdjustHandles="1" noChangeArrowheads="1" noChangeShapeType="1"/>
-              </p:cNvPicPr>
-              <p:nvPr/>
-            </p:nvPicPr>
-            <p:blipFill>
-              <a:blip r:embed="rId17"/>
-              <a:stretch>
-                <a:fillRect/>
-              </a:stretch>
-            </p:blipFill>
-            <p:spPr>
-              <a:xfrm>
-                <a:off x="3960000" y="5040000"/>
-                <a:ext cx="2880000" cy="2880000"/>
-              </a:xfrm>
-              <a:prstGeom prst="rect">
-                <a:avLst/>
-              </a:prstGeom>
-            </p:spPr>
-          </p:pic>
-        </mc:Fallback>
-      </mc:AlternateContent>
-      <mc:AlternateContent xmlns:mc="http://schemas.openxmlformats.org/markup-compatibility/2006">
-        <mc:Choice xmlns:pslz="http://schemas.microsoft.com/office/powerpoint/2016/slidezoom" Requires="pslz">
-          <p:graphicFrame>
-            <p:nvGraphicFramePr>
-              <p:cNvPr id="42" name="Slide Zoom 41">
-                <a:extLst>
-                  <a:ext uri="{FF2B5EF4-FFF2-40B4-BE49-F238E27FC236}">
-                    <a16:creationId xmlns:a16="http://schemas.microsoft.com/office/drawing/2014/main" id="{B06DDA10-F829-27E3-EE19-D0055CCD464A}"/>
-                  </a:ext>
-                </a:extLst>
-              </p:cNvPr>
-              <p:cNvGraphicFramePr>
-                <a:graphicFrameLocks noChangeAspect="1"/>
-              </p:cNvGraphicFramePr>
-              <p:nvPr>
-                <p:extLst>
-                  <p:ext uri="{D42A27DB-BD31-4B8C-83A1-F6EECF244321}">
-                    <p14:modId xmlns:p14="http://schemas.microsoft.com/office/powerpoint/2010/main" val="778061734"/>
-                  </p:ext>
-                </p:extLst>
-              </p:nvPr>
-            </p:nvGraphicFramePr>
-            <p:xfrm>
-              <a:off x="360000" y="3240000"/>
-              <a:ext cx="2880000" cy="2880000"/>
-            </p:xfrm>
-            <a:graphic>
-              <a:graphicData uri="http://schemas.microsoft.com/office/powerpoint/2016/slidezoom">
-                <pslz:sldZm>
-                  <pslz:sldZmObj sldId="257" cId="44207352">
-                    <pslz:zmPr id="{F065D511-42F3-7841-A7DA-E4E064121050}" returnToParent="0" transitionDur="1000" showBg="0">
-                      <p166:blipFill xmlns:p166="http://schemas.microsoft.com/office/powerpoint/2016/6/main">
-                        <a:blip r:embed="rId18"/>
-                        <a:stretch>
-                          <a:fillRect/>
-                        </a:stretch>
-                      </p166:blipFill>
-                      <p166:spPr xmlns:p166="http://schemas.microsoft.com/office/powerpoint/2016/6/main">
-                        <a:xfrm>
-                          <a:off x="0" y="0"/>
-                          <a:ext cx="2880000" cy="2880000"/>
-                        </a:xfrm>
-                        <a:prstGeom prst="rect">
-                          <a:avLst/>
-                        </a:prstGeom>
-                      </p166:spPr>
-                    </pslz:zmPr>
-                  </pslz:sldZmObj>
-                </pslz:sldZm>
-              </a:graphicData>
-            </a:graphic>
-          </p:graphicFrame>
-        </mc:Choice>
-        <mc:Fallback>
-          <p:pic>
-            <p:nvPicPr>
-              <p:cNvPr id="42" name="Slide Zoom 41">
-                <a:hlinkClick r:id="rId3" action="ppaction://hlinksldjump"/>
-                <a:extLst>
-                  <a:ext uri="{FF2B5EF4-FFF2-40B4-BE49-F238E27FC236}">
-                    <a16:creationId xmlns:a16="http://schemas.microsoft.com/office/drawing/2014/main" id="{B06DDA10-F829-27E3-EE19-D0055CCD464A}"/>
+                    <a16:creationId xmlns:a16="http://schemas.microsoft.com/office/drawing/2014/main" id="{EEADBE6E-628C-28D5-13D3-B234621376BE}"/>
                   </a:ext>
                 </a:extLst>
               </p:cNvPr>
@@ -4353,7 +3657,7 @@
             </p:blipFill>
             <p:spPr>
               <a:xfrm>
-                <a:off x="360000" y="3240000"/>
+                <a:off x="5220000" y="720000"/>
                 <a:ext cx="2880000" cy="2880000"/>
               </a:xfrm>
               <a:prstGeom prst="rect">
@@ -4363,14 +3667,14 @@
           </p:pic>
         </mc:Fallback>
       </mc:AlternateContent>
-      <mc:AlternateContent xmlns:mc="http://schemas.openxmlformats.org/markup-compatibility/2006">
-        <mc:Choice xmlns:pslz="http://schemas.microsoft.com/office/powerpoint/2016/slidezoom" Requires="pslz">
+      <mc:AlternateContent xmlns:mc="http://schemas.openxmlformats.org/markup-compatibility/2006" xmlns:pslz="http://schemas.microsoft.com/office/powerpoint/2016/slidezoom">
+        <mc:Choice Requires="pslz">
           <p:graphicFrame>
             <p:nvGraphicFramePr>
-              <p:cNvPr id="52" name="Slide Zoom 51">
+              <p:cNvPr id="3" name="Slide Zoom 2">
                 <a:extLst>
                   <a:ext uri="{FF2B5EF4-FFF2-40B4-BE49-F238E27FC236}">
-                    <a16:creationId xmlns:a16="http://schemas.microsoft.com/office/drawing/2014/main" id="{2A9EC11B-42B3-5458-8AC9-9D00F1C3596D}"/>
+                    <a16:creationId xmlns:a16="http://schemas.microsoft.com/office/drawing/2014/main" id="{B45CEBB3-FF70-4CE6-4607-7D5199826036}"/>
                   </a:ext>
                 </a:extLst>
               </p:cNvPr>
@@ -4380,13 +3684,13 @@
               <p:nvPr>
                 <p:extLst>
                   <p:ext uri="{D42A27DB-BD31-4B8C-83A1-F6EECF244321}">
-                    <p14:modId xmlns:p14="http://schemas.microsoft.com/office/powerpoint/2010/main" val="3147252508"/>
+                    <p14:modId xmlns:p14="http://schemas.microsoft.com/office/powerpoint/2010/main" val="807342934"/>
                   </p:ext>
                 </p:extLst>
               </p:nvPr>
             </p:nvGraphicFramePr>
             <p:xfrm>
-              <a:off x="3960000" y="3240000"/>
+              <a:off x="1080000" y="4680000"/>
               <a:ext cx="2880000" cy="2880000"/>
             </p:xfrm>
             <a:graphic>
@@ -4416,101 +3720,14 @@
             </a:graphic>
           </p:graphicFrame>
         </mc:Choice>
-        <mc:Fallback>
+        <mc:Fallback xmlns="">
           <p:pic>
             <p:nvPicPr>
-              <p:cNvPr id="52" name="Slide Zoom 51">
+              <p:cNvPr id="3" name="Slide Zoom 2">
                 <a:hlinkClick r:id="rId3" action="ppaction://hlinksldjump"/>
                 <a:extLst>
                   <a:ext uri="{FF2B5EF4-FFF2-40B4-BE49-F238E27FC236}">
-                    <a16:creationId xmlns:a16="http://schemas.microsoft.com/office/drawing/2014/main" id="{2A9EC11B-42B3-5458-8AC9-9D00F1C3596D}"/>
-                  </a:ext>
-                </a:extLst>
-              </p:cNvPr>
-              <p:cNvPicPr>
-                <a:picLocks noGrp="1" noRot="1" noChangeAspect="1" noMove="1" noResize="1" noEditPoints="1" noAdjustHandles="1" noChangeArrowheads="1" noChangeShapeType="1"/>
-              </p:cNvPicPr>
-              <p:nvPr/>
-            </p:nvPicPr>
-            <p:blipFill>
-              <a:blip r:embed="rId19"/>
-              <a:stretch>
-                <a:fillRect/>
-              </a:stretch>
-            </p:blipFill>
-            <p:spPr>
-              <a:xfrm>
-                <a:off x="3960000" y="3240000"/>
-                <a:ext cx="2880000" cy="2880000"/>
-              </a:xfrm>
-              <a:prstGeom prst="rect">
-                <a:avLst/>
-              </a:prstGeom>
-            </p:spPr>
-          </p:pic>
-        </mc:Fallback>
-      </mc:AlternateContent>
-      <mc:AlternateContent xmlns:mc="http://schemas.openxmlformats.org/markup-compatibility/2006">
-        <mc:Choice xmlns:pslz="http://schemas.microsoft.com/office/powerpoint/2016/slidezoom" Requires="pslz">
-          <p:graphicFrame>
-            <p:nvGraphicFramePr>
-              <p:cNvPr id="59" name="Slide Zoom 58">
-                <a:extLst>
-                  <a:ext uri="{FF2B5EF4-FFF2-40B4-BE49-F238E27FC236}">
-                    <a16:creationId xmlns:a16="http://schemas.microsoft.com/office/drawing/2014/main" id="{0DCF2BE6-28EF-16D8-438A-F897A62E066F}"/>
-                  </a:ext>
-                </a:extLst>
-              </p:cNvPr>
-              <p:cNvGraphicFramePr>
-                <a:graphicFrameLocks noChangeAspect="1"/>
-              </p:cNvGraphicFramePr>
-              <p:nvPr>
-                <p:extLst>
-                  <p:ext uri="{D42A27DB-BD31-4B8C-83A1-F6EECF244321}">
-                    <p14:modId xmlns:p14="http://schemas.microsoft.com/office/powerpoint/2010/main" val="1906880243"/>
-                  </p:ext>
-                </p:extLst>
-              </p:nvPr>
-            </p:nvGraphicFramePr>
-            <p:xfrm>
-              <a:off x="360000" y="1440000"/>
-              <a:ext cx="2880000" cy="2880000"/>
-            </p:xfrm>
-            <a:graphic>
-              <a:graphicData uri="http://schemas.microsoft.com/office/powerpoint/2016/slidezoom">
-                <pslz:sldZm>
-                  <pslz:sldZmObj sldId="257" cId="44207352">
-                    <pslz:zmPr id="{F065D511-42F3-7841-A7DA-E4E064121050}" returnToParent="0" transitionDur="1000" showBg="0">
-                      <p166:blipFill xmlns:p166="http://schemas.microsoft.com/office/powerpoint/2016/6/main">
-                        <a:blip r:embed="rId20"/>
-                        <a:stretch>
-                          <a:fillRect/>
-                        </a:stretch>
-                      </p166:blipFill>
-                      <p166:spPr xmlns:p166="http://schemas.microsoft.com/office/powerpoint/2016/6/main">
-                        <a:xfrm>
-                          <a:off x="0" y="0"/>
-                          <a:ext cx="2880000" cy="2880000"/>
-                        </a:xfrm>
-                        <a:prstGeom prst="rect">
-                          <a:avLst/>
-                        </a:prstGeom>
-                      </p166:spPr>
-                    </pslz:zmPr>
-                  </pslz:sldZmObj>
-                </pslz:sldZm>
-              </a:graphicData>
-            </a:graphic>
-          </p:graphicFrame>
-        </mc:Choice>
-        <mc:Fallback>
-          <p:pic>
-            <p:nvPicPr>
-              <p:cNvPr id="59" name="Slide Zoom 58">
-                <a:hlinkClick r:id="rId3" action="ppaction://hlinksldjump"/>
-                <a:extLst>
-                  <a:ext uri="{FF2B5EF4-FFF2-40B4-BE49-F238E27FC236}">
-                    <a16:creationId xmlns:a16="http://schemas.microsoft.com/office/drawing/2014/main" id="{0DCF2BE6-28EF-16D8-438A-F897A62E066F}"/>
+                    <a16:creationId xmlns:a16="http://schemas.microsoft.com/office/drawing/2014/main" id="{B45CEBB3-FF70-4CE6-4607-7D5199826036}"/>
                   </a:ext>
                 </a:extLst>
               </p:cNvPr>
@@ -4527,7 +3744,7 @@
             </p:blipFill>
             <p:spPr>
               <a:xfrm>
-                <a:off x="360000" y="1440000"/>
+                <a:off x="1080000" y="4680000"/>
                 <a:ext cx="2880000" cy="2880000"/>
               </a:xfrm>
               <a:prstGeom prst="rect">
@@ -4537,14 +3754,14 @@
           </p:pic>
         </mc:Fallback>
       </mc:AlternateContent>
-      <mc:AlternateContent xmlns:mc="http://schemas.openxmlformats.org/markup-compatibility/2006">
-        <mc:Choice xmlns:pslz="http://schemas.microsoft.com/office/powerpoint/2016/slidezoom" Requires="pslz">
+      <mc:AlternateContent xmlns:mc="http://schemas.openxmlformats.org/markup-compatibility/2006" xmlns:pslz="http://schemas.microsoft.com/office/powerpoint/2016/slidezoom">
+        <mc:Choice Requires="pslz">
           <p:graphicFrame>
             <p:nvGraphicFramePr>
-              <p:cNvPr id="60" name="Slide Zoom 59">
+              <p:cNvPr id="4" name="Slide Zoom 3">
                 <a:extLst>
                   <a:ext uri="{FF2B5EF4-FFF2-40B4-BE49-F238E27FC236}">
-                    <a16:creationId xmlns:a16="http://schemas.microsoft.com/office/drawing/2014/main" id="{7DC59AC1-1A53-1141-D970-4FCC64C9B6B7}"/>
+                    <a16:creationId xmlns:a16="http://schemas.microsoft.com/office/drawing/2014/main" id="{402055D8-8283-566F-935A-8A7D8A8D704C}"/>
                   </a:ext>
                 </a:extLst>
               </p:cNvPr>
@@ -4554,13 +3771,13 @@
               <p:nvPr>
                 <p:extLst>
                   <p:ext uri="{D42A27DB-BD31-4B8C-83A1-F6EECF244321}">
-                    <p14:modId xmlns:p14="http://schemas.microsoft.com/office/powerpoint/2010/main" val="1221132979"/>
+                    <p14:modId xmlns:p14="http://schemas.microsoft.com/office/powerpoint/2010/main" val="551190756"/>
                   </p:ext>
                 </p:extLst>
               </p:nvPr>
             </p:nvGraphicFramePr>
             <p:xfrm>
-              <a:off x="2160000" y="1440000"/>
+              <a:off x="4680000" y="4680000"/>
               <a:ext cx="2880000" cy="2880000"/>
             </p:xfrm>
             <a:graphic>
@@ -4590,14 +3807,14 @@
             </a:graphic>
           </p:graphicFrame>
         </mc:Choice>
-        <mc:Fallback>
+        <mc:Fallback xmlns="">
           <p:pic>
             <p:nvPicPr>
-              <p:cNvPr id="60" name="Slide Zoom 59">
+              <p:cNvPr id="4" name="Slide Zoom 3">
                 <a:hlinkClick r:id="rId3" action="ppaction://hlinksldjump"/>
                 <a:extLst>
                   <a:ext uri="{FF2B5EF4-FFF2-40B4-BE49-F238E27FC236}">
-                    <a16:creationId xmlns:a16="http://schemas.microsoft.com/office/drawing/2014/main" id="{7DC59AC1-1A53-1141-D970-4FCC64C9B6B7}"/>
+                    <a16:creationId xmlns:a16="http://schemas.microsoft.com/office/drawing/2014/main" id="{402055D8-8283-566F-935A-8A7D8A8D704C}"/>
                   </a:ext>
                 </a:extLst>
               </p:cNvPr>
@@ -4607,14 +3824,14 @@
               <p:nvPr/>
             </p:nvPicPr>
             <p:blipFill>
-              <a:blip r:embed="rId21"/>
+              <a:blip r:embed="rId22"/>
               <a:stretch>
                 <a:fillRect/>
               </a:stretch>
             </p:blipFill>
             <p:spPr>
               <a:xfrm>
-                <a:off x="2160000" y="1440000"/>
+                <a:off x="4680000" y="4680000"/>
                 <a:ext cx="2880000" cy="2880000"/>
               </a:xfrm>
               <a:prstGeom prst="rect">
@@ -4624,14 +3841,14 @@
           </p:pic>
         </mc:Fallback>
       </mc:AlternateContent>
-      <mc:AlternateContent xmlns:mc="http://schemas.openxmlformats.org/markup-compatibility/2006">
-        <mc:Choice xmlns:pslz="http://schemas.microsoft.com/office/powerpoint/2016/slidezoom" Requires="pslz">
+      <mc:AlternateContent xmlns:mc="http://schemas.openxmlformats.org/markup-compatibility/2006" xmlns:pslz="http://schemas.microsoft.com/office/powerpoint/2016/slidezoom">
+        <mc:Choice Requires="pslz">
           <p:graphicFrame>
             <p:nvGraphicFramePr>
-              <p:cNvPr id="61" name="Slide Zoom 60">
+              <p:cNvPr id="5" name="Slide Zoom 4">
                 <a:extLst>
                   <a:ext uri="{FF2B5EF4-FFF2-40B4-BE49-F238E27FC236}">
-                    <a16:creationId xmlns:a16="http://schemas.microsoft.com/office/drawing/2014/main" id="{5499AE6D-B2B6-3013-665F-62DCF977026C}"/>
+                    <a16:creationId xmlns:a16="http://schemas.microsoft.com/office/drawing/2014/main" id="{0F8567CD-4CB4-32A0-4C68-6C58D741E4CB}"/>
                   </a:ext>
                 </a:extLst>
               </p:cNvPr>
@@ -4641,13 +3858,13 @@
               <p:nvPr>
                 <p:extLst>
                   <p:ext uri="{D42A27DB-BD31-4B8C-83A1-F6EECF244321}">
-                    <p14:modId xmlns:p14="http://schemas.microsoft.com/office/powerpoint/2010/main" val="2754353475"/>
+                    <p14:modId xmlns:p14="http://schemas.microsoft.com/office/powerpoint/2010/main" val="2361175128"/>
                   </p:ext>
                 </p:extLst>
               </p:nvPr>
             </p:nvGraphicFramePr>
             <p:xfrm>
-              <a:off x="3960000" y="1440000"/>
+              <a:off x="1080000" y="1080000"/>
               <a:ext cx="2880000" cy="2880000"/>
             </p:xfrm>
             <a:graphic>
@@ -4656,7 +3873,7 @@
                   <pslz:sldZmObj sldId="257" cId="44207352">
                     <pslz:zmPr id="{F065D511-42F3-7841-A7DA-E4E064121050}" returnToParent="0" transitionDur="1000" showBg="0">
                       <p166:blipFill xmlns:p166="http://schemas.microsoft.com/office/powerpoint/2016/6/main">
-                        <a:blip r:embed="rId22"/>
+                        <a:blip r:embed="rId23"/>
                         <a:stretch>
                           <a:fillRect/>
                         </a:stretch>
@@ -4677,14 +3894,14 @@
             </a:graphic>
           </p:graphicFrame>
         </mc:Choice>
-        <mc:Fallback>
+        <mc:Fallback xmlns="">
           <p:pic>
             <p:nvPicPr>
-              <p:cNvPr id="61" name="Slide Zoom 60">
+              <p:cNvPr id="5" name="Slide Zoom 4">
                 <a:hlinkClick r:id="rId3" action="ppaction://hlinksldjump"/>
                 <a:extLst>
                   <a:ext uri="{FF2B5EF4-FFF2-40B4-BE49-F238E27FC236}">
-                    <a16:creationId xmlns:a16="http://schemas.microsoft.com/office/drawing/2014/main" id="{5499AE6D-B2B6-3013-665F-62DCF977026C}"/>
+                    <a16:creationId xmlns:a16="http://schemas.microsoft.com/office/drawing/2014/main" id="{0F8567CD-4CB4-32A0-4C68-6C58D741E4CB}"/>
                   </a:ext>
                 </a:extLst>
               </p:cNvPr>
@@ -4694,14 +3911,14 @@
               <p:nvPr/>
             </p:nvPicPr>
             <p:blipFill>
-              <a:blip r:embed="rId22"/>
+              <a:blip r:embed="rId24"/>
               <a:stretch>
                 <a:fillRect/>
               </a:stretch>
             </p:blipFill>
             <p:spPr>
               <a:xfrm>
-                <a:off x="3960000" y="1440000"/>
+                <a:off x="1080000" y="1080000"/>
                 <a:ext cx="2880000" cy="2880000"/>
               </a:xfrm>
               <a:prstGeom prst="rect">
@@ -4711,12 +3928,795 @@
           </p:pic>
         </mc:Fallback>
       </mc:AlternateContent>
-      <p:sp>
-        <p:nvSpPr>
-          <p:cNvPr id="28" name="Parallelogram 27">
+      <mc:AlternateContent xmlns:mc="http://schemas.openxmlformats.org/markup-compatibility/2006" xmlns:pslz="http://schemas.microsoft.com/office/powerpoint/2016/slidezoom">
+        <mc:Choice Requires="pslz">
+          <p:graphicFrame>
+            <p:nvGraphicFramePr>
+              <p:cNvPr id="6" name="Slide Zoom 5">
+                <a:extLst>
+                  <a:ext uri="{FF2B5EF4-FFF2-40B4-BE49-F238E27FC236}">
+                    <a16:creationId xmlns:a16="http://schemas.microsoft.com/office/drawing/2014/main" id="{6AB7026E-B3E5-F316-6F98-ECDEBDBE6E77}"/>
+                  </a:ext>
+                </a:extLst>
+              </p:cNvPr>
+              <p:cNvGraphicFramePr>
+                <a:graphicFrameLocks noChangeAspect="1"/>
+              </p:cNvGraphicFramePr>
+              <p:nvPr>
+                <p:extLst>
+                  <p:ext uri="{D42A27DB-BD31-4B8C-83A1-F6EECF244321}">
+                    <p14:modId xmlns:p14="http://schemas.microsoft.com/office/powerpoint/2010/main" val="2259561679"/>
+                  </p:ext>
+                </p:extLst>
+              </p:nvPr>
+            </p:nvGraphicFramePr>
+            <p:xfrm>
+              <a:off x="4680000" y="1080000"/>
+              <a:ext cx="2880000" cy="2880000"/>
+            </p:xfrm>
+            <a:graphic>
+              <a:graphicData uri="http://schemas.microsoft.com/office/powerpoint/2016/slidezoom">
+                <pslz:sldZm>
+                  <pslz:sldZmObj sldId="257" cId="44207352">
+                    <pslz:zmPr id="{F065D511-42F3-7841-A7DA-E4E064121050}" returnToParent="0" transitionDur="1000" showBg="0">
+                      <p166:blipFill xmlns:p166="http://schemas.microsoft.com/office/powerpoint/2016/6/main">
+                        <a:blip r:embed="rId25"/>
+                        <a:stretch>
+                          <a:fillRect/>
+                        </a:stretch>
+                      </p166:blipFill>
+                      <p166:spPr xmlns:p166="http://schemas.microsoft.com/office/powerpoint/2016/6/main">
+                        <a:xfrm>
+                          <a:off x="0" y="0"/>
+                          <a:ext cx="2880000" cy="2880000"/>
+                        </a:xfrm>
+                        <a:prstGeom prst="rect">
+                          <a:avLst/>
+                        </a:prstGeom>
+                      </p166:spPr>
+                    </pslz:zmPr>
+                  </pslz:sldZmObj>
+                </pslz:sldZm>
+              </a:graphicData>
+            </a:graphic>
+          </p:graphicFrame>
+        </mc:Choice>
+        <mc:Fallback xmlns="">
+          <p:pic>
+            <p:nvPicPr>
+              <p:cNvPr id="6" name="Slide Zoom 5">
+                <a:hlinkClick r:id="rId3" action="ppaction://hlinksldjump"/>
+                <a:extLst>
+                  <a:ext uri="{FF2B5EF4-FFF2-40B4-BE49-F238E27FC236}">
+                    <a16:creationId xmlns:a16="http://schemas.microsoft.com/office/drawing/2014/main" id="{6AB7026E-B3E5-F316-6F98-ECDEBDBE6E77}"/>
+                  </a:ext>
+                </a:extLst>
+              </p:cNvPr>
+              <p:cNvPicPr>
+                <a:picLocks noGrp="1" noRot="1" noChangeAspect="1" noMove="1" noResize="1" noEditPoints="1" noAdjustHandles="1" noChangeArrowheads="1" noChangeShapeType="1"/>
+              </p:cNvPicPr>
+              <p:nvPr/>
+            </p:nvPicPr>
+            <p:blipFill>
+              <a:blip r:embed="rId26"/>
+              <a:stretch>
+                <a:fillRect/>
+              </a:stretch>
+            </p:blipFill>
+            <p:spPr>
+              <a:xfrm>
+                <a:off x="4680000" y="1080000"/>
+                <a:ext cx="2880000" cy="2880000"/>
+              </a:xfrm>
+              <a:prstGeom prst="rect">
+                <a:avLst/>
+              </a:prstGeom>
+            </p:spPr>
+          </p:pic>
+        </mc:Fallback>
+      </mc:AlternateContent>
+      <mc:AlternateContent xmlns:mc="http://schemas.openxmlformats.org/markup-compatibility/2006" xmlns:pslz="http://schemas.microsoft.com/office/powerpoint/2016/slidezoom">
+        <mc:Choice Requires="pslz">
+          <p:graphicFrame>
+            <p:nvGraphicFramePr>
+              <p:cNvPr id="7" name="Slide Zoom 6">
+                <a:extLst>
+                  <a:ext uri="{FF2B5EF4-FFF2-40B4-BE49-F238E27FC236}">
+                    <a16:creationId xmlns:a16="http://schemas.microsoft.com/office/drawing/2014/main" id="{265C77E5-FD6D-2255-7FEC-221F8B65E69D}"/>
+                  </a:ext>
+                </a:extLst>
+              </p:cNvPr>
+              <p:cNvGraphicFramePr>
+                <a:graphicFrameLocks noChangeAspect="1"/>
+              </p:cNvGraphicFramePr>
+              <p:nvPr>
+                <p:extLst>
+                  <p:ext uri="{D42A27DB-BD31-4B8C-83A1-F6EECF244321}">
+                    <p14:modId xmlns:p14="http://schemas.microsoft.com/office/powerpoint/2010/main" val="3392883382"/>
+                  </p:ext>
+                </p:extLst>
+              </p:nvPr>
+            </p:nvGraphicFramePr>
+            <p:xfrm>
+              <a:off x="540000" y="5040000"/>
+              <a:ext cx="2880000" cy="2880000"/>
+            </p:xfrm>
+            <a:graphic>
+              <a:graphicData uri="http://schemas.microsoft.com/office/powerpoint/2016/slidezoom">
+                <pslz:sldZm>
+                  <pslz:sldZmObj sldId="257" cId="44207352">
+                    <pslz:zmPr id="{F065D511-42F3-7841-A7DA-E4E064121050}" returnToParent="0" transitionDur="1000" showBg="0">
+                      <p166:blipFill xmlns:p166="http://schemas.microsoft.com/office/powerpoint/2016/6/main">
+                        <a:blip r:embed="rId27"/>
+                        <a:stretch>
+                          <a:fillRect/>
+                        </a:stretch>
+                      </p166:blipFill>
+                      <p166:spPr xmlns:p166="http://schemas.microsoft.com/office/powerpoint/2016/6/main">
+                        <a:xfrm>
+                          <a:off x="0" y="0"/>
+                          <a:ext cx="2880000" cy="2880000"/>
+                        </a:xfrm>
+                        <a:prstGeom prst="rect">
+                          <a:avLst/>
+                        </a:prstGeom>
+                      </p166:spPr>
+                    </pslz:zmPr>
+                  </pslz:sldZmObj>
+                </pslz:sldZm>
+              </a:graphicData>
+            </a:graphic>
+          </p:graphicFrame>
+        </mc:Choice>
+        <mc:Fallback xmlns="">
+          <p:pic>
+            <p:nvPicPr>
+              <p:cNvPr id="7" name="Slide Zoom 6">
+                <a:hlinkClick r:id="rId3" action="ppaction://hlinksldjump"/>
+                <a:extLst>
+                  <a:ext uri="{FF2B5EF4-FFF2-40B4-BE49-F238E27FC236}">
+                    <a16:creationId xmlns:a16="http://schemas.microsoft.com/office/drawing/2014/main" id="{265C77E5-FD6D-2255-7FEC-221F8B65E69D}"/>
+                  </a:ext>
+                </a:extLst>
+              </p:cNvPr>
+              <p:cNvPicPr>
+                <a:picLocks noGrp="1" noRot="1" noChangeAspect="1" noMove="1" noResize="1" noEditPoints="1" noAdjustHandles="1" noChangeArrowheads="1" noChangeShapeType="1"/>
+              </p:cNvPicPr>
+              <p:nvPr/>
+            </p:nvPicPr>
+            <p:blipFill>
+              <a:blip r:embed="rId28"/>
+              <a:stretch>
+                <a:fillRect/>
+              </a:stretch>
+            </p:blipFill>
+            <p:spPr>
+              <a:xfrm>
+                <a:off x="540000" y="5040000"/>
+                <a:ext cx="2880000" cy="2880000"/>
+              </a:xfrm>
+              <a:prstGeom prst="rect">
+                <a:avLst/>
+              </a:prstGeom>
+            </p:spPr>
+          </p:pic>
+        </mc:Fallback>
+      </mc:AlternateContent>
+      <mc:AlternateContent xmlns:mc="http://schemas.openxmlformats.org/markup-compatibility/2006" xmlns:pslz="http://schemas.microsoft.com/office/powerpoint/2016/slidezoom">
+        <mc:Choice Requires="pslz">
+          <p:graphicFrame>
+            <p:nvGraphicFramePr>
+              <p:cNvPr id="8" name="Slide Zoom 7">
+                <a:extLst>
+                  <a:ext uri="{FF2B5EF4-FFF2-40B4-BE49-F238E27FC236}">
+                    <a16:creationId xmlns:a16="http://schemas.microsoft.com/office/drawing/2014/main" id="{56475492-35E4-6E8D-F77D-1BA9F1C2C807}"/>
+                  </a:ext>
+                </a:extLst>
+              </p:cNvPr>
+              <p:cNvGraphicFramePr>
+                <a:graphicFrameLocks noChangeAspect="1"/>
+              </p:cNvGraphicFramePr>
+              <p:nvPr>
+                <p:extLst>
+                  <p:ext uri="{D42A27DB-BD31-4B8C-83A1-F6EECF244321}">
+                    <p14:modId xmlns:p14="http://schemas.microsoft.com/office/powerpoint/2010/main" val="2333648117"/>
+                  </p:ext>
+                </p:extLst>
+              </p:nvPr>
+            </p:nvGraphicFramePr>
+            <p:xfrm>
+              <a:off x="2340000" y="5040000"/>
+              <a:ext cx="2880000" cy="2880000"/>
+            </p:xfrm>
+            <a:graphic>
+              <a:graphicData uri="http://schemas.microsoft.com/office/powerpoint/2016/slidezoom">
+                <pslz:sldZm>
+                  <pslz:sldZmObj sldId="257" cId="44207352">
+                    <pslz:zmPr id="{F065D511-42F3-7841-A7DA-E4E064121050}" returnToParent="0" transitionDur="1000" showBg="0">
+                      <p166:blipFill xmlns:p166="http://schemas.microsoft.com/office/powerpoint/2016/6/main">
+                        <a:blip r:embed="rId29"/>
+                        <a:stretch>
+                          <a:fillRect/>
+                        </a:stretch>
+                      </p166:blipFill>
+                      <p166:spPr xmlns:p166="http://schemas.microsoft.com/office/powerpoint/2016/6/main">
+                        <a:xfrm>
+                          <a:off x="0" y="0"/>
+                          <a:ext cx="2880000" cy="2880000"/>
+                        </a:xfrm>
+                        <a:prstGeom prst="rect">
+                          <a:avLst/>
+                        </a:prstGeom>
+                      </p166:spPr>
+                    </pslz:zmPr>
+                  </pslz:sldZmObj>
+                </pslz:sldZm>
+              </a:graphicData>
+            </a:graphic>
+          </p:graphicFrame>
+        </mc:Choice>
+        <mc:Fallback xmlns="">
+          <p:pic>
+            <p:nvPicPr>
+              <p:cNvPr id="8" name="Slide Zoom 7">
+                <a:hlinkClick r:id="rId3" action="ppaction://hlinksldjump"/>
+                <a:extLst>
+                  <a:ext uri="{FF2B5EF4-FFF2-40B4-BE49-F238E27FC236}">
+                    <a16:creationId xmlns:a16="http://schemas.microsoft.com/office/drawing/2014/main" id="{56475492-35E4-6E8D-F77D-1BA9F1C2C807}"/>
+                  </a:ext>
+                </a:extLst>
+              </p:cNvPr>
+              <p:cNvPicPr>
+                <a:picLocks noGrp="1" noRot="1" noChangeAspect="1" noMove="1" noResize="1" noEditPoints="1" noAdjustHandles="1" noChangeArrowheads="1" noChangeShapeType="1"/>
+              </p:cNvPicPr>
+              <p:nvPr/>
+            </p:nvPicPr>
+            <p:blipFill>
+              <a:blip r:embed="rId30"/>
+              <a:stretch>
+                <a:fillRect/>
+              </a:stretch>
+            </p:blipFill>
+            <p:spPr>
+              <a:xfrm>
+                <a:off x="2340000" y="5040000"/>
+                <a:ext cx="2880000" cy="2880000"/>
+              </a:xfrm>
+              <a:prstGeom prst="rect">
+                <a:avLst/>
+              </a:prstGeom>
+            </p:spPr>
+          </p:pic>
+        </mc:Fallback>
+      </mc:AlternateContent>
+      <mc:AlternateContent xmlns:mc="http://schemas.openxmlformats.org/markup-compatibility/2006" xmlns:pslz="http://schemas.microsoft.com/office/powerpoint/2016/slidezoom">
+        <mc:Choice Requires="pslz">
+          <p:graphicFrame>
+            <p:nvGraphicFramePr>
+              <p:cNvPr id="9" name="Slide Zoom 8">
+                <a:extLst>
+                  <a:ext uri="{FF2B5EF4-FFF2-40B4-BE49-F238E27FC236}">
+                    <a16:creationId xmlns:a16="http://schemas.microsoft.com/office/drawing/2014/main" id="{B05E7107-9704-F752-3484-73B2DD047A3E}"/>
+                  </a:ext>
+                </a:extLst>
+              </p:cNvPr>
+              <p:cNvGraphicFramePr>
+                <a:graphicFrameLocks noChangeAspect="1"/>
+              </p:cNvGraphicFramePr>
+              <p:nvPr>
+                <p:extLst>
+                  <p:ext uri="{D42A27DB-BD31-4B8C-83A1-F6EECF244321}">
+                    <p14:modId xmlns:p14="http://schemas.microsoft.com/office/powerpoint/2010/main" val="1976177170"/>
+                  </p:ext>
+                </p:extLst>
+              </p:nvPr>
+            </p:nvGraphicFramePr>
+            <p:xfrm>
+              <a:off x="4140000" y="5040000"/>
+              <a:ext cx="2880000" cy="2880000"/>
+            </p:xfrm>
+            <a:graphic>
+              <a:graphicData uri="http://schemas.microsoft.com/office/powerpoint/2016/slidezoom">
+                <pslz:sldZm>
+                  <pslz:sldZmObj sldId="257" cId="44207352">
+                    <pslz:zmPr id="{F065D511-42F3-7841-A7DA-E4E064121050}" returnToParent="0" transitionDur="1000" showBg="0">
+                      <p166:blipFill xmlns:p166="http://schemas.microsoft.com/office/powerpoint/2016/6/main">
+                        <a:blip r:embed="rId31"/>
+                        <a:stretch>
+                          <a:fillRect/>
+                        </a:stretch>
+                      </p166:blipFill>
+                      <p166:spPr xmlns:p166="http://schemas.microsoft.com/office/powerpoint/2016/6/main">
+                        <a:xfrm>
+                          <a:off x="0" y="0"/>
+                          <a:ext cx="2880000" cy="2880000"/>
+                        </a:xfrm>
+                        <a:prstGeom prst="rect">
+                          <a:avLst/>
+                        </a:prstGeom>
+                      </p166:spPr>
+                    </pslz:zmPr>
+                  </pslz:sldZmObj>
+                </pslz:sldZm>
+              </a:graphicData>
+            </a:graphic>
+          </p:graphicFrame>
+        </mc:Choice>
+        <mc:Fallback xmlns="">
+          <p:pic>
+            <p:nvPicPr>
+              <p:cNvPr id="9" name="Slide Zoom 8">
+                <a:hlinkClick r:id="rId3" action="ppaction://hlinksldjump"/>
+                <a:extLst>
+                  <a:ext uri="{FF2B5EF4-FFF2-40B4-BE49-F238E27FC236}">
+                    <a16:creationId xmlns:a16="http://schemas.microsoft.com/office/drawing/2014/main" id="{B05E7107-9704-F752-3484-73B2DD047A3E}"/>
+                  </a:ext>
+                </a:extLst>
+              </p:cNvPr>
+              <p:cNvPicPr>
+                <a:picLocks noGrp="1" noRot="1" noChangeAspect="1" noMove="1" noResize="1" noEditPoints="1" noAdjustHandles="1" noChangeArrowheads="1" noChangeShapeType="1"/>
+              </p:cNvPicPr>
+              <p:nvPr/>
+            </p:nvPicPr>
+            <p:blipFill>
+              <a:blip r:embed="rId32"/>
+              <a:stretch>
+                <a:fillRect/>
+              </a:stretch>
+            </p:blipFill>
+            <p:spPr>
+              <a:xfrm>
+                <a:off x="4140000" y="5040000"/>
+                <a:ext cx="2880000" cy="2880000"/>
+              </a:xfrm>
+              <a:prstGeom prst="rect">
+                <a:avLst/>
+              </a:prstGeom>
+            </p:spPr>
+          </p:pic>
+        </mc:Fallback>
+      </mc:AlternateContent>
+      <mc:AlternateContent xmlns:mc="http://schemas.openxmlformats.org/markup-compatibility/2006" xmlns:pslz="http://schemas.microsoft.com/office/powerpoint/2016/slidezoom">
+        <mc:Choice Requires="pslz">
+          <p:graphicFrame>
+            <p:nvGraphicFramePr>
+              <p:cNvPr id="10" name="Slide Zoom 9">
+                <a:extLst>
+                  <a:ext uri="{FF2B5EF4-FFF2-40B4-BE49-F238E27FC236}">
+                    <a16:creationId xmlns:a16="http://schemas.microsoft.com/office/drawing/2014/main" id="{73396E49-0131-401C-5D94-D29B7A2857FF}"/>
+                  </a:ext>
+                </a:extLst>
+              </p:cNvPr>
+              <p:cNvGraphicFramePr>
+                <a:graphicFrameLocks noChangeAspect="1"/>
+              </p:cNvGraphicFramePr>
+              <p:nvPr>
+                <p:extLst>
+                  <p:ext uri="{D42A27DB-BD31-4B8C-83A1-F6EECF244321}">
+                    <p14:modId xmlns:p14="http://schemas.microsoft.com/office/powerpoint/2010/main" val="1075692259"/>
+                  </p:ext>
+                </p:extLst>
+              </p:nvPr>
+            </p:nvGraphicFramePr>
+            <p:xfrm>
+              <a:off x="540000" y="3240000"/>
+              <a:ext cx="2880000" cy="2880000"/>
+            </p:xfrm>
+            <a:graphic>
+              <a:graphicData uri="http://schemas.microsoft.com/office/powerpoint/2016/slidezoom">
+                <pslz:sldZm>
+                  <pslz:sldZmObj sldId="257" cId="44207352">
+                    <pslz:zmPr id="{F065D511-42F3-7841-A7DA-E4E064121050}" returnToParent="0" transitionDur="1000" showBg="0">
+                      <p166:blipFill xmlns:p166="http://schemas.microsoft.com/office/powerpoint/2016/6/main">
+                        <a:blip r:embed="rId33"/>
+                        <a:stretch>
+                          <a:fillRect/>
+                        </a:stretch>
+                      </p166:blipFill>
+                      <p166:spPr xmlns:p166="http://schemas.microsoft.com/office/powerpoint/2016/6/main">
+                        <a:xfrm>
+                          <a:off x="0" y="0"/>
+                          <a:ext cx="2880000" cy="2880000"/>
+                        </a:xfrm>
+                        <a:prstGeom prst="rect">
+                          <a:avLst/>
+                        </a:prstGeom>
+                      </p166:spPr>
+                    </pslz:zmPr>
+                  </pslz:sldZmObj>
+                </pslz:sldZm>
+              </a:graphicData>
+            </a:graphic>
+          </p:graphicFrame>
+        </mc:Choice>
+        <mc:Fallback xmlns="">
+          <p:pic>
+            <p:nvPicPr>
+              <p:cNvPr id="10" name="Slide Zoom 9">
+                <a:hlinkClick r:id="rId3" action="ppaction://hlinksldjump"/>
+                <a:extLst>
+                  <a:ext uri="{FF2B5EF4-FFF2-40B4-BE49-F238E27FC236}">
+                    <a16:creationId xmlns:a16="http://schemas.microsoft.com/office/drawing/2014/main" id="{73396E49-0131-401C-5D94-D29B7A2857FF}"/>
+                  </a:ext>
+                </a:extLst>
+              </p:cNvPr>
+              <p:cNvPicPr>
+                <a:picLocks noGrp="1" noRot="1" noChangeAspect="1" noMove="1" noResize="1" noEditPoints="1" noAdjustHandles="1" noChangeArrowheads="1" noChangeShapeType="1"/>
+              </p:cNvPicPr>
+              <p:nvPr/>
+            </p:nvPicPr>
+            <p:blipFill>
+              <a:blip r:embed="rId34"/>
+              <a:stretch>
+                <a:fillRect/>
+              </a:stretch>
+            </p:blipFill>
+            <p:spPr>
+              <a:xfrm>
+                <a:off x="540000" y="3240000"/>
+                <a:ext cx="2880000" cy="2880000"/>
+              </a:xfrm>
+              <a:prstGeom prst="rect">
+                <a:avLst/>
+              </a:prstGeom>
+            </p:spPr>
+          </p:pic>
+        </mc:Fallback>
+      </mc:AlternateContent>
+      <mc:AlternateContent xmlns:mc="http://schemas.openxmlformats.org/markup-compatibility/2006" xmlns:pslz="http://schemas.microsoft.com/office/powerpoint/2016/slidezoom">
+        <mc:Choice Requires="pslz">
+          <p:graphicFrame>
+            <p:nvGraphicFramePr>
+              <p:cNvPr id="12" name="Slide Zoom 11">
+                <a:extLst>
+                  <a:ext uri="{FF2B5EF4-FFF2-40B4-BE49-F238E27FC236}">
+                    <a16:creationId xmlns:a16="http://schemas.microsoft.com/office/drawing/2014/main" id="{0524673F-A6F7-3CD8-7920-E4FA02AEC9FE}"/>
+                  </a:ext>
+                </a:extLst>
+              </p:cNvPr>
+              <p:cNvGraphicFramePr>
+                <a:graphicFrameLocks noChangeAspect="1"/>
+              </p:cNvGraphicFramePr>
+              <p:nvPr>
+                <p:extLst>
+                  <p:ext uri="{D42A27DB-BD31-4B8C-83A1-F6EECF244321}">
+                    <p14:modId xmlns:p14="http://schemas.microsoft.com/office/powerpoint/2010/main" val="881501375"/>
+                  </p:ext>
+                </p:extLst>
+              </p:nvPr>
+            </p:nvGraphicFramePr>
+            <p:xfrm>
+              <a:off x="4140000" y="3240000"/>
+              <a:ext cx="2880000" cy="2880000"/>
+            </p:xfrm>
+            <a:graphic>
+              <a:graphicData uri="http://schemas.microsoft.com/office/powerpoint/2016/slidezoom">
+                <pslz:sldZm>
+                  <pslz:sldZmObj sldId="257" cId="44207352">
+                    <pslz:zmPr id="{F065D511-42F3-7841-A7DA-E4E064121050}" returnToParent="0" transitionDur="1000" showBg="0">
+                      <p166:blipFill xmlns:p166="http://schemas.microsoft.com/office/powerpoint/2016/6/main">
+                        <a:blip r:embed="rId35"/>
+                        <a:stretch>
+                          <a:fillRect/>
+                        </a:stretch>
+                      </p166:blipFill>
+                      <p166:spPr xmlns:p166="http://schemas.microsoft.com/office/powerpoint/2016/6/main">
+                        <a:xfrm>
+                          <a:off x="0" y="0"/>
+                          <a:ext cx="2880000" cy="2880000"/>
+                        </a:xfrm>
+                        <a:prstGeom prst="rect">
+                          <a:avLst/>
+                        </a:prstGeom>
+                      </p166:spPr>
+                    </pslz:zmPr>
+                  </pslz:sldZmObj>
+                </pslz:sldZm>
+              </a:graphicData>
+            </a:graphic>
+          </p:graphicFrame>
+        </mc:Choice>
+        <mc:Fallback xmlns="">
+          <p:pic>
+            <p:nvPicPr>
+              <p:cNvPr id="12" name="Slide Zoom 11">
+                <a:hlinkClick r:id="rId3" action="ppaction://hlinksldjump"/>
+                <a:extLst>
+                  <a:ext uri="{FF2B5EF4-FFF2-40B4-BE49-F238E27FC236}">
+                    <a16:creationId xmlns:a16="http://schemas.microsoft.com/office/drawing/2014/main" id="{0524673F-A6F7-3CD8-7920-E4FA02AEC9FE}"/>
+                  </a:ext>
+                </a:extLst>
+              </p:cNvPr>
+              <p:cNvPicPr>
+                <a:picLocks noGrp="1" noRot="1" noChangeAspect="1" noMove="1" noResize="1" noEditPoints="1" noAdjustHandles="1" noChangeArrowheads="1" noChangeShapeType="1"/>
+              </p:cNvPicPr>
+              <p:nvPr/>
+            </p:nvPicPr>
+            <p:blipFill>
+              <a:blip r:embed="rId36"/>
+              <a:stretch>
+                <a:fillRect/>
+              </a:stretch>
+            </p:blipFill>
+            <p:spPr>
+              <a:xfrm>
+                <a:off x="4140000" y="3240000"/>
+                <a:ext cx="2880000" cy="2880000"/>
+              </a:xfrm>
+              <a:prstGeom prst="rect">
+                <a:avLst/>
+              </a:prstGeom>
+            </p:spPr>
+          </p:pic>
+        </mc:Fallback>
+      </mc:AlternateContent>
+      <mc:AlternateContent xmlns:mc="http://schemas.openxmlformats.org/markup-compatibility/2006" xmlns:pslz="http://schemas.microsoft.com/office/powerpoint/2016/slidezoom">
+        <mc:Choice Requires="pslz">
+          <p:graphicFrame>
+            <p:nvGraphicFramePr>
+              <p:cNvPr id="13" name="Slide Zoom 12">
+                <a:extLst>
+                  <a:ext uri="{FF2B5EF4-FFF2-40B4-BE49-F238E27FC236}">
+                    <a16:creationId xmlns:a16="http://schemas.microsoft.com/office/drawing/2014/main" id="{4E918554-78FD-FC1F-D726-91FE92B8BF74}"/>
+                  </a:ext>
+                </a:extLst>
+              </p:cNvPr>
+              <p:cNvGraphicFramePr>
+                <a:graphicFrameLocks noChangeAspect="1"/>
+              </p:cNvGraphicFramePr>
+              <p:nvPr>
+                <p:extLst>
+                  <p:ext uri="{D42A27DB-BD31-4B8C-83A1-F6EECF244321}">
+                    <p14:modId xmlns:p14="http://schemas.microsoft.com/office/powerpoint/2010/main" val="1553566990"/>
+                  </p:ext>
+                </p:extLst>
+              </p:nvPr>
+            </p:nvGraphicFramePr>
+            <p:xfrm>
+              <a:off x="540000" y="1440000"/>
+              <a:ext cx="2880000" cy="2880000"/>
+            </p:xfrm>
+            <a:graphic>
+              <a:graphicData uri="http://schemas.microsoft.com/office/powerpoint/2016/slidezoom">
+                <pslz:sldZm>
+                  <pslz:sldZmObj sldId="257" cId="44207352">
+                    <pslz:zmPr id="{F065D511-42F3-7841-A7DA-E4E064121050}" returnToParent="0" transitionDur="1000" showBg="0">
+                      <p166:blipFill xmlns:p166="http://schemas.microsoft.com/office/powerpoint/2016/6/main">
+                        <a:blip r:embed="rId37"/>
+                        <a:stretch>
+                          <a:fillRect/>
+                        </a:stretch>
+                      </p166:blipFill>
+                      <p166:spPr xmlns:p166="http://schemas.microsoft.com/office/powerpoint/2016/6/main">
+                        <a:xfrm>
+                          <a:off x="0" y="0"/>
+                          <a:ext cx="2880000" cy="2880000"/>
+                        </a:xfrm>
+                        <a:prstGeom prst="rect">
+                          <a:avLst/>
+                        </a:prstGeom>
+                      </p166:spPr>
+                    </pslz:zmPr>
+                  </pslz:sldZmObj>
+                </pslz:sldZm>
+              </a:graphicData>
+            </a:graphic>
+          </p:graphicFrame>
+        </mc:Choice>
+        <mc:Fallback xmlns="">
+          <p:pic>
+            <p:nvPicPr>
+              <p:cNvPr id="13" name="Slide Zoom 12">
+                <a:hlinkClick r:id="rId3" action="ppaction://hlinksldjump"/>
+                <a:extLst>
+                  <a:ext uri="{FF2B5EF4-FFF2-40B4-BE49-F238E27FC236}">
+                    <a16:creationId xmlns:a16="http://schemas.microsoft.com/office/drawing/2014/main" id="{4E918554-78FD-FC1F-D726-91FE92B8BF74}"/>
+                  </a:ext>
+                </a:extLst>
+              </p:cNvPr>
+              <p:cNvPicPr>
+                <a:picLocks noGrp="1" noRot="1" noChangeAspect="1" noMove="1" noResize="1" noEditPoints="1" noAdjustHandles="1" noChangeArrowheads="1" noChangeShapeType="1"/>
+              </p:cNvPicPr>
+              <p:nvPr/>
+            </p:nvPicPr>
+            <p:blipFill>
+              <a:blip r:embed="rId38"/>
+              <a:stretch>
+                <a:fillRect/>
+              </a:stretch>
+            </p:blipFill>
+            <p:spPr>
+              <a:xfrm>
+                <a:off x="540000" y="1440000"/>
+                <a:ext cx="2880000" cy="2880000"/>
+              </a:xfrm>
+              <a:prstGeom prst="rect">
+                <a:avLst/>
+              </a:prstGeom>
+            </p:spPr>
+          </p:pic>
+        </mc:Fallback>
+      </mc:AlternateContent>
+      <mc:AlternateContent xmlns:mc="http://schemas.openxmlformats.org/markup-compatibility/2006" xmlns:pslz="http://schemas.microsoft.com/office/powerpoint/2016/slidezoom">
+        <mc:Choice Requires="pslz">
+          <p:graphicFrame>
+            <p:nvGraphicFramePr>
+              <p:cNvPr id="14" name="Slide Zoom 13">
+                <a:extLst>
+                  <a:ext uri="{FF2B5EF4-FFF2-40B4-BE49-F238E27FC236}">
+                    <a16:creationId xmlns:a16="http://schemas.microsoft.com/office/drawing/2014/main" id="{83023AE5-A4B1-FBC8-6970-2D97D3632C79}"/>
+                  </a:ext>
+                </a:extLst>
+              </p:cNvPr>
+              <p:cNvGraphicFramePr>
+                <a:graphicFrameLocks noChangeAspect="1"/>
+              </p:cNvGraphicFramePr>
+              <p:nvPr>
+                <p:extLst>
+                  <p:ext uri="{D42A27DB-BD31-4B8C-83A1-F6EECF244321}">
+                    <p14:modId xmlns:p14="http://schemas.microsoft.com/office/powerpoint/2010/main" val="3454606778"/>
+                  </p:ext>
+                </p:extLst>
+              </p:nvPr>
+            </p:nvGraphicFramePr>
+            <p:xfrm>
+              <a:off x="2340000" y="1440000"/>
+              <a:ext cx="2880000" cy="2880000"/>
+            </p:xfrm>
+            <a:graphic>
+              <a:graphicData uri="http://schemas.microsoft.com/office/powerpoint/2016/slidezoom">
+                <pslz:sldZm>
+                  <pslz:sldZmObj sldId="257" cId="44207352">
+                    <pslz:zmPr id="{F065D511-42F3-7841-A7DA-E4E064121050}" returnToParent="0" transitionDur="1000" showBg="0">
+                      <p166:blipFill xmlns:p166="http://schemas.microsoft.com/office/powerpoint/2016/6/main">
+                        <a:blip r:embed="rId39"/>
+                        <a:stretch>
+                          <a:fillRect/>
+                        </a:stretch>
+                      </p166:blipFill>
+                      <p166:spPr xmlns:p166="http://schemas.microsoft.com/office/powerpoint/2016/6/main">
+                        <a:xfrm>
+                          <a:off x="0" y="0"/>
+                          <a:ext cx="2880000" cy="2880000"/>
+                        </a:xfrm>
+                        <a:prstGeom prst="rect">
+                          <a:avLst/>
+                        </a:prstGeom>
+                      </p166:spPr>
+                    </pslz:zmPr>
+                  </pslz:sldZmObj>
+                </pslz:sldZm>
+              </a:graphicData>
+            </a:graphic>
+          </p:graphicFrame>
+        </mc:Choice>
+        <mc:Fallback xmlns="">
+          <p:pic>
+            <p:nvPicPr>
+              <p:cNvPr id="14" name="Slide Zoom 13">
+                <a:hlinkClick r:id="rId3" action="ppaction://hlinksldjump"/>
+                <a:extLst>
+                  <a:ext uri="{FF2B5EF4-FFF2-40B4-BE49-F238E27FC236}">
+                    <a16:creationId xmlns:a16="http://schemas.microsoft.com/office/drawing/2014/main" id="{83023AE5-A4B1-FBC8-6970-2D97D3632C79}"/>
+                  </a:ext>
+                </a:extLst>
+              </p:cNvPr>
+              <p:cNvPicPr>
+                <a:picLocks noGrp="1" noRot="1" noChangeAspect="1" noMove="1" noResize="1" noEditPoints="1" noAdjustHandles="1" noChangeArrowheads="1" noChangeShapeType="1"/>
+              </p:cNvPicPr>
+              <p:nvPr/>
+            </p:nvPicPr>
+            <p:blipFill>
+              <a:blip r:embed="rId40"/>
+              <a:stretch>
+                <a:fillRect/>
+              </a:stretch>
+            </p:blipFill>
+            <p:spPr>
+              <a:xfrm>
+                <a:off x="2340000" y="1440000"/>
+                <a:ext cx="2880000" cy="2880000"/>
+              </a:xfrm>
+              <a:prstGeom prst="rect">
+                <a:avLst/>
+              </a:prstGeom>
+            </p:spPr>
+          </p:pic>
+        </mc:Fallback>
+      </mc:AlternateContent>
+      <mc:AlternateContent xmlns:mc="http://schemas.openxmlformats.org/markup-compatibility/2006" xmlns:pslz="http://schemas.microsoft.com/office/powerpoint/2016/slidezoom">
+        <mc:Choice Requires="pslz">
+          <p:graphicFrame>
+            <p:nvGraphicFramePr>
+              <p:cNvPr id="15" name="Slide Zoom 14">
+                <a:extLst>
+                  <a:ext uri="{FF2B5EF4-FFF2-40B4-BE49-F238E27FC236}">
+                    <a16:creationId xmlns:a16="http://schemas.microsoft.com/office/drawing/2014/main" id="{59FB35EE-4244-9D7A-F61C-16F2BCC24394}"/>
+                  </a:ext>
+                </a:extLst>
+              </p:cNvPr>
+              <p:cNvGraphicFramePr>
+                <a:graphicFrameLocks noChangeAspect="1"/>
+              </p:cNvGraphicFramePr>
+              <p:nvPr>
+                <p:extLst>
+                  <p:ext uri="{D42A27DB-BD31-4B8C-83A1-F6EECF244321}">
+                    <p14:modId xmlns:p14="http://schemas.microsoft.com/office/powerpoint/2010/main" val="2092548052"/>
+                  </p:ext>
+                </p:extLst>
+              </p:nvPr>
+            </p:nvGraphicFramePr>
+            <p:xfrm>
+              <a:off x="4140000" y="1440000"/>
+              <a:ext cx="2880000" cy="2880000"/>
+            </p:xfrm>
+            <a:graphic>
+              <a:graphicData uri="http://schemas.microsoft.com/office/powerpoint/2016/slidezoom">
+                <pslz:sldZm>
+                  <pslz:sldZmObj sldId="257" cId="44207352">
+                    <pslz:zmPr id="{F065D511-42F3-7841-A7DA-E4E064121050}" returnToParent="0" transitionDur="1000" showBg="0">
+                      <p166:blipFill xmlns:p166="http://schemas.microsoft.com/office/powerpoint/2016/6/main">
+                        <a:blip r:embed="rId41"/>
+                        <a:stretch>
+                          <a:fillRect/>
+                        </a:stretch>
+                      </p166:blipFill>
+                      <p166:spPr xmlns:p166="http://schemas.microsoft.com/office/powerpoint/2016/6/main">
+                        <a:xfrm>
+                          <a:off x="0" y="0"/>
+                          <a:ext cx="2880000" cy="2880000"/>
+                        </a:xfrm>
+                        <a:prstGeom prst="rect">
+                          <a:avLst/>
+                        </a:prstGeom>
+                      </p166:spPr>
+                    </pslz:zmPr>
+                  </pslz:sldZmObj>
+                </pslz:sldZm>
+              </a:graphicData>
+            </a:graphic>
+          </p:graphicFrame>
+        </mc:Choice>
+        <mc:Fallback xmlns="">
+          <p:pic>
+            <p:nvPicPr>
+              <p:cNvPr id="15" name="Slide Zoom 14">
+                <a:hlinkClick r:id="rId3" action="ppaction://hlinksldjump"/>
+                <a:extLst>
+                  <a:ext uri="{FF2B5EF4-FFF2-40B4-BE49-F238E27FC236}">
+                    <a16:creationId xmlns:a16="http://schemas.microsoft.com/office/drawing/2014/main" id="{59FB35EE-4244-9D7A-F61C-16F2BCC24394}"/>
+                  </a:ext>
+                </a:extLst>
+              </p:cNvPr>
+              <p:cNvPicPr>
+                <a:picLocks noGrp="1" noRot="1" noChangeAspect="1" noMove="1" noResize="1" noEditPoints="1" noAdjustHandles="1" noChangeArrowheads="1" noChangeShapeType="1"/>
+              </p:cNvPicPr>
+              <p:nvPr/>
+            </p:nvPicPr>
+            <p:blipFill>
+              <a:blip r:embed="rId42"/>
+              <a:stretch>
+                <a:fillRect/>
+              </a:stretch>
+            </p:blipFill>
+            <p:spPr>
+              <a:xfrm>
+                <a:off x="4140000" y="1440000"/>
+                <a:ext cx="2880000" cy="2880000"/>
+              </a:xfrm>
+              <a:prstGeom prst="rect">
+                <a:avLst/>
+              </a:prstGeom>
+            </p:spPr>
+          </p:pic>
+        </mc:Fallback>
+      </mc:AlternateContent>
+      <p:sp>
+        <p:nvSpPr>
+          <p:cNvPr id="16" name="Parallelogram 15">
             <a:extLst>
               <a:ext uri="{FF2B5EF4-FFF2-40B4-BE49-F238E27FC236}">
-                <a16:creationId xmlns:a16="http://schemas.microsoft.com/office/drawing/2014/main" id="{5DCEB6A7-F77F-BDAE-4A9D-4204AF81705C}"/>
+                <a16:creationId xmlns:a16="http://schemas.microsoft.com/office/drawing/2014/main" id="{4B5109B4-243F-3970-35CD-892427C1A5CA}"/>
               </a:ext>
             </a:extLst>
           </p:cNvPr>
@@ -4725,12 +4725,12 @@
         </p:nvSpPr>
         <p:spPr>
           <a:xfrm>
-            <a:off x="540000" y="1080000"/>
-            <a:ext cx="7560000" cy="1080000"/>
+            <a:off x="817560" y="1080000"/>
+            <a:ext cx="7024765" cy="1080000"/>
           </a:xfrm>
           <a:prstGeom prst="parallelogram">
             <a:avLst>
-              <a:gd name="adj" fmla="val 199954"/>
+              <a:gd name="adj" fmla="val 149389"/>
             </a:avLst>
           </a:prstGeom>
           <a:solidFill>
@@ -4739,11 +4739,7 @@
             </a:schemeClr>
           </a:solidFill>
           <a:ln w="3175">
-            <a:solidFill>
-              <a:schemeClr val="tx1">
-                <a:alpha val="25000"/>
-              </a:schemeClr>
-            </a:solidFill>
+            <a:noFill/>
           </a:ln>
         </p:spPr>
         <p:style>
@@ -4773,10 +4769,10 @@
       </p:sp>
       <p:sp>
         <p:nvSpPr>
-          <p:cNvPr id="29" name="Parallelogram 28">
+          <p:cNvPr id="17" name="Parallelogram 16">
             <a:extLst>
               <a:ext uri="{FF2B5EF4-FFF2-40B4-BE49-F238E27FC236}">
-                <a16:creationId xmlns:a16="http://schemas.microsoft.com/office/drawing/2014/main" id="{4D93AFA1-0F30-363F-2D2B-A55D783F512A}"/>
+                <a16:creationId xmlns:a16="http://schemas.microsoft.com/office/drawing/2014/main" id="{0290D78B-537A-5318-8402-C4EEED382202}"/>
               </a:ext>
             </a:extLst>
           </p:cNvPr>
@@ -4785,12 +4781,12 @@
         </p:nvSpPr>
         <p:spPr>
           <a:xfrm rot="16200000" flipH="1">
-            <a:off x="3780000" y="3240000"/>
-            <a:ext cx="6480000" cy="2160000"/>
+            <a:off x="3772861" y="3511089"/>
+            <a:ext cx="6489798" cy="1627620"/>
           </a:xfrm>
           <a:prstGeom prst="parallelogram">
             <a:avLst>
-              <a:gd name="adj" fmla="val 49925"/>
+              <a:gd name="adj" fmla="val 66739"/>
             </a:avLst>
           </a:prstGeom>
           <a:solidFill>
@@ -4801,11 +4797,7 @@
             </a:schemeClr>
           </a:solidFill>
           <a:ln w="3175">
-            <a:solidFill>
-              <a:schemeClr val="tx1">
-                <a:alpha val="50000"/>
-              </a:schemeClr>
-            </a:solidFill>
+            <a:noFill/>
           </a:ln>
         </p:spPr>
         <p:style>
@@ -4835,10 +4827,10 @@
       </p:sp>
       <p:sp>
         <p:nvSpPr>
-          <p:cNvPr id="62" name="Rectangle 61">
+          <p:cNvPr id="18" name="Rectangle 17">
             <a:extLst>
               <a:ext uri="{FF2B5EF4-FFF2-40B4-BE49-F238E27FC236}">
-                <a16:creationId xmlns:a16="http://schemas.microsoft.com/office/drawing/2014/main" id="{C102A793-7145-38CA-15D8-2C1B8B4945C4}"/>
+                <a16:creationId xmlns:a16="http://schemas.microsoft.com/office/drawing/2014/main" id="{F24CB39B-3940-074C-E74B-6E5A4DD154BE}"/>
               </a:ext>
             </a:extLst>
           </p:cNvPr>
@@ -4847,8 +4839,8 @@
         </p:nvSpPr>
         <p:spPr>
           <a:xfrm>
-            <a:off x="540000" y="2160000"/>
-            <a:ext cx="5400000" cy="5400000"/>
+            <a:off x="810409" y="2160000"/>
+            <a:ext cx="5393539" cy="5406212"/>
           </a:xfrm>
           <a:prstGeom prst="rect">
             <a:avLst/>
@@ -4860,11 +4852,7 @@
             </a:schemeClr>
           </a:solidFill>
           <a:ln w="3175">
-            <a:solidFill>
-              <a:schemeClr val="tx1">
-                <a:alpha val="25000"/>
-              </a:schemeClr>
-            </a:solidFill>
+            <a:noFill/>
           </a:ln>
         </p:spPr>
         <p:style>
